--- a/Etap II/MED - Prezentacja wstępa Etap II.pptx
+++ b/Etap II/MED - Prezentacja wstępa Etap II.pptx
@@ -4,6 +4,9 @@
   <p:sldMasterIdLst>
     <p:sldMasterId id="2147483672" r:id="rId1"/>
   </p:sldMasterIdLst>
+  <p:notesMasterIdLst>
+    <p:notesMasterId r:id="rId23"/>
+  </p:notesMasterIdLst>
   <p:sldIdLst>
     <p:sldId id="256" r:id="rId2"/>
     <p:sldId id="257" r:id="rId3"/>
@@ -11,16 +14,21 @@
     <p:sldId id="272" r:id="rId5"/>
     <p:sldId id="268" r:id="rId6"/>
     <p:sldId id="264" r:id="rId7"/>
-    <p:sldId id="261" r:id="rId8"/>
-    <p:sldId id="267" r:id="rId9"/>
-    <p:sldId id="278" r:id="rId10"/>
-    <p:sldId id="265" r:id="rId11"/>
-    <p:sldId id="273" r:id="rId12"/>
-    <p:sldId id="277" r:id="rId13"/>
-    <p:sldId id="274" r:id="rId14"/>
-    <p:sldId id="276" r:id="rId15"/>
-    <p:sldId id="275" r:id="rId16"/>
-    <p:sldId id="266" r:id="rId17"/>
+    <p:sldId id="279" r:id="rId8"/>
+    <p:sldId id="261" r:id="rId9"/>
+    <p:sldId id="267" r:id="rId10"/>
+    <p:sldId id="278" r:id="rId11"/>
+    <p:sldId id="265" r:id="rId12"/>
+    <p:sldId id="273" r:id="rId13"/>
+    <p:sldId id="280" r:id="rId14"/>
+    <p:sldId id="277" r:id="rId15"/>
+    <p:sldId id="274" r:id="rId16"/>
+    <p:sldId id="281" r:id="rId17"/>
+    <p:sldId id="276" r:id="rId18"/>
+    <p:sldId id="275" r:id="rId19"/>
+    <p:sldId id="282" r:id="rId20"/>
+    <p:sldId id="266" r:id="rId21"/>
+    <p:sldId id="283" r:id="rId22"/>
   </p:sldIdLst>
   <p:sldSz cx="12192000" cy="6858000"/>
   <p:notesSz cx="6858000" cy="9144000"/>
@@ -4949,6 +4957,439 @@
 </dgm:styleDef>
 </file>
 
+<file path=ppt/notesMasters/notesMaster1.xml><?xml version="1.0" encoding="utf-8"?>
+<p:notesMaster xmlns:a="http://schemas.openxmlformats.org/drawingml/2006/main" xmlns:r="http://schemas.openxmlformats.org/officeDocument/2006/relationships" xmlns:p="http://schemas.openxmlformats.org/presentationml/2006/main">
+  <p:cSld>
+    <p:bg>
+      <p:bgRef idx="1001">
+        <a:schemeClr val="bg1"/>
+      </p:bgRef>
+    </p:bg>
+    <p:spTree>
+      <p:nvGrpSpPr>
+        <p:cNvPr id="1" name=""/>
+        <p:cNvGrpSpPr/>
+        <p:nvPr/>
+      </p:nvGrpSpPr>
+      <p:grpSpPr>
+        <a:xfrm>
+          <a:off x="0" y="0"/>
+          <a:ext cx="0" cy="0"/>
+          <a:chOff x="0" y="0"/>
+          <a:chExt cx="0" cy="0"/>
+        </a:xfrm>
+      </p:grpSpPr>
+      <p:sp>
+        <p:nvSpPr>
+          <p:cNvPr id="2" name="Symbol zastępczy nagłówka 1"/>
+          <p:cNvSpPr>
+            <a:spLocks noGrp="1"/>
+          </p:cNvSpPr>
+          <p:nvPr>
+            <p:ph type="hdr" sz="quarter"/>
+          </p:nvPr>
+        </p:nvSpPr>
+        <p:spPr>
+          <a:xfrm>
+            <a:off x="0" y="0"/>
+            <a:ext cx="2971800" cy="458788"/>
+          </a:xfrm>
+          <a:prstGeom prst="rect">
+            <a:avLst/>
+          </a:prstGeom>
+        </p:spPr>
+        <p:txBody>
+          <a:bodyPr vert="horz" lIns="91440" tIns="45720" rIns="91440" bIns="45720" rtlCol="0"/>
+          <a:lstStyle>
+            <a:lvl1pPr algn="l">
+              <a:defRPr sz="1200"/>
+            </a:lvl1pPr>
+          </a:lstStyle>
+          <a:p>
+            <a:endParaRPr lang="pl-PL"/>
+          </a:p>
+        </p:txBody>
+      </p:sp>
+      <p:sp>
+        <p:nvSpPr>
+          <p:cNvPr id="3" name="Symbol zastępczy daty 2"/>
+          <p:cNvSpPr>
+            <a:spLocks noGrp="1"/>
+          </p:cNvSpPr>
+          <p:nvPr>
+            <p:ph type="dt" idx="1"/>
+          </p:nvPr>
+        </p:nvSpPr>
+        <p:spPr>
+          <a:xfrm>
+            <a:off x="3884613" y="0"/>
+            <a:ext cx="2971800" cy="458788"/>
+          </a:xfrm>
+          <a:prstGeom prst="rect">
+            <a:avLst/>
+          </a:prstGeom>
+        </p:spPr>
+        <p:txBody>
+          <a:bodyPr vert="horz" lIns="91440" tIns="45720" rIns="91440" bIns="45720" rtlCol="0"/>
+          <a:lstStyle>
+            <a:lvl1pPr algn="r">
+              <a:defRPr sz="1200"/>
+            </a:lvl1pPr>
+          </a:lstStyle>
+          <a:p>
+            <a:fld id="{17D14972-E645-B54A-97EA-A646E6488F4E}" type="datetimeFigureOut">
+              <a:rPr lang="pl-PL" smtClean="0"/>
+              <a:t>8.01.2025</a:t>
+            </a:fld>
+            <a:endParaRPr lang="pl-PL"/>
+          </a:p>
+        </p:txBody>
+      </p:sp>
+      <p:sp>
+        <p:nvSpPr>
+          <p:cNvPr id="4" name="Symbol zastępczy obrazu slajdu 3"/>
+          <p:cNvSpPr>
+            <a:spLocks noGrp="1" noRot="1" noChangeAspect="1"/>
+          </p:cNvSpPr>
+          <p:nvPr>
+            <p:ph type="sldImg" idx="2"/>
+          </p:nvPr>
+        </p:nvSpPr>
+        <p:spPr>
+          <a:xfrm>
+            <a:off x="685800" y="1143000"/>
+            <a:ext cx="5486400" cy="3086100"/>
+          </a:xfrm>
+          <a:prstGeom prst="rect">
+            <a:avLst/>
+          </a:prstGeom>
+          <a:noFill/>
+          <a:ln w="12700">
+            <a:solidFill>
+              <a:prstClr val="black"/>
+            </a:solidFill>
+          </a:ln>
+        </p:spPr>
+        <p:txBody>
+          <a:bodyPr vert="horz" lIns="91440" tIns="45720" rIns="91440" bIns="45720" rtlCol="0" anchor="ctr"/>
+          <a:lstStyle/>
+          <a:p>
+            <a:endParaRPr lang="pl-PL"/>
+          </a:p>
+        </p:txBody>
+      </p:sp>
+      <p:sp>
+        <p:nvSpPr>
+          <p:cNvPr id="5" name="Symbol zastępczy notatek 4"/>
+          <p:cNvSpPr>
+            <a:spLocks noGrp="1"/>
+          </p:cNvSpPr>
+          <p:nvPr>
+            <p:ph type="body" sz="quarter" idx="3"/>
+          </p:nvPr>
+        </p:nvSpPr>
+        <p:spPr>
+          <a:xfrm>
+            <a:off x="685800" y="4400550"/>
+            <a:ext cx="5486400" cy="3600450"/>
+          </a:xfrm>
+          <a:prstGeom prst="rect">
+            <a:avLst/>
+          </a:prstGeom>
+        </p:spPr>
+        <p:txBody>
+          <a:bodyPr vert="horz" lIns="91440" tIns="45720" rIns="91440" bIns="45720" rtlCol="0"/>
+          <a:lstStyle/>
+          <a:p>
+            <a:pPr lvl="0"/>
+            <a:r>
+              <a:rPr lang="pl-PL"/>
+              <a:t>Kliknij, aby edytować style wzorca tekstu</a:t>
+            </a:r>
+          </a:p>
+          <a:p>
+            <a:pPr lvl="1"/>
+            <a:r>
+              <a:rPr lang="pl-PL"/>
+              <a:t>Drugi poziom</a:t>
+            </a:r>
+          </a:p>
+          <a:p>
+            <a:pPr lvl="2"/>
+            <a:r>
+              <a:rPr lang="pl-PL"/>
+              <a:t>Trzeci poziom</a:t>
+            </a:r>
+          </a:p>
+          <a:p>
+            <a:pPr lvl="3"/>
+            <a:r>
+              <a:rPr lang="pl-PL"/>
+              <a:t>Czwarty poziom</a:t>
+            </a:r>
+          </a:p>
+          <a:p>
+            <a:pPr lvl="4"/>
+            <a:r>
+              <a:rPr lang="pl-PL"/>
+              <a:t>Piąty poziom</a:t>
+            </a:r>
+          </a:p>
+        </p:txBody>
+      </p:sp>
+      <p:sp>
+        <p:nvSpPr>
+          <p:cNvPr id="6" name="Symbol zastępczy stopki 5"/>
+          <p:cNvSpPr>
+            <a:spLocks noGrp="1"/>
+          </p:cNvSpPr>
+          <p:nvPr>
+            <p:ph type="ftr" sz="quarter" idx="4"/>
+          </p:nvPr>
+        </p:nvSpPr>
+        <p:spPr>
+          <a:xfrm>
+            <a:off x="0" y="8685213"/>
+            <a:ext cx="2971800" cy="458787"/>
+          </a:xfrm>
+          <a:prstGeom prst="rect">
+            <a:avLst/>
+          </a:prstGeom>
+        </p:spPr>
+        <p:txBody>
+          <a:bodyPr vert="horz" lIns="91440" tIns="45720" rIns="91440" bIns="45720" rtlCol="0" anchor="b"/>
+          <a:lstStyle>
+            <a:lvl1pPr algn="l">
+              <a:defRPr sz="1200"/>
+            </a:lvl1pPr>
+          </a:lstStyle>
+          <a:p>
+            <a:endParaRPr lang="pl-PL"/>
+          </a:p>
+        </p:txBody>
+      </p:sp>
+      <p:sp>
+        <p:nvSpPr>
+          <p:cNvPr id="7" name="Symbol zastępczy numeru slajdu 6"/>
+          <p:cNvSpPr>
+            <a:spLocks noGrp="1"/>
+          </p:cNvSpPr>
+          <p:nvPr>
+            <p:ph type="sldNum" sz="quarter" idx="5"/>
+          </p:nvPr>
+        </p:nvSpPr>
+        <p:spPr>
+          <a:xfrm>
+            <a:off x="3884613" y="8685213"/>
+            <a:ext cx="2971800" cy="458787"/>
+          </a:xfrm>
+          <a:prstGeom prst="rect">
+            <a:avLst/>
+          </a:prstGeom>
+        </p:spPr>
+        <p:txBody>
+          <a:bodyPr vert="horz" lIns="91440" tIns="45720" rIns="91440" bIns="45720" rtlCol="0" anchor="b"/>
+          <a:lstStyle>
+            <a:lvl1pPr algn="r">
+              <a:defRPr sz="1200"/>
+            </a:lvl1pPr>
+          </a:lstStyle>
+          <a:p>
+            <a:fld id="{A552FB2F-05A5-5844-93A6-515EE3D03A61}" type="slidenum">
+              <a:rPr lang="pl-PL" smtClean="0"/>
+              <a:t>‹#›</a:t>
+            </a:fld>
+            <a:endParaRPr lang="pl-PL"/>
+          </a:p>
+        </p:txBody>
+      </p:sp>
+    </p:spTree>
+    <p:extLst>
+      <p:ext uri="{BB962C8B-B14F-4D97-AF65-F5344CB8AC3E}">
+        <p14:creationId xmlns:p14="http://schemas.microsoft.com/office/powerpoint/2010/main" val="3639829231"/>
+      </p:ext>
+    </p:extLst>
+  </p:cSld>
+  <p:clrMap bg1="lt1" tx1="dk1" bg2="lt2" tx2="dk2" accent1="accent1" accent2="accent2" accent3="accent3" accent4="accent4" accent5="accent5" accent6="accent6" hlink="hlink" folHlink="folHlink"/>
+  <p:notesStyle>
+    <a:lvl1pPr marL="0" algn="l" defTabSz="914400" rtl="0" eaLnBrk="1" latinLnBrk="0" hangingPunct="1">
+      <a:defRPr sz="1200" kern="1200">
+        <a:solidFill>
+          <a:schemeClr val="tx1"/>
+        </a:solidFill>
+        <a:latin typeface="+mn-lt"/>
+        <a:ea typeface="+mn-ea"/>
+        <a:cs typeface="+mn-cs"/>
+      </a:defRPr>
+    </a:lvl1pPr>
+    <a:lvl2pPr marL="457200" algn="l" defTabSz="914400" rtl="0" eaLnBrk="1" latinLnBrk="0" hangingPunct="1">
+      <a:defRPr sz="1200" kern="1200">
+        <a:solidFill>
+          <a:schemeClr val="tx1"/>
+        </a:solidFill>
+        <a:latin typeface="+mn-lt"/>
+        <a:ea typeface="+mn-ea"/>
+        <a:cs typeface="+mn-cs"/>
+      </a:defRPr>
+    </a:lvl2pPr>
+    <a:lvl3pPr marL="914400" algn="l" defTabSz="914400" rtl="0" eaLnBrk="1" latinLnBrk="0" hangingPunct="1">
+      <a:defRPr sz="1200" kern="1200">
+        <a:solidFill>
+          <a:schemeClr val="tx1"/>
+        </a:solidFill>
+        <a:latin typeface="+mn-lt"/>
+        <a:ea typeface="+mn-ea"/>
+        <a:cs typeface="+mn-cs"/>
+      </a:defRPr>
+    </a:lvl3pPr>
+    <a:lvl4pPr marL="1371600" algn="l" defTabSz="914400" rtl="0" eaLnBrk="1" latinLnBrk="0" hangingPunct="1">
+      <a:defRPr sz="1200" kern="1200">
+        <a:solidFill>
+          <a:schemeClr val="tx1"/>
+        </a:solidFill>
+        <a:latin typeface="+mn-lt"/>
+        <a:ea typeface="+mn-ea"/>
+        <a:cs typeface="+mn-cs"/>
+      </a:defRPr>
+    </a:lvl4pPr>
+    <a:lvl5pPr marL="1828800" algn="l" defTabSz="914400" rtl="0" eaLnBrk="1" latinLnBrk="0" hangingPunct="1">
+      <a:defRPr sz="1200" kern="1200">
+        <a:solidFill>
+          <a:schemeClr val="tx1"/>
+        </a:solidFill>
+        <a:latin typeface="+mn-lt"/>
+        <a:ea typeface="+mn-ea"/>
+        <a:cs typeface="+mn-cs"/>
+      </a:defRPr>
+    </a:lvl5pPr>
+    <a:lvl6pPr marL="2286000" algn="l" defTabSz="914400" rtl="0" eaLnBrk="1" latinLnBrk="0" hangingPunct="1">
+      <a:defRPr sz="1200" kern="1200">
+        <a:solidFill>
+          <a:schemeClr val="tx1"/>
+        </a:solidFill>
+        <a:latin typeface="+mn-lt"/>
+        <a:ea typeface="+mn-ea"/>
+        <a:cs typeface="+mn-cs"/>
+      </a:defRPr>
+    </a:lvl6pPr>
+    <a:lvl7pPr marL="2743200" algn="l" defTabSz="914400" rtl="0" eaLnBrk="1" latinLnBrk="0" hangingPunct="1">
+      <a:defRPr sz="1200" kern="1200">
+        <a:solidFill>
+          <a:schemeClr val="tx1"/>
+        </a:solidFill>
+        <a:latin typeface="+mn-lt"/>
+        <a:ea typeface="+mn-ea"/>
+        <a:cs typeface="+mn-cs"/>
+      </a:defRPr>
+    </a:lvl7pPr>
+    <a:lvl8pPr marL="3200400" algn="l" defTabSz="914400" rtl="0" eaLnBrk="1" latinLnBrk="0" hangingPunct="1">
+      <a:defRPr sz="1200" kern="1200">
+        <a:solidFill>
+          <a:schemeClr val="tx1"/>
+        </a:solidFill>
+        <a:latin typeface="+mn-lt"/>
+        <a:ea typeface="+mn-ea"/>
+        <a:cs typeface="+mn-cs"/>
+      </a:defRPr>
+    </a:lvl8pPr>
+    <a:lvl9pPr marL="3657600" algn="l" defTabSz="914400" rtl="0" eaLnBrk="1" latinLnBrk="0" hangingPunct="1">
+      <a:defRPr sz="1200" kern="1200">
+        <a:solidFill>
+          <a:schemeClr val="tx1"/>
+        </a:solidFill>
+        <a:latin typeface="+mn-lt"/>
+        <a:ea typeface="+mn-ea"/>
+        <a:cs typeface="+mn-cs"/>
+      </a:defRPr>
+    </a:lvl9pPr>
+  </p:notesStyle>
+</p:notesMaster>
+</file>
+
+<file path=ppt/notesSlides/notesSlide1.xml><?xml version="1.0" encoding="utf-8"?>
+<p:notes xmlns:a="http://schemas.openxmlformats.org/drawingml/2006/main" xmlns:r="http://schemas.openxmlformats.org/officeDocument/2006/relationships" xmlns:p="http://schemas.openxmlformats.org/presentationml/2006/main">
+  <p:cSld>
+    <p:spTree>
+      <p:nvGrpSpPr>
+        <p:cNvPr id="1" name=""/>
+        <p:cNvGrpSpPr/>
+        <p:nvPr/>
+      </p:nvGrpSpPr>
+      <p:grpSpPr>
+        <a:xfrm>
+          <a:off x="0" y="0"/>
+          <a:ext cx="0" cy="0"/>
+          <a:chOff x="0" y="0"/>
+          <a:chExt cx="0" cy="0"/>
+        </a:xfrm>
+      </p:grpSpPr>
+      <p:sp>
+        <p:nvSpPr>
+          <p:cNvPr id="2" name="Symbol zastępczy obrazu slajdu 1"/>
+          <p:cNvSpPr>
+            <a:spLocks noGrp="1" noRot="1" noChangeAspect="1"/>
+          </p:cNvSpPr>
+          <p:nvPr>
+            <p:ph type="sldImg"/>
+          </p:nvPr>
+        </p:nvSpPr>
+        <p:spPr/>
+      </p:sp>
+      <p:sp>
+        <p:nvSpPr>
+          <p:cNvPr id="3" name="Symbol zastępczy notatek 2"/>
+          <p:cNvSpPr>
+            <a:spLocks noGrp="1"/>
+          </p:cNvSpPr>
+          <p:nvPr>
+            <p:ph type="body" idx="1"/>
+          </p:nvPr>
+        </p:nvSpPr>
+        <p:spPr/>
+        <p:txBody>
+          <a:bodyPr/>
+          <a:lstStyle/>
+          <a:p>
+            <a:endParaRPr lang="pl-PL" dirty="0"/>
+          </a:p>
+        </p:txBody>
+      </p:sp>
+      <p:sp>
+        <p:nvSpPr>
+          <p:cNvPr id="4" name="Symbol zastępczy numeru slajdu 3"/>
+          <p:cNvSpPr>
+            <a:spLocks noGrp="1"/>
+          </p:cNvSpPr>
+          <p:nvPr>
+            <p:ph type="sldNum" sz="quarter" idx="5"/>
+          </p:nvPr>
+        </p:nvSpPr>
+        <p:spPr/>
+        <p:txBody>
+          <a:bodyPr/>
+          <a:lstStyle/>
+          <a:p>
+            <a:fld id="{A552FB2F-05A5-5844-93A6-515EE3D03A61}" type="slidenum">
+              <a:rPr lang="pl-PL" smtClean="0"/>
+              <a:t>21</a:t>
+            </a:fld>
+            <a:endParaRPr lang="pl-PL"/>
+          </a:p>
+        </p:txBody>
+      </p:sp>
+    </p:spTree>
+    <p:extLst>
+      <p:ext uri="{BB962C8B-B14F-4D97-AF65-F5344CB8AC3E}">
+        <p14:creationId xmlns:p14="http://schemas.microsoft.com/office/powerpoint/2010/main" val="2402230868"/>
+      </p:ext>
+    </p:extLst>
+  </p:cSld>
+  <p:clrMapOvr>
+    <a:masterClrMapping/>
+  </p:clrMapOvr>
+</p:notes>
+</file>
+
 <file path=ppt/slideLayouts/slideLayout1.xml><?xml version="1.0" encoding="utf-8"?>
 <p:sldLayout xmlns:a="http://schemas.openxmlformats.org/drawingml/2006/main" xmlns:r="http://schemas.openxmlformats.org/officeDocument/2006/relationships" xmlns:p="http://schemas.openxmlformats.org/presentationml/2006/main" type="title" preserve="1">
   <p:cSld name="Slajd tytułowy">
@@ -5080,7 +5521,7 @@
           <a:p>
             <a:fld id="{24D9B1CD-DD35-4BD3-BAC8-E5E8C83506FC}" type="datetimeFigureOut">
               <a:rPr lang="pl-PL" smtClean="0"/>
-              <a:t>7.01.2025</a:t>
+              <a:t>8.01.2025</a:t>
             </a:fld>
             <a:endParaRPr lang="pl-PL"/>
           </a:p>
@@ -5250,7 +5691,7 @@
           <a:p>
             <a:fld id="{24D9B1CD-DD35-4BD3-BAC8-E5E8C83506FC}" type="datetimeFigureOut">
               <a:rPr lang="pl-PL" smtClean="0"/>
-              <a:t>7.01.2025</a:t>
+              <a:t>8.01.2025</a:t>
             </a:fld>
             <a:endParaRPr lang="pl-PL"/>
           </a:p>
@@ -5430,7 +5871,7 @@
           <a:p>
             <a:fld id="{24D9B1CD-DD35-4BD3-BAC8-E5E8C83506FC}" type="datetimeFigureOut">
               <a:rPr lang="pl-PL" smtClean="0"/>
-              <a:t>7.01.2025</a:t>
+              <a:t>8.01.2025</a:t>
             </a:fld>
             <a:endParaRPr lang="pl-PL"/>
           </a:p>
@@ -5600,7 +6041,7 @@
           <a:p>
             <a:fld id="{24D9B1CD-DD35-4BD3-BAC8-E5E8C83506FC}" type="datetimeFigureOut">
               <a:rPr lang="pl-PL" smtClean="0"/>
-              <a:t>7.01.2025</a:t>
+              <a:t>8.01.2025</a:t>
             </a:fld>
             <a:endParaRPr lang="pl-PL"/>
           </a:p>
@@ -5846,7 +6287,7 @@
           <a:p>
             <a:fld id="{24D9B1CD-DD35-4BD3-BAC8-E5E8C83506FC}" type="datetimeFigureOut">
               <a:rPr lang="pl-PL" smtClean="0"/>
-              <a:t>7.01.2025</a:t>
+              <a:t>8.01.2025</a:t>
             </a:fld>
             <a:endParaRPr lang="pl-PL"/>
           </a:p>
@@ -6078,7 +6519,7 @@
           <a:p>
             <a:fld id="{24D9B1CD-DD35-4BD3-BAC8-E5E8C83506FC}" type="datetimeFigureOut">
               <a:rPr lang="pl-PL" smtClean="0"/>
-              <a:t>7.01.2025</a:t>
+              <a:t>8.01.2025</a:t>
             </a:fld>
             <a:endParaRPr lang="pl-PL"/>
           </a:p>
@@ -6445,7 +6886,7 @@
           <a:p>
             <a:fld id="{24D9B1CD-DD35-4BD3-BAC8-E5E8C83506FC}" type="datetimeFigureOut">
               <a:rPr lang="pl-PL" smtClean="0"/>
-              <a:t>7.01.2025</a:t>
+              <a:t>8.01.2025</a:t>
             </a:fld>
             <a:endParaRPr lang="pl-PL"/>
           </a:p>
@@ -6563,7 +7004,7 @@
           <a:p>
             <a:fld id="{24D9B1CD-DD35-4BD3-BAC8-E5E8C83506FC}" type="datetimeFigureOut">
               <a:rPr lang="pl-PL" smtClean="0"/>
-              <a:t>7.01.2025</a:t>
+              <a:t>8.01.2025</a:t>
             </a:fld>
             <a:endParaRPr lang="pl-PL"/>
           </a:p>
@@ -6658,7 +7099,7 @@
           <a:p>
             <a:fld id="{24D9B1CD-DD35-4BD3-BAC8-E5E8C83506FC}" type="datetimeFigureOut">
               <a:rPr lang="pl-PL" smtClean="0"/>
-              <a:t>7.01.2025</a:t>
+              <a:t>8.01.2025</a:t>
             </a:fld>
             <a:endParaRPr lang="pl-PL"/>
           </a:p>
@@ -6935,7 +7376,7 @@
           <a:p>
             <a:fld id="{24D9B1CD-DD35-4BD3-BAC8-E5E8C83506FC}" type="datetimeFigureOut">
               <a:rPr lang="pl-PL" smtClean="0"/>
-              <a:t>7.01.2025</a:t>
+              <a:t>8.01.2025</a:t>
             </a:fld>
             <a:endParaRPr lang="pl-PL"/>
           </a:p>
@@ -7192,7 +7633,7 @@
           <a:p>
             <a:fld id="{24D9B1CD-DD35-4BD3-BAC8-E5E8C83506FC}" type="datetimeFigureOut">
               <a:rPr lang="pl-PL" smtClean="0"/>
-              <a:t>7.01.2025</a:t>
+              <a:t>8.01.2025</a:t>
             </a:fld>
             <a:endParaRPr lang="pl-PL"/>
           </a:p>
@@ -7405,7 +7846,7 @@
           <a:p>
             <a:fld id="{24D9B1CD-DD35-4BD3-BAC8-E5E8C83506FC}" type="datetimeFigureOut">
               <a:rPr lang="pl-PL" smtClean="0"/>
-              <a:t>7.01.2025</a:t>
+              <a:t>8.01.2025</a:t>
             </a:fld>
             <a:endParaRPr lang="pl-PL"/>
           </a:p>
@@ -8413,7 +8854,7 @@
           <p:cNvPr id="2" name="Tytuł 1">
             <a:extLst>
               <a:ext uri="{FF2B5EF4-FFF2-40B4-BE49-F238E27FC236}">
-                <a16:creationId xmlns:a16="http://schemas.microsoft.com/office/drawing/2014/main" id="{54E0A120-2442-D1D2-49E7-0D3AD511F478}"/>
+                <a16:creationId xmlns:a16="http://schemas.microsoft.com/office/drawing/2014/main" id="{809E538C-9C82-6F4F-49CF-890E138BB003}"/>
               </a:ext>
             </a:extLst>
           </p:cNvPr>
@@ -8442,7 +8883,7 @@
                   <a:schemeClr val="bg1"/>
                 </a:solidFill>
               </a:rPr>
-              <a:t>Przeprowadzone testy</a:t>
+              <a:t>Sposób działania</a:t>
             </a:r>
           </a:p>
         </p:txBody>
@@ -8575,6 +9016,468 @@
           </a:p>
         </p:txBody>
       </p:sp>
+      <p:sp>
+        <p:nvSpPr>
+          <p:cNvPr id="3" name="Symbol zastępczy zawartości 2">
+            <a:extLst>
+              <a:ext uri="{FF2B5EF4-FFF2-40B4-BE49-F238E27FC236}">
+                <a16:creationId xmlns:a16="http://schemas.microsoft.com/office/drawing/2014/main" id="{961A0F61-5F6E-A49B-4B1B-5FF3FFFF68B4}"/>
+              </a:ext>
+            </a:extLst>
+          </p:cNvPr>
+          <p:cNvSpPr>
+            <a:spLocks noGrp="1"/>
+          </p:cNvSpPr>
+          <p:nvPr>
+            <p:ph idx="1"/>
+          </p:nvPr>
+        </p:nvSpPr>
+        <p:spPr>
+          <a:xfrm>
+            <a:off x="1155548" y="2217343"/>
+            <a:ext cx="10742538" cy="4368514"/>
+          </a:xfrm>
+        </p:spPr>
+        <p:txBody>
+          <a:bodyPr>
+            <a:noAutofit/>
+          </a:bodyPr>
+          <a:lstStyle/>
+          <a:p>
+            <a:pPr marL="0" indent="0">
+              <a:buNone/>
+            </a:pPr>
+            <a:r>
+              <a:rPr lang="pl-PL" sz="2300" dirty="0"/>
+              <a:t>Skrypt umożliwiający uruchomienie algorytmu do wykrywania często współwystępujących wzorców w zbiorze danych. Aby korzystać ze skryptu, należy uruchomić go z odpowiednimi flagami w linii poleceń:</a:t>
+            </a:r>
+          </a:p>
+          <a:p>
+            <a:pPr marL="0" indent="0">
+              <a:buNone/>
+            </a:pPr>
+            <a:r>
+              <a:rPr lang="pl-PL" sz="2300" dirty="0"/>
+              <a:t>-f, --</a:t>
+            </a:r>
+            <a:r>
+              <a:rPr lang="pl-PL" sz="2300" dirty="0" err="1"/>
+              <a:t>input</a:t>
+            </a:r>
+            <a:r>
+              <a:rPr lang="pl-PL" sz="2300" dirty="0"/>
+              <a:t>-file</a:t>
+            </a:r>
+          </a:p>
+          <a:p>
+            <a:pPr marL="0" indent="0">
+              <a:buNone/>
+            </a:pPr>
+            <a:r>
+              <a:rPr lang="pl-PL" sz="2300" dirty="0"/>
+              <a:t>-a, --</a:t>
+            </a:r>
+            <a:r>
+              <a:rPr lang="pl-PL" sz="2300" dirty="0" err="1"/>
+              <a:t>algorithm</a:t>
+            </a:r>
+            <a:endParaRPr lang="pl-PL" sz="2300" dirty="0"/>
+          </a:p>
+          <a:p>
+            <a:pPr marL="0" indent="0">
+              <a:buNone/>
+            </a:pPr>
+            <a:r>
+              <a:rPr lang="pl-PL" sz="2300" dirty="0"/>
+              <a:t>-u, --UCI-</a:t>
+            </a:r>
+            <a:r>
+              <a:rPr lang="pl-PL" sz="2300" dirty="0" err="1"/>
+              <a:t>dataset</a:t>
+            </a:r>
+            <a:endParaRPr lang="pl-PL" sz="2300" dirty="0"/>
+          </a:p>
+          <a:p>
+            <a:pPr marL="0" indent="0">
+              <a:buNone/>
+            </a:pPr>
+            <a:r>
+              <a:rPr lang="pl-PL" sz="2300" dirty="0"/>
+              <a:t>-s, --min-</a:t>
+            </a:r>
+            <a:r>
+              <a:rPr lang="pl-PL" sz="2300" dirty="0" err="1"/>
+              <a:t>support</a:t>
+            </a:r>
+            <a:endParaRPr lang="pl-PL" sz="2300" dirty="0"/>
+          </a:p>
+          <a:p>
+            <a:pPr marL="0" indent="0">
+              <a:buNone/>
+            </a:pPr>
+            <a:r>
+              <a:rPr lang="pl-PL" sz="2300" dirty="0"/>
+              <a:t>-c, --min-</a:t>
+            </a:r>
+            <a:r>
+              <a:rPr lang="pl-PL" sz="2300" dirty="0" err="1"/>
+              <a:t>confidence</a:t>
+            </a:r>
+            <a:endParaRPr lang="pl-PL" sz="2300" dirty="0">
+              <a:effectLst/>
+            </a:endParaRPr>
+          </a:p>
+          <a:p>
+            <a:pPr marL="0" indent="0">
+              <a:buNone/>
+            </a:pPr>
+            <a:r>
+              <a:rPr lang="pl-PL" sz="2300" dirty="0">
+                <a:effectLst/>
+              </a:rPr>
+              <a:t>Przykład uruchomienia skryptu z kilkoma flagami jednocześnie:</a:t>
+            </a:r>
+          </a:p>
+          <a:p>
+            <a:pPr marL="0" indent="0">
+              <a:buNone/>
+            </a:pPr>
+            <a:r>
+              <a:rPr lang="pl-PL" sz="2300" i="1" dirty="0" err="1">
+                <a:effectLst/>
+              </a:rPr>
+              <a:t>python</a:t>
+            </a:r>
+            <a:r>
+              <a:rPr lang="pl-PL" sz="2300" i="1" dirty="0">
+                <a:effectLst/>
+              </a:rPr>
+              <a:t> </a:t>
+            </a:r>
+            <a:r>
+              <a:rPr lang="pl-PL" sz="2300" i="1" dirty="0" err="1">
+                <a:effectLst/>
+              </a:rPr>
+              <a:t>script.py</a:t>
+            </a:r>
+            <a:r>
+              <a:rPr lang="pl-PL" sz="2300" i="1" dirty="0">
+                <a:effectLst/>
+              </a:rPr>
+              <a:t> -a </a:t>
+            </a:r>
+            <a:r>
+              <a:rPr lang="pl-PL" sz="2300" i="1" dirty="0" err="1">
+                <a:effectLst/>
+              </a:rPr>
+              <a:t>eclat</a:t>
+            </a:r>
+            <a:r>
+              <a:rPr lang="pl-PL" sz="2300" i="1" dirty="0">
+                <a:effectLst/>
+              </a:rPr>
+              <a:t> -u </a:t>
+            </a:r>
+            <a:r>
+              <a:rPr lang="pl-PL" sz="2300" i="1" dirty="0" err="1">
+                <a:effectLst/>
+              </a:rPr>
+              <a:t>nursery</a:t>
+            </a:r>
+            <a:r>
+              <a:rPr lang="pl-PL" sz="2300" i="1" dirty="0">
+                <a:effectLst/>
+              </a:rPr>
+              <a:t> -s 0.2 -c 0.7</a:t>
+            </a:r>
+            <a:endParaRPr lang="pl-PL" sz="2300" dirty="0">
+              <a:effectLst/>
+            </a:endParaRPr>
+          </a:p>
+          <a:p>
+            <a:pPr marL="0" indent="0">
+              <a:buNone/>
+            </a:pPr>
+            <a:endParaRPr lang="pl-PL" sz="2300" dirty="0">
+              <a:effectLst/>
+            </a:endParaRPr>
+          </a:p>
+          <a:p>
+            <a:endParaRPr lang="pl-PL" sz="2300" dirty="0"/>
+          </a:p>
+        </p:txBody>
+      </p:sp>
+    </p:spTree>
+    <p:extLst>
+      <p:ext uri="{BB962C8B-B14F-4D97-AF65-F5344CB8AC3E}">
+        <p14:creationId xmlns:p14="http://schemas.microsoft.com/office/powerpoint/2010/main" val="1014590249"/>
+      </p:ext>
+    </p:extLst>
+  </p:cSld>
+  <p:clrMapOvr>
+    <a:masterClrMapping/>
+  </p:clrMapOvr>
+</p:sld>
+</file>
+
+<file path=ppt/slides/slide11.xml><?xml version="1.0" encoding="utf-8"?>
+<p:sld xmlns:a="http://schemas.openxmlformats.org/drawingml/2006/main" xmlns:r="http://schemas.openxmlformats.org/officeDocument/2006/relationships" xmlns:p="http://schemas.openxmlformats.org/presentationml/2006/main">
+  <p:cSld>
+    <p:bg>
+      <p:bgPr>
+        <a:solidFill>
+          <a:schemeClr val="bg1"/>
+        </a:solidFill>
+        <a:effectLst/>
+      </p:bgPr>
+    </p:bg>
+    <p:spTree>
+      <p:nvGrpSpPr>
+        <p:cNvPr id="1" name=""/>
+        <p:cNvGrpSpPr/>
+        <p:nvPr/>
+      </p:nvGrpSpPr>
+      <p:grpSpPr>
+        <a:xfrm>
+          <a:off x="0" y="0"/>
+          <a:ext cx="0" cy="0"/>
+          <a:chOff x="0" y="0"/>
+          <a:chExt cx="0" cy="0"/>
+        </a:xfrm>
+      </p:grpSpPr>
+      <p:sp>
+        <p:nvSpPr>
+          <p:cNvPr id="8" name="Rectangle 7">
+            <a:extLst>
+              <a:ext uri="{FF2B5EF4-FFF2-40B4-BE49-F238E27FC236}">
+                <a16:creationId xmlns:a16="http://schemas.microsoft.com/office/drawing/2014/main" id="{70DFC902-7D23-471A-B557-B6B6917D7A0D}"/>
+              </a:ext>
+              <a:ext uri="{C183D7F6-B498-43B3-948B-1728B52AA6E4}">
+                <adec:decorative xmlns:adec="http://schemas.microsoft.com/office/drawing/2017/decorative" val="1"/>
+              </a:ext>
+            </a:extLst>
+          </p:cNvPr>
+          <p:cNvSpPr>
+            <a:spLocks noGrp="1" noRot="1" noChangeAspect="1" noMove="1" noResize="1" noEditPoints="1" noAdjustHandles="1" noChangeArrowheads="1" noChangeShapeType="1" noTextEdit="1"/>
+          </p:cNvSpPr>
+          <p:nvPr>
+            <p:extLst>
+              <p:ext uri="{386F3935-93C4-4BCD-93E2-E3B085C9AB24}">
+                <p16:designElem xmlns:p16="http://schemas.microsoft.com/office/powerpoint/2015/main" val="1"/>
+              </p:ext>
+            </p:extLst>
+          </p:nvPr>
+        </p:nvSpPr>
+        <p:spPr>
+          <a:xfrm>
+            <a:off x="10" y="-5705"/>
+            <a:ext cx="12191990" cy="1694346"/>
+          </a:xfrm>
+          <a:prstGeom prst="rect">
+            <a:avLst/>
+          </a:prstGeom>
+          <a:solidFill>
+            <a:schemeClr val="tx1">
+              <a:lumMod val="85000"/>
+              <a:lumOff val="15000"/>
+            </a:schemeClr>
+          </a:solidFill>
+          <a:ln>
+            <a:noFill/>
+          </a:ln>
+        </p:spPr>
+        <p:style>
+          <a:lnRef idx="2">
+            <a:schemeClr val="accent1">
+              <a:shade val="50000"/>
+            </a:schemeClr>
+          </a:lnRef>
+          <a:fillRef idx="1">
+            <a:schemeClr val="accent1"/>
+          </a:fillRef>
+          <a:effectRef idx="0">
+            <a:schemeClr val="accent1"/>
+          </a:effectRef>
+          <a:fontRef idx="minor">
+            <a:schemeClr val="lt1"/>
+          </a:fontRef>
+        </p:style>
+        <p:txBody>
+          <a:bodyPr rtlCol="0" anchor="ctr"/>
+          <a:lstStyle/>
+          <a:p>
+            <a:pPr algn="ctr"/>
+            <a:endParaRPr lang="en-US"/>
+          </a:p>
+        </p:txBody>
+      </p:sp>
+      <p:sp>
+        <p:nvSpPr>
+          <p:cNvPr id="2" name="Tytuł 1">
+            <a:extLst>
+              <a:ext uri="{FF2B5EF4-FFF2-40B4-BE49-F238E27FC236}">
+                <a16:creationId xmlns:a16="http://schemas.microsoft.com/office/drawing/2014/main" id="{54E0A120-2442-D1D2-49E7-0D3AD511F478}"/>
+              </a:ext>
+            </a:extLst>
+          </p:cNvPr>
+          <p:cNvSpPr>
+            <a:spLocks noGrp="1"/>
+          </p:cNvSpPr>
+          <p:nvPr>
+            <p:ph type="title"/>
+          </p:nvPr>
+        </p:nvSpPr>
+        <p:spPr>
+          <a:xfrm>
+            <a:off x="1156851" y="637762"/>
+            <a:ext cx="9888496" cy="900131"/>
+          </a:xfrm>
+        </p:spPr>
+        <p:txBody>
+          <a:bodyPr anchor="t">
+            <a:normAutofit/>
+          </a:bodyPr>
+          <a:lstStyle/>
+          <a:p>
+            <a:r>
+              <a:rPr lang="pl-PL" sz="4000" dirty="0">
+                <a:solidFill>
+                  <a:schemeClr val="bg1"/>
+                </a:solidFill>
+              </a:rPr>
+              <a:t>Przeprowadzone testy</a:t>
+            </a:r>
+          </a:p>
+        </p:txBody>
+      </p:sp>
+      <p:sp>
+        <p:nvSpPr>
+          <p:cNvPr id="10" name="Rectangle 9">
+            <a:extLst>
+              <a:ext uri="{FF2B5EF4-FFF2-40B4-BE49-F238E27FC236}">
+                <a16:creationId xmlns:a16="http://schemas.microsoft.com/office/drawing/2014/main" id="{A55D5633-D557-4DCA-982C-FF36EB7A1C00}"/>
+              </a:ext>
+              <a:ext uri="{C183D7F6-B498-43B3-948B-1728B52AA6E4}">
+                <adec:decorative xmlns:adec="http://schemas.microsoft.com/office/drawing/2017/decorative" val="1"/>
+              </a:ext>
+            </a:extLst>
+          </p:cNvPr>
+          <p:cNvSpPr>
+            <a:spLocks noGrp="1" noRot="1" noChangeAspect="1" noMove="1" noResize="1" noEditPoints="1" noAdjustHandles="1" noChangeArrowheads="1" noChangeShapeType="1" noTextEdit="1"/>
+          </p:cNvSpPr>
+          <p:nvPr>
+            <p:extLst>
+              <p:ext uri="{386F3935-93C4-4BCD-93E2-E3B085C9AB24}">
+                <p16:designElem xmlns:p16="http://schemas.microsoft.com/office/powerpoint/2015/main" val="1"/>
+              </p:ext>
+            </p:extLst>
+          </p:nvPr>
+        </p:nvSpPr>
+        <p:spPr>
+          <a:xfrm>
+            <a:off x="0" y="1688641"/>
+            <a:ext cx="12191990" cy="5169359"/>
+          </a:xfrm>
+          <a:prstGeom prst="rect">
+            <a:avLst/>
+          </a:prstGeom>
+          <a:solidFill>
+            <a:schemeClr val="bg1">
+              <a:lumMod val="95000"/>
+            </a:schemeClr>
+          </a:solidFill>
+          <a:ln>
+            <a:noFill/>
+          </a:ln>
+        </p:spPr>
+        <p:style>
+          <a:lnRef idx="2">
+            <a:schemeClr val="accent1">
+              <a:shade val="50000"/>
+            </a:schemeClr>
+          </a:lnRef>
+          <a:fillRef idx="1">
+            <a:schemeClr val="accent1"/>
+          </a:fillRef>
+          <a:effectRef idx="0">
+            <a:schemeClr val="accent1"/>
+          </a:effectRef>
+          <a:fontRef idx="minor">
+            <a:schemeClr val="lt1"/>
+          </a:fontRef>
+        </p:style>
+        <p:txBody>
+          <a:bodyPr rtlCol="0" anchor="ctr"/>
+          <a:lstStyle/>
+          <a:p>
+            <a:pPr algn="ctr"/>
+            <a:endParaRPr lang="en-US"/>
+          </a:p>
+        </p:txBody>
+      </p:sp>
+      <p:sp>
+        <p:nvSpPr>
+          <p:cNvPr id="12" name="Rectangle 11">
+            <a:extLst>
+              <a:ext uri="{FF2B5EF4-FFF2-40B4-BE49-F238E27FC236}">
+                <a16:creationId xmlns:a16="http://schemas.microsoft.com/office/drawing/2014/main" id="{450D3AD2-FA80-415F-A9CE-54D884561CD7}"/>
+              </a:ext>
+              <a:ext uri="{C183D7F6-B498-43B3-948B-1728B52AA6E4}">
+                <adec:decorative xmlns:adec="http://schemas.microsoft.com/office/drawing/2017/decorative" val="1"/>
+              </a:ext>
+            </a:extLst>
+          </p:cNvPr>
+          <p:cNvSpPr>
+            <a:spLocks noGrp="1" noRot="1" noChangeAspect="1" noMove="1" noResize="1" noEditPoints="1" noAdjustHandles="1" noChangeArrowheads="1" noChangeShapeType="1" noTextEdit="1"/>
+          </p:cNvSpPr>
+          <p:nvPr>
+            <p:extLst>
+              <p:ext uri="{386F3935-93C4-4BCD-93E2-E3B085C9AB24}">
+                <p16:designElem xmlns:p16="http://schemas.microsoft.com/office/powerpoint/2015/main" val="1"/>
+              </p:ext>
+            </p:extLst>
+          </p:nvPr>
+        </p:nvSpPr>
+        <p:spPr>
+          <a:xfrm>
+            <a:off x="1156851" y="2010758"/>
+            <a:ext cx="457190" cy="45719"/>
+          </a:xfrm>
+          <a:prstGeom prst="rect">
+            <a:avLst/>
+          </a:prstGeom>
+          <a:solidFill>
+            <a:schemeClr val="tx1"/>
+          </a:solidFill>
+          <a:ln>
+            <a:noFill/>
+          </a:ln>
+        </p:spPr>
+        <p:style>
+          <a:lnRef idx="2">
+            <a:schemeClr val="accent1">
+              <a:shade val="50000"/>
+            </a:schemeClr>
+          </a:lnRef>
+          <a:fillRef idx="1">
+            <a:schemeClr val="accent1"/>
+          </a:fillRef>
+          <a:effectRef idx="0">
+            <a:schemeClr val="accent1"/>
+          </a:effectRef>
+          <a:fontRef idx="minor">
+            <a:schemeClr val="lt1"/>
+          </a:fontRef>
+        </p:style>
+        <p:txBody>
+          <a:bodyPr rtlCol="0" anchor="ctr"/>
+          <a:lstStyle/>
+          <a:p>
+            <a:pPr algn="ctr"/>
+            <a:endParaRPr lang="en-US"/>
+          </a:p>
+        </p:txBody>
+      </p:sp>
       <p:graphicFrame>
         <p:nvGraphicFramePr>
           <p:cNvPr id="7" name="Symbol zastępczy zawartości 2">
@@ -8618,7 +9521,7 @@
 </p:sld>
 </file>
 
-<file path=ppt/slides/slide11.xml><?xml version="1.0" encoding="utf-8"?>
+<file path=ppt/slides/slide12.xml><?xml version="1.0" encoding="utf-8"?>
 <p:sld xmlns:a="http://schemas.openxmlformats.org/drawingml/2006/main" xmlns:r="http://schemas.openxmlformats.org/officeDocument/2006/relationships" xmlns:p="http://schemas.openxmlformats.org/presentationml/2006/main">
   <p:cSld>
     <p:bg>
@@ -8908,10 +9811,258 @@
       </p:sp>
       <p:sp>
         <p:nvSpPr>
+          <p:cNvPr id="5" name="Symbol zastępczy zawartości 4">
+            <a:extLst>
+              <a:ext uri="{FF2B5EF4-FFF2-40B4-BE49-F238E27FC236}">
+                <a16:creationId xmlns:a16="http://schemas.microsoft.com/office/drawing/2014/main" id="{10382F0E-F00D-8DB4-A9D2-7DB7F7DE024A}"/>
+              </a:ext>
+            </a:extLst>
+          </p:cNvPr>
+          <p:cNvSpPr>
+            <a:spLocks noGrp="1"/>
+          </p:cNvSpPr>
+          <p:nvPr>
+            <p:ph idx="1"/>
+          </p:nvPr>
+        </p:nvSpPr>
+        <p:spPr>
+          <a:xfrm>
+            <a:off x="838195" y="2207225"/>
+            <a:ext cx="10515600" cy="4351338"/>
+          </a:xfrm>
+        </p:spPr>
+        <p:txBody>
+          <a:bodyPr>
+            <a:normAutofit/>
+          </a:bodyPr>
+          <a:lstStyle/>
+          <a:p>
+            <a:pPr marL="0" indent="0">
+              <a:buNone/>
+            </a:pPr>
+            <a:r>
+              <a:rPr lang="pl-PL" sz="2300" dirty="0"/>
+              <a:t>W ramach tej części testów stworzona implementacja algorytmu </a:t>
+            </a:r>
+            <a:r>
+              <a:rPr lang="pl-PL" sz="2300" dirty="0" err="1"/>
+              <a:t>Apriori</a:t>
+            </a:r>
+            <a:r>
+              <a:rPr lang="pl-PL" sz="2300" dirty="0"/>
+              <a:t> była porównywana z dostępną w języku </a:t>
+            </a:r>
+            <a:r>
+              <a:rPr lang="pl-PL" sz="2300" dirty="0" err="1"/>
+              <a:t>Python</a:t>
+            </a:r>
+            <a:r>
+              <a:rPr lang="pl-PL" sz="2300" dirty="0"/>
+              <a:t> biblioteką </a:t>
+            </a:r>
+            <a:r>
+              <a:rPr lang="pl-PL" sz="2300" b="1" dirty="0" err="1"/>
+              <a:t>apyori</a:t>
+            </a:r>
+            <a:r>
+              <a:rPr lang="pl-PL" sz="2300" dirty="0"/>
+              <a:t>. </a:t>
+            </a:r>
+          </a:p>
+          <a:p>
+            <a:pPr marL="0" indent="0">
+              <a:buNone/>
+            </a:pPr>
+            <a:r>
+              <a:rPr lang="pl-PL" sz="2300" dirty="0"/>
+              <a:t>Porównane zostały takie własności jak:</a:t>
+            </a:r>
+          </a:p>
+          <a:p>
+            <a:r>
+              <a:rPr lang="pl-PL" sz="2300" dirty="0"/>
+              <a:t> </a:t>
+            </a:r>
+            <a:r>
+              <a:rPr lang="pl-PL" sz="2300" b="1" dirty="0"/>
+              <a:t>procent odnalezionych reguł asocjacyjnych</a:t>
+            </a:r>
+            <a:r>
+              <a:rPr lang="pl-PL" sz="2300" dirty="0"/>
+              <a:t>,</a:t>
+            </a:r>
+          </a:p>
+          <a:p>
+            <a:r>
+              <a:rPr lang="pl-PL" sz="2300" dirty="0"/>
+              <a:t> </a:t>
+            </a:r>
+            <a:r>
+              <a:rPr lang="pl-PL" sz="2300" b="1" dirty="0"/>
+              <a:t>procent poprawnie wyznaczonych wartości współczynnika </a:t>
+            </a:r>
+            <a:r>
+              <a:rPr lang="pl-PL" sz="2300" b="1" dirty="0" err="1"/>
+              <a:t>confidence</a:t>
+            </a:r>
+            <a:br>
+              <a:rPr lang="pl-PL" sz="2300" b="1" dirty="0"/>
+            </a:br>
+            <a:r>
+              <a:rPr lang="pl-PL" sz="2300" dirty="0"/>
+              <a:t>(w odniesieniu do wyników zwracanych przez implementację </a:t>
+            </a:r>
+            <a:r>
+              <a:rPr lang="pl-PL" sz="2300" b="1" dirty="0" err="1"/>
+              <a:t>apyori</a:t>
+            </a:r>
+            <a:r>
+              <a:rPr lang="pl-PL" sz="2300" dirty="0"/>
+              <a:t>)</a:t>
+            </a:r>
+          </a:p>
+          <a:p>
+            <a:r>
+              <a:rPr lang="pl-PL" sz="2300" b="1" dirty="0"/>
+              <a:t>czasy wykonania obydwu rozwiązań</a:t>
+            </a:r>
+            <a:r>
+              <a:rPr lang="pl-PL" sz="2300" dirty="0"/>
+              <a:t>. </a:t>
+            </a:r>
+          </a:p>
+          <a:p>
+            <a:pPr marL="0" indent="0">
+              <a:buNone/>
+            </a:pPr>
+            <a:r>
+              <a:rPr lang="pl-PL" sz="2300" dirty="0"/>
+              <a:t>Porównanie odbyło się przy uwzględnieniu </a:t>
+            </a:r>
+            <a:r>
+              <a:rPr lang="pl-PL" sz="2300" b="1" dirty="0"/>
+              <a:t>różnych zbiorów danych</a:t>
+            </a:r>
+            <a:r>
+              <a:rPr lang="pl-PL" sz="2300" dirty="0"/>
+              <a:t> i wartości współczynników </a:t>
+            </a:r>
+            <a:r>
+              <a:rPr lang="pl-PL" sz="2300" b="1" dirty="0" err="1"/>
+              <a:t>min_support</a:t>
+            </a:r>
+            <a:r>
+              <a:rPr lang="pl-PL" sz="2300" dirty="0"/>
+              <a:t> oraz </a:t>
+            </a:r>
+            <a:r>
+              <a:rPr lang="pl-PL" sz="2300" b="1" dirty="0" err="1"/>
+              <a:t>min_confidence</a:t>
+            </a:r>
+            <a:r>
+              <a:rPr lang="pl-PL" sz="2300" dirty="0"/>
+              <a:t>. Czasy egzekucji były mierzone dla </a:t>
+            </a:r>
+            <a:r>
+              <a:rPr lang="pl-PL" sz="2300" b="1" dirty="0"/>
+              <a:t>1 000 000 </a:t>
+            </a:r>
+            <a:r>
+              <a:rPr lang="pl-PL" sz="2300" b="1" dirty="0" err="1"/>
+              <a:t>wywołań</a:t>
+            </a:r>
+            <a:r>
+              <a:rPr lang="pl-PL" sz="2300" b="1" dirty="0"/>
+              <a:t> funkcji</a:t>
+            </a:r>
+            <a:r>
+              <a:rPr lang="pl-PL" sz="2300" dirty="0"/>
+              <a:t> wyznaczającej reguły asocjacyjne dla każdego zestawu parametrów wejściowych.</a:t>
+            </a:r>
+          </a:p>
+        </p:txBody>
+      </p:sp>
+    </p:spTree>
+    <p:extLst>
+      <p:ext uri="{BB962C8B-B14F-4D97-AF65-F5344CB8AC3E}">
+        <p14:creationId xmlns:p14="http://schemas.microsoft.com/office/powerpoint/2010/main" val="2839562177"/>
+      </p:ext>
+    </p:extLst>
+  </p:cSld>
+  <p:clrMapOvr>
+    <a:masterClrMapping/>
+  </p:clrMapOvr>
+</p:sld>
+</file>
+
+<file path=ppt/slides/slide13.xml><?xml version="1.0" encoding="utf-8"?>
+<p:sld xmlns:a="http://schemas.openxmlformats.org/drawingml/2006/main" xmlns:r="http://schemas.openxmlformats.org/officeDocument/2006/relationships" xmlns:p="http://schemas.openxmlformats.org/presentationml/2006/main">
+  <p:cSld>
+    <p:spTree>
+      <p:nvGrpSpPr>
+        <p:cNvPr id="1" name="">
+          <a:extLst>
+            <a:ext uri="{FF2B5EF4-FFF2-40B4-BE49-F238E27FC236}">
+              <a16:creationId xmlns:a16="http://schemas.microsoft.com/office/drawing/2014/main" id="{9A20A190-531A-96D9-EB1D-103230C34249}"/>
+            </a:ext>
+          </a:extLst>
+        </p:cNvPr>
+        <p:cNvGrpSpPr/>
+        <p:nvPr/>
+      </p:nvGrpSpPr>
+      <p:grpSpPr>
+        <a:xfrm>
+          <a:off x="0" y="0"/>
+          <a:ext cx="0" cy="0"/>
+          <a:chOff x="0" y="0"/>
+          <a:chExt cx="0" cy="0"/>
+        </a:xfrm>
+      </p:grpSpPr>
+      <p:sp>
+        <p:nvSpPr>
+          <p:cNvPr id="2" name="Tytuł 1">
+            <a:extLst>
+              <a:ext uri="{FF2B5EF4-FFF2-40B4-BE49-F238E27FC236}">
+                <a16:creationId xmlns:a16="http://schemas.microsoft.com/office/drawing/2014/main" id="{5DE1C22D-5BC9-51AF-3996-F40FD815ADD1}"/>
+              </a:ext>
+            </a:extLst>
+          </p:cNvPr>
+          <p:cNvSpPr>
+            <a:spLocks noGrp="1"/>
+          </p:cNvSpPr>
+          <p:nvPr>
+            <p:ph type="title"/>
+          </p:nvPr>
+        </p:nvSpPr>
+        <p:spPr>
+          <a:xfrm>
+            <a:off x="1156851" y="637762"/>
+            <a:ext cx="9888496" cy="900131"/>
+          </a:xfrm>
+        </p:spPr>
+        <p:txBody>
+          <a:bodyPr anchor="t">
+            <a:normAutofit/>
+          </a:bodyPr>
+          <a:lstStyle/>
+          <a:p>
+            <a:r>
+              <a:rPr lang="pl-PL" sz="4000" dirty="0">
+                <a:solidFill>
+                  <a:schemeClr val="bg1"/>
+                </a:solidFill>
+              </a:rPr>
+              <a:t>Wnioski</a:t>
+            </a:r>
+          </a:p>
+        </p:txBody>
+      </p:sp>
+      <p:sp>
+        <p:nvSpPr>
           <p:cNvPr id="3" name="Symbol zastępczy zawartości 2">
             <a:extLst>
               <a:ext uri="{FF2B5EF4-FFF2-40B4-BE49-F238E27FC236}">
-                <a16:creationId xmlns:a16="http://schemas.microsoft.com/office/drawing/2014/main" id="{D1089FA5-B83D-E7FC-7854-18BC565FA66C}"/>
+                <a16:creationId xmlns:a16="http://schemas.microsoft.com/office/drawing/2014/main" id="{8A40EA44-5BB3-CBFC-32B0-8985FEE7D0DB}"/>
               </a:ext>
             </a:extLst>
           </p:cNvPr>
@@ -8938,10 +10089,40 @@
           </a:p>
         </p:txBody>
       </p:sp>
+      <p:pic>
+        <p:nvPicPr>
+          <p:cNvPr id="4" name="Obraz 3">
+            <a:extLst>
+              <a:ext uri="{FF2B5EF4-FFF2-40B4-BE49-F238E27FC236}">
+                <a16:creationId xmlns:a16="http://schemas.microsoft.com/office/drawing/2014/main" id="{5C37E962-67FC-56A7-00C0-1B80AAC25BAB}"/>
+              </a:ext>
+            </a:extLst>
+          </p:cNvPr>
+          <p:cNvPicPr>
+            <a:picLocks noChangeAspect="1"/>
+          </p:cNvPicPr>
+          <p:nvPr/>
+        </p:nvPicPr>
+        <p:blipFill>
+          <a:blip r:embed="rId2"/>
+          <a:stretch>
+            <a:fillRect/>
+          </a:stretch>
+        </p:blipFill>
+        <p:spPr>
+          <a:xfrm>
+            <a:off x="1156851" y="-19185"/>
+            <a:ext cx="9888496" cy="6877185"/>
+          </a:xfrm>
+          <a:prstGeom prst="rect">
+            <a:avLst/>
+          </a:prstGeom>
+        </p:spPr>
+      </p:pic>
     </p:spTree>
     <p:extLst>
       <p:ext uri="{BB962C8B-B14F-4D97-AF65-F5344CB8AC3E}">
-        <p14:creationId xmlns:p14="http://schemas.microsoft.com/office/powerpoint/2010/main" val="2839562177"/>
+        <p14:creationId xmlns:p14="http://schemas.microsoft.com/office/powerpoint/2010/main" val="4069153126"/>
       </p:ext>
     </p:extLst>
   </p:cSld>
@@ -8951,7 +10132,7 @@
 </p:sld>
 </file>
 
-<file path=ppt/slides/slide12.xml><?xml version="1.0" encoding="utf-8"?>
+<file path=ppt/slides/slide14.xml><?xml version="1.0" encoding="utf-8"?>
 <p:sld xmlns:a="http://schemas.openxmlformats.org/drawingml/2006/main" xmlns:r="http://schemas.openxmlformats.org/officeDocument/2006/relationships" xmlns:p="http://schemas.openxmlformats.org/presentationml/2006/main">
   <p:cSld>
     <p:bg>
@@ -9217,33 +10398,169 @@
       </p:sp>
       <p:sp>
         <p:nvSpPr>
-          <p:cNvPr id="3" name="Symbol zastępczy zawartości 2">
+          <p:cNvPr id="7" name="pole tekstowe 6">
             <a:extLst>
               <a:ext uri="{FF2B5EF4-FFF2-40B4-BE49-F238E27FC236}">
-                <a16:creationId xmlns:a16="http://schemas.microsoft.com/office/drawing/2014/main" id="{C00FC192-0B0E-1E2F-119A-E44DECEA30B6}"/>
+                <a16:creationId xmlns:a16="http://schemas.microsoft.com/office/drawing/2014/main" id="{5D808EFF-3B86-C9A6-4F56-E35489F35A8C}"/>
               </a:ext>
             </a:extLst>
           </p:cNvPr>
-          <p:cNvSpPr>
-            <a:spLocks noGrp="1"/>
-          </p:cNvSpPr>
-          <p:nvPr>
-            <p:ph idx="1"/>
-          </p:nvPr>
+          <p:cNvSpPr txBox="1"/>
+          <p:nvPr/>
         </p:nvSpPr>
         <p:spPr>
           <a:xfrm>
-            <a:off x="1155548" y="2217343"/>
-            <a:ext cx="9880893" cy="3959619"/>
+            <a:off x="936172" y="2207225"/>
+            <a:ext cx="11168742" cy="3985706"/>
           </a:xfrm>
+          <a:prstGeom prst="rect">
+            <a:avLst/>
+          </a:prstGeom>
+          <a:noFill/>
         </p:spPr>
         <p:txBody>
-          <a:bodyPr>
-            <a:normAutofit/>
+          <a:bodyPr wrap="square">
+            <a:spAutoFit/>
           </a:bodyPr>
           <a:lstStyle/>
           <a:p>
-            <a:endParaRPr lang="pl-PL" sz="2400" dirty="0"/>
+            <a:r>
+              <a:rPr lang="pl-PL" sz="2300" dirty="0">
+                <a:effectLst/>
+              </a:rPr>
+              <a:t>Implementacja algorytmu </a:t>
+            </a:r>
+            <a:r>
+              <a:rPr lang="pl-PL" sz="2300" dirty="0" err="1">
+                <a:effectLst/>
+              </a:rPr>
+              <a:t>Apriori</a:t>
+            </a:r>
+            <a:r>
+              <a:rPr lang="pl-PL" sz="2300" dirty="0">
+                <a:effectLst/>
+              </a:rPr>
+              <a:t> w ramach projektu osiągnęła pełne pokrycie z wynikami</a:t>
+            </a:r>
+            <a:r>
+              <a:rPr lang="pl-PL" sz="2300" dirty="0"/>
+              <a:t> </a:t>
+            </a:r>
+            <a:r>
+              <a:rPr lang="pl-PL" sz="2300" dirty="0">
+                <a:effectLst/>
+              </a:rPr>
+              <a:t>uzyskanymi za pomocą popularnej biblioteki </a:t>
+            </a:r>
+            <a:r>
+              <a:rPr lang="pl-PL" sz="2300" dirty="0" err="1">
+                <a:effectLst/>
+              </a:rPr>
+              <a:t>apyori</a:t>
+            </a:r>
+            <a:r>
+              <a:rPr lang="pl-PL" sz="2300" dirty="0">
+                <a:effectLst/>
+              </a:rPr>
+              <a:t>, co świadczy o poprawności jej</a:t>
+            </a:r>
+            <a:r>
+              <a:rPr lang="pl-PL" sz="2300" dirty="0"/>
+              <a:t> </a:t>
+            </a:r>
+            <a:r>
+              <a:rPr lang="pl-PL" sz="2300" dirty="0">
+                <a:effectLst/>
+              </a:rPr>
+              <a:t>działania</a:t>
+            </a:r>
+          </a:p>
+          <a:p>
+            <a:endParaRPr lang="pl-PL" sz="2300" dirty="0"/>
+          </a:p>
+          <a:p>
+            <a:r>
+              <a:rPr lang="pl-PL" sz="2300" dirty="0">
+                <a:effectLst/>
+              </a:rPr>
+              <a:t>Pomimo pełnego pokrycia, własna implementacja algorytmu </a:t>
+            </a:r>
+            <a:r>
+              <a:rPr lang="pl-PL" sz="2300" dirty="0" err="1">
+                <a:effectLst/>
+              </a:rPr>
+              <a:t>Apriori</a:t>
+            </a:r>
+            <a:r>
+              <a:rPr lang="pl-PL" sz="2300" dirty="0">
+                <a:effectLst/>
+              </a:rPr>
+              <a:t> działa średnio 10</a:t>
+            </a:r>
+            <a:r>
+              <a:rPr lang="pl-PL" sz="2300" dirty="0"/>
+              <a:t> </a:t>
+            </a:r>
+            <a:r>
+              <a:rPr lang="pl-PL" sz="2300" dirty="0">
+                <a:effectLst/>
+              </a:rPr>
+              <a:t>razy wolniej niż biblioteka </a:t>
+            </a:r>
+            <a:r>
+              <a:rPr lang="pl-PL" sz="2300" dirty="0" err="1">
+                <a:effectLst/>
+              </a:rPr>
+              <a:t>apyori</a:t>
+            </a:r>
+            <a:r>
+              <a:rPr lang="pl-PL" sz="2300" dirty="0">
+                <a:effectLst/>
+              </a:rPr>
+              <a:t>. W przyszłości istnieje możliwość optymalizacji kodu</a:t>
+            </a:r>
+            <a:r>
+              <a:rPr lang="pl-PL" sz="2300" dirty="0"/>
+              <a:t> </a:t>
+            </a:r>
+            <a:r>
+              <a:rPr lang="pl-PL" sz="2300" dirty="0">
+                <a:effectLst/>
+              </a:rPr>
+              <a:t>w celu poprawy wydajności - jest to jednak akceptowalna różnica, ponieważ biblioteka </a:t>
+            </a:r>
+            <a:r>
+              <a:rPr lang="pl-PL" sz="2300" dirty="0" err="1">
+                <a:effectLst/>
+              </a:rPr>
+              <a:t>apyori</a:t>
+            </a:r>
+            <a:r>
+              <a:rPr lang="pl-PL" sz="2300" dirty="0">
+                <a:effectLst/>
+              </a:rPr>
+              <a:t> była tworzona znacznie</a:t>
+            </a:r>
+            <a:r>
+              <a:rPr lang="pl-PL" sz="2300" dirty="0"/>
+              <a:t> </a:t>
+            </a:r>
+            <a:r>
+              <a:rPr lang="pl-PL" sz="2300" dirty="0">
+                <a:effectLst/>
+              </a:rPr>
+              <a:t>dokładniej i ze znacznie większym naciskiem na doprecyzowanie niż niniejszy projekt.</a:t>
+            </a:r>
+          </a:p>
+          <a:p>
+            <a:endParaRPr lang="pl-PL" sz="2300" dirty="0">
+              <a:effectLst/>
+            </a:endParaRPr>
+          </a:p>
+          <a:p>
+            <a:endParaRPr lang="pl-PL" sz="2300" dirty="0">
+              <a:effectLst/>
+            </a:endParaRPr>
           </a:p>
         </p:txBody>
       </p:sp>
@@ -9260,7 +10577,7 @@
 </p:sld>
 </file>
 
-<file path=ppt/slides/slide13.xml><?xml version="1.0" encoding="utf-8"?>
+<file path=ppt/slides/slide15.xml><?xml version="1.0" encoding="utf-8"?>
 <p:sld xmlns:a="http://schemas.openxmlformats.org/drawingml/2006/main" xmlns:r="http://schemas.openxmlformats.org/officeDocument/2006/relationships" xmlns:p="http://schemas.openxmlformats.org/presentationml/2006/main">
   <p:cSld>
     <p:bg>
@@ -9547,10 +10864,10 @@
       </p:sp>
       <p:sp>
         <p:nvSpPr>
-          <p:cNvPr id="3" name="Symbol zastępczy zawartości 2">
+          <p:cNvPr id="6" name="Symbol zastępczy zawartości 4">
             <a:extLst>
               <a:ext uri="{FF2B5EF4-FFF2-40B4-BE49-F238E27FC236}">
-                <a16:creationId xmlns:a16="http://schemas.microsoft.com/office/drawing/2014/main" id="{62FEC229-4984-4F92-1669-06F1F149F7FF}"/>
+                <a16:creationId xmlns:a16="http://schemas.microsoft.com/office/drawing/2014/main" id="{6D0FBB55-0F2B-5A05-8EB7-B6C6CF2CB789}"/>
               </a:ext>
             </a:extLst>
           </p:cNvPr>
@@ -9563,8 +10880,8 @@
         </p:nvSpPr>
         <p:spPr>
           <a:xfrm>
-            <a:off x="1155548" y="2217343"/>
-            <a:ext cx="9880893" cy="3959619"/>
+            <a:off x="838195" y="2207225"/>
+            <a:ext cx="10515600" cy="4351338"/>
           </a:xfrm>
         </p:spPr>
         <p:txBody>
@@ -9573,7 +10890,140 @@
           </a:bodyPr>
           <a:lstStyle/>
           <a:p>
-            <a:endParaRPr lang="pl-PL" sz="2400"/>
+            <a:pPr marL="0" indent="0">
+              <a:buNone/>
+            </a:pPr>
+            <a:r>
+              <a:rPr lang="pl-PL" sz="2300" dirty="0"/>
+              <a:t>W ramach tej części testów stworzona implementacja algorytmu </a:t>
+            </a:r>
+            <a:r>
+              <a:rPr lang="pl-PL" sz="2300" b="1" dirty="0" err="1"/>
+              <a:t>Apriori</a:t>
+            </a:r>
+            <a:r>
+              <a:rPr lang="pl-PL" sz="2300" dirty="0"/>
+              <a:t> była porównywana z stworzoną implementacją algorytmu </a:t>
+            </a:r>
+            <a:r>
+              <a:rPr lang="pl-PL" sz="2300" b="1" dirty="0" err="1"/>
+              <a:t>Eclat</a:t>
+            </a:r>
+            <a:r>
+              <a:rPr lang="pl-PL" sz="2300" dirty="0"/>
+              <a:t>. </a:t>
+            </a:r>
+          </a:p>
+          <a:p>
+            <a:pPr marL="0" indent="0">
+              <a:buNone/>
+            </a:pPr>
+            <a:r>
+              <a:rPr lang="pl-PL" sz="2300" dirty="0"/>
+              <a:t>Porównane zostały takie własności jak:</a:t>
+            </a:r>
+          </a:p>
+          <a:p>
+            <a:r>
+              <a:rPr lang="pl-PL" sz="2300" dirty="0"/>
+              <a:t> </a:t>
+            </a:r>
+            <a:r>
+              <a:rPr lang="pl-PL" sz="2300" b="1" dirty="0"/>
+              <a:t>procent odnalezionych reguł asocjacyjnych</a:t>
+            </a:r>
+            <a:r>
+              <a:rPr lang="pl-PL" sz="2300" dirty="0"/>
+              <a:t>,</a:t>
+            </a:r>
+          </a:p>
+          <a:p>
+            <a:r>
+              <a:rPr lang="pl-PL" sz="2300" dirty="0"/>
+              <a:t> </a:t>
+            </a:r>
+            <a:r>
+              <a:rPr lang="pl-PL" sz="2300" b="1" dirty="0"/>
+              <a:t>procent poprawnie wyznaczonych wartości współczynnika </a:t>
+            </a:r>
+            <a:r>
+              <a:rPr lang="pl-PL" sz="2300" b="1" dirty="0" err="1"/>
+              <a:t>confidence</a:t>
+            </a:r>
+            <a:br>
+              <a:rPr lang="pl-PL" sz="2300" b="1" dirty="0"/>
+            </a:br>
+            <a:r>
+              <a:rPr lang="pl-PL" sz="2300" dirty="0"/>
+              <a:t>(w odniesieniu do wyników zwracanych przez implementację </a:t>
+            </a:r>
+            <a:r>
+              <a:rPr lang="pl-PL" sz="2300" b="1" dirty="0" err="1"/>
+              <a:t>apyori</a:t>
+            </a:r>
+            <a:r>
+              <a:rPr lang="pl-PL" sz="2300" dirty="0"/>
+              <a:t>)</a:t>
+            </a:r>
+          </a:p>
+          <a:p>
+            <a:r>
+              <a:rPr lang="pl-PL" sz="2300" b="1" dirty="0"/>
+              <a:t>czasy wykonania obydwu rozwiązań</a:t>
+            </a:r>
+            <a:r>
+              <a:rPr lang="pl-PL" sz="2300" dirty="0"/>
+              <a:t>. </a:t>
+            </a:r>
+          </a:p>
+          <a:p>
+            <a:pPr marL="0" indent="0">
+              <a:buNone/>
+            </a:pPr>
+            <a:r>
+              <a:rPr lang="pl-PL" sz="2300" dirty="0"/>
+              <a:t>Porównanie odbyło się przy uwzględnieniu </a:t>
+            </a:r>
+            <a:r>
+              <a:rPr lang="pl-PL" sz="2300" b="1" dirty="0"/>
+              <a:t>różnych zbiorów danych</a:t>
+            </a:r>
+            <a:r>
+              <a:rPr lang="pl-PL" sz="2300" dirty="0"/>
+              <a:t> i wartości współczynników </a:t>
+            </a:r>
+            <a:r>
+              <a:rPr lang="pl-PL" sz="2300" b="1" dirty="0" err="1"/>
+              <a:t>min_support</a:t>
+            </a:r>
+            <a:r>
+              <a:rPr lang="pl-PL" sz="2300" dirty="0"/>
+              <a:t> oraz </a:t>
+            </a:r>
+            <a:r>
+              <a:rPr lang="pl-PL" sz="2300" b="1" dirty="0" err="1"/>
+              <a:t>min_confidence</a:t>
+            </a:r>
+            <a:r>
+              <a:rPr lang="pl-PL" sz="2300" dirty="0"/>
+              <a:t>. Czasy egzekucji były mierzone dla </a:t>
+            </a:r>
+            <a:r>
+              <a:rPr lang="pl-PL" sz="2300" b="1" dirty="0"/>
+              <a:t>1 000 000 </a:t>
+            </a:r>
+            <a:r>
+              <a:rPr lang="pl-PL" sz="2300" b="1" dirty="0" err="1"/>
+              <a:t>wywołań</a:t>
+            </a:r>
+            <a:r>
+              <a:rPr lang="pl-PL" sz="2300" b="1" dirty="0"/>
+              <a:t> funkcji</a:t>
+            </a:r>
+            <a:r>
+              <a:rPr lang="pl-PL" sz="2300" dirty="0"/>
+              <a:t> wyznaczającej reguły asocjacyjne dla każdego zestawu parametrów wejściowych.</a:t>
+            </a:r>
           </a:p>
         </p:txBody>
       </p:sp>
@@ -9590,7 +11040,98 @@
 </p:sld>
 </file>
 
-<file path=ppt/slides/slide14.xml><?xml version="1.0" encoding="utf-8"?>
+<file path=ppt/slides/slide16.xml><?xml version="1.0" encoding="utf-8"?>
+<p:sld xmlns:a="http://schemas.openxmlformats.org/drawingml/2006/main" xmlns:r="http://schemas.openxmlformats.org/officeDocument/2006/relationships" xmlns:p="http://schemas.openxmlformats.org/presentationml/2006/main">
+  <p:cSld>
+    <p:spTree>
+      <p:nvGrpSpPr>
+        <p:cNvPr id="1" name="">
+          <a:extLst>
+            <a:ext uri="{FF2B5EF4-FFF2-40B4-BE49-F238E27FC236}">
+              <a16:creationId xmlns:a16="http://schemas.microsoft.com/office/drawing/2014/main" id="{5ED5FC52-1B99-4402-0D5A-D17288943157}"/>
+            </a:ext>
+          </a:extLst>
+        </p:cNvPr>
+        <p:cNvGrpSpPr/>
+        <p:nvPr/>
+      </p:nvGrpSpPr>
+      <p:grpSpPr>
+        <a:xfrm>
+          <a:off x="0" y="0"/>
+          <a:ext cx="0" cy="0"/>
+          <a:chOff x="0" y="0"/>
+          <a:chExt cx="0" cy="0"/>
+        </a:xfrm>
+      </p:grpSpPr>
+      <p:sp>
+        <p:nvSpPr>
+          <p:cNvPr id="5" name="Tytuł 4">
+            <a:extLst>
+              <a:ext uri="{FF2B5EF4-FFF2-40B4-BE49-F238E27FC236}">
+                <a16:creationId xmlns:a16="http://schemas.microsoft.com/office/drawing/2014/main" id="{5508E3AA-640C-76E5-67E6-6F0C267B8B00}"/>
+              </a:ext>
+            </a:extLst>
+          </p:cNvPr>
+          <p:cNvSpPr>
+            <a:spLocks noGrp="1"/>
+          </p:cNvSpPr>
+          <p:nvPr>
+            <p:ph type="title"/>
+          </p:nvPr>
+        </p:nvSpPr>
+        <p:spPr/>
+        <p:txBody>
+          <a:bodyPr/>
+          <a:lstStyle/>
+          <a:p>
+            <a:endParaRPr lang="pl-PL"/>
+          </a:p>
+        </p:txBody>
+      </p:sp>
+      <p:pic>
+        <p:nvPicPr>
+          <p:cNvPr id="6" name="Obraz 5">
+            <a:extLst>
+              <a:ext uri="{FF2B5EF4-FFF2-40B4-BE49-F238E27FC236}">
+                <a16:creationId xmlns:a16="http://schemas.microsoft.com/office/drawing/2014/main" id="{65CA1796-8A4F-8468-E681-04A04EACB7D7}"/>
+              </a:ext>
+            </a:extLst>
+          </p:cNvPr>
+          <p:cNvPicPr>
+            <a:picLocks noChangeAspect="1"/>
+          </p:cNvPicPr>
+          <p:nvPr/>
+        </p:nvPicPr>
+        <p:blipFill>
+          <a:blip r:embed="rId2"/>
+          <a:stretch>
+            <a:fillRect/>
+          </a:stretch>
+        </p:blipFill>
+        <p:spPr>
+          <a:xfrm>
+            <a:off x="838200" y="-1"/>
+            <a:ext cx="10267122" cy="6865119"/>
+          </a:xfrm>
+          <a:prstGeom prst="rect">
+            <a:avLst/>
+          </a:prstGeom>
+        </p:spPr>
+      </p:pic>
+    </p:spTree>
+    <p:extLst>
+      <p:ext uri="{BB962C8B-B14F-4D97-AF65-F5344CB8AC3E}">
+        <p14:creationId xmlns:p14="http://schemas.microsoft.com/office/powerpoint/2010/main" val="3747963308"/>
+      </p:ext>
+    </p:extLst>
+  </p:cSld>
+  <p:clrMapOvr>
+    <a:masterClrMapping/>
+  </p:clrMapOvr>
+</p:sld>
+</file>
+
+<file path=ppt/slides/slide17.xml><?xml version="1.0" encoding="utf-8"?>
 <p:sld xmlns:a="http://schemas.openxmlformats.org/drawingml/2006/main" xmlns:r="http://schemas.openxmlformats.org/officeDocument/2006/relationships" xmlns:p="http://schemas.openxmlformats.org/presentationml/2006/main">
   <p:cSld>
     <p:bg>
@@ -9856,33 +11397,107 @@
       </p:sp>
       <p:sp>
         <p:nvSpPr>
-          <p:cNvPr id="3" name="Symbol zastępczy zawartości 2">
+          <p:cNvPr id="7" name="pole tekstowe 6">
             <a:extLst>
               <a:ext uri="{FF2B5EF4-FFF2-40B4-BE49-F238E27FC236}">
-                <a16:creationId xmlns:a16="http://schemas.microsoft.com/office/drawing/2014/main" id="{1286C773-82B3-1C8F-863D-904B1CC55FDF}"/>
+                <a16:creationId xmlns:a16="http://schemas.microsoft.com/office/drawing/2014/main" id="{B9391228-4912-296B-42D2-F4509860CC7D}"/>
               </a:ext>
             </a:extLst>
           </p:cNvPr>
-          <p:cNvSpPr>
-            <a:spLocks noGrp="1"/>
-          </p:cNvSpPr>
-          <p:nvPr>
-            <p:ph idx="1"/>
-          </p:nvPr>
+          <p:cNvSpPr txBox="1"/>
+          <p:nvPr/>
         </p:nvSpPr>
         <p:spPr>
           <a:xfrm>
-            <a:off x="1155548" y="2217343"/>
-            <a:ext cx="9880893" cy="3959619"/>
+            <a:off x="1156851" y="2181360"/>
+            <a:ext cx="10643263" cy="4339650"/>
           </a:xfrm>
+          <a:prstGeom prst="rect">
+            <a:avLst/>
+          </a:prstGeom>
+          <a:noFill/>
         </p:spPr>
         <p:txBody>
-          <a:bodyPr>
-            <a:normAutofit/>
+          <a:bodyPr wrap="square">
+            <a:spAutoFit/>
           </a:bodyPr>
           <a:lstStyle/>
           <a:p>
-            <a:endParaRPr lang="pl-PL" sz="2400" dirty="0"/>
+            <a:r>
+              <a:rPr lang="pl-PL" sz="2300" dirty="0"/>
+              <a:t>W kontekście porównania algorytmów </a:t>
+            </a:r>
+            <a:r>
+              <a:rPr lang="pl-PL" sz="2300" dirty="0" err="1"/>
+              <a:t>Apriori</a:t>
+            </a:r>
+            <a:r>
+              <a:rPr lang="pl-PL" sz="2300" dirty="0"/>
+              <a:t> i </a:t>
+            </a:r>
+            <a:r>
+              <a:rPr lang="pl-PL" sz="2300" dirty="0" err="1"/>
+              <a:t>Eclat</a:t>
+            </a:r>
+            <a:r>
+              <a:rPr lang="pl-PL" sz="2300" dirty="0"/>
+              <a:t> wykazano, że oba algorytmy generują identyczne reguły asocjacyjne, co potwierdza ich spójność i poprawność działania natomiast algorytm </a:t>
+            </a:r>
+            <a:r>
+              <a:rPr lang="pl-PL" sz="2300" dirty="0" err="1"/>
+              <a:t>Eclat</a:t>
+            </a:r>
+            <a:r>
+              <a:rPr lang="pl-PL" sz="2300" dirty="0"/>
+              <a:t> jest znacznie szybszy niż algorytm </a:t>
+            </a:r>
+            <a:r>
+              <a:rPr lang="pl-PL" sz="2300" dirty="0" err="1"/>
+              <a:t>Apriori</a:t>
+            </a:r>
+            <a:endParaRPr lang="pl-PL" sz="2300" dirty="0"/>
+          </a:p>
+          <a:p>
+            <a:endParaRPr lang="pl-PL" sz="2300" dirty="0"/>
+          </a:p>
+          <a:p>
+            <a:r>
+              <a:rPr lang="pl-PL" sz="2300" dirty="0"/>
+              <a:t>Przewaga czasowa algorytmu </a:t>
+            </a:r>
+            <a:r>
+              <a:rPr lang="pl-PL" sz="2300" dirty="0" err="1"/>
+              <a:t>Eclat</a:t>
+            </a:r>
+            <a:r>
+              <a:rPr lang="pl-PL" sz="2300" dirty="0"/>
+              <a:t> wynika z wykorzystania pionowej reprezentacji danych (TID-</a:t>
+            </a:r>
+            <a:r>
+              <a:rPr lang="pl-PL" sz="2300" dirty="0" err="1"/>
+              <a:t>sets</a:t>
+            </a:r>
+            <a:r>
+              <a:rPr lang="pl-PL" sz="2300" dirty="0"/>
+              <a:t>) oraz bardziej efektywnego przeszukiwania przestrzeni kombinacji poprzez operacje na zbiorach identyfikatorów transakcji.</a:t>
+            </a:r>
+          </a:p>
+          <a:p>
+            <a:endParaRPr lang="pl-PL" sz="2300" dirty="0"/>
+          </a:p>
+          <a:p>
+            <a:r>
+              <a:rPr lang="pl-PL" sz="2300" dirty="0"/>
+              <a:t>W praktyce, dla dużych zbiorów danych, rekomenduje się użycie algorytmu </a:t>
+            </a:r>
+            <a:r>
+              <a:rPr lang="pl-PL" sz="2300" dirty="0" err="1"/>
+              <a:t>Eclat</a:t>
+            </a:r>
+            <a:r>
+              <a:rPr lang="pl-PL" sz="2300" dirty="0"/>
+              <a:t>, natomiast dla mniejszych zbiorów danych, oba algorytmy działają efektywnie i ich wybór może zależeć od innych czynników, takich jak dostępne zasoby obliczeniowe czy potrzeba interpretowalności wyników.</a:t>
+            </a:r>
           </a:p>
         </p:txBody>
       </p:sp>
@@ -9899,7 +11514,7 @@
 </p:sld>
 </file>
 
-<file path=ppt/slides/slide15.xml><?xml version="1.0" encoding="utf-8"?>
+<file path=ppt/slides/slide18.xml><?xml version="1.0" encoding="utf-8"?>
 <p:sld xmlns:a="http://schemas.openxmlformats.org/drawingml/2006/main" xmlns:r="http://schemas.openxmlformats.org/officeDocument/2006/relationships" xmlns:p="http://schemas.openxmlformats.org/presentationml/2006/main">
   <p:cSld>
     <p:bg>
@@ -10196,33 +11811,199 @@
       </p:sp>
       <p:sp>
         <p:nvSpPr>
-          <p:cNvPr id="3" name="Symbol zastępczy zawartości 2">
+          <p:cNvPr id="5" name="pole tekstowe 4">
             <a:extLst>
               <a:ext uri="{FF2B5EF4-FFF2-40B4-BE49-F238E27FC236}">
-                <a16:creationId xmlns:a16="http://schemas.microsoft.com/office/drawing/2014/main" id="{9B9CD9F6-894D-F287-B7A0-E5F8B2E40497}"/>
+                <a16:creationId xmlns:a16="http://schemas.microsoft.com/office/drawing/2014/main" id="{FD309DC3-04BF-EDB9-E982-BC6E20F405F4}"/>
               </a:ext>
             </a:extLst>
           </p:cNvPr>
-          <p:cNvSpPr>
-            <a:spLocks noGrp="1"/>
-          </p:cNvSpPr>
-          <p:nvPr>
-            <p:ph idx="1"/>
-          </p:nvPr>
+          <p:cNvSpPr txBox="1"/>
+          <p:nvPr/>
         </p:nvSpPr>
         <p:spPr>
           <a:xfrm>
-            <a:off x="1155548" y="2217343"/>
-            <a:ext cx="9880893" cy="3959619"/>
+            <a:off x="1156851" y="2243212"/>
+            <a:ext cx="11035138" cy="3985706"/>
           </a:xfrm>
+          <a:prstGeom prst="rect">
+            <a:avLst/>
+          </a:prstGeom>
+          <a:noFill/>
         </p:spPr>
         <p:txBody>
-          <a:bodyPr>
-            <a:normAutofit/>
+          <a:bodyPr wrap="square">
+            <a:spAutoFit/>
           </a:bodyPr>
           <a:lstStyle/>
           <a:p>
-            <a:endParaRPr lang="pl-PL" sz="2400" dirty="0"/>
+            <a:r>
+              <a:rPr lang="pl-PL" sz="2300" i="1" dirty="0">
+                <a:effectLst/>
+              </a:rPr>
+              <a:t>W ramach niniejszej analizy, własna implementacja algorytmu </a:t>
+            </a:r>
+            <a:r>
+              <a:rPr lang="pl-PL" sz="2300" i="1" dirty="0" err="1">
+                <a:effectLst/>
+              </a:rPr>
+              <a:t>Apriori</a:t>
+            </a:r>
+            <a:r>
+              <a:rPr lang="pl-PL" sz="2300" i="1" dirty="0">
+                <a:effectLst/>
+              </a:rPr>
+              <a:t> została użyta do wyznaczenia</a:t>
+            </a:r>
+            <a:r>
+              <a:rPr lang="pl-PL" sz="2300" dirty="0"/>
+              <a:t> </a:t>
+            </a:r>
+            <a:r>
+              <a:rPr lang="pl-PL" sz="2300" i="1" dirty="0">
+                <a:effectLst/>
+              </a:rPr>
+              <a:t>reguł asocjacyjnych i powiązanych z nimi metryk na trzech dyskretnych zbiorach danych</a:t>
+            </a:r>
+            <a:r>
+              <a:rPr lang="pl-PL" sz="2300" dirty="0"/>
+              <a:t> </a:t>
+            </a:r>
+            <a:r>
+              <a:rPr lang="pl-PL" sz="2300" i="1" dirty="0">
+                <a:effectLst/>
+              </a:rPr>
+              <a:t>pochodzących z UCIML </a:t>
+            </a:r>
+            <a:r>
+              <a:rPr lang="pl-PL" sz="2300" i="1" dirty="0" err="1">
+                <a:effectLst/>
+              </a:rPr>
+              <a:t>repo</a:t>
+            </a:r>
+            <a:r>
+              <a:rPr lang="pl-PL" sz="2300" i="1" dirty="0"/>
+              <a:t>.</a:t>
+            </a:r>
+            <a:endParaRPr lang="pl-PL" sz="2300" i="1" dirty="0">
+              <a:effectLst/>
+            </a:endParaRPr>
+          </a:p>
+          <a:p>
+            <a:endParaRPr lang="pl-PL" sz="2300" dirty="0">
+              <a:effectLst/>
+            </a:endParaRPr>
+          </a:p>
+          <a:p>
+            <a:r>
+              <a:rPr lang="pl-PL" sz="2300" i="1" dirty="0">
+                <a:effectLst/>
+              </a:rPr>
+              <a:t>Uzyskane wyniki zostały posortowane na podstawie </a:t>
+            </a:r>
+            <a:r>
+              <a:rPr lang="pl-PL" sz="2300" i="1" dirty="0" err="1">
+                <a:effectLst/>
+              </a:rPr>
+              <a:t>wsp</a:t>
+            </a:r>
+            <a:r>
+              <a:rPr lang="pl-PL" sz="2300" i="1" dirty="0">
+                <a:effectLst/>
+              </a:rPr>
+              <a:t>. podniesienia - lift a następnie</a:t>
+            </a:r>
+            <a:r>
+              <a:rPr lang="pl-PL" sz="2300" dirty="0"/>
+              <a:t> </a:t>
+            </a:r>
+            <a:r>
+              <a:rPr lang="pl-PL" sz="2300" i="1" dirty="0">
+                <a:effectLst/>
+              </a:rPr>
+              <a:t>zaprezentowane w postaci tabeli </a:t>
+            </a:r>
+            <a:r>
+              <a:rPr lang="pl-PL" sz="2300" i="1" dirty="0" err="1">
+                <a:effectLst/>
+              </a:rPr>
+              <a:t>oglónej</a:t>
+            </a:r>
+            <a:r>
+              <a:rPr lang="pl-PL" sz="2300" i="1" dirty="0">
+                <a:effectLst/>
+              </a:rPr>
+              <a:t> i tabeli uśrednionych wartości metryk w zależności od</a:t>
+            </a:r>
+            <a:r>
+              <a:rPr lang="pl-PL" sz="2300" dirty="0"/>
+              <a:t> </a:t>
+            </a:r>
+            <a:r>
+              <a:rPr lang="pl-PL" sz="2300" i="1" dirty="0">
+                <a:effectLst/>
+              </a:rPr>
+              <a:t>wartości </a:t>
+            </a:r>
+            <a:r>
+              <a:rPr lang="pl-PL" sz="2300" i="1" dirty="0" err="1">
+                <a:effectLst/>
+              </a:rPr>
+              <a:t>wsp</a:t>
+            </a:r>
+            <a:r>
+              <a:rPr lang="pl-PL" sz="2300" i="1" dirty="0">
+                <a:effectLst/>
+              </a:rPr>
+              <a:t>. lift.</a:t>
+            </a:r>
+          </a:p>
+          <a:p>
+            <a:endParaRPr lang="pl-PL" sz="2300" i="1" dirty="0"/>
+          </a:p>
+          <a:p>
+            <a:r>
+              <a:rPr lang="pl-PL" sz="2300" i="1" dirty="0">
+                <a:effectLst/>
+              </a:rPr>
+              <a:t>Wszystkie poniższe wyniki zostały uzyskane przy wartości </a:t>
+            </a:r>
+            <a:r>
+              <a:rPr lang="pl-PL" sz="2300" i="1" dirty="0" err="1">
+                <a:effectLst/>
+              </a:rPr>
+              <a:t>min_support</a:t>
+            </a:r>
+            <a:r>
+              <a:rPr lang="pl-PL" sz="2300" dirty="0"/>
+              <a:t> </a:t>
+            </a:r>
+            <a:r>
+              <a:rPr lang="pl-PL" sz="2300" i="1" dirty="0">
+                <a:effectLst/>
+              </a:rPr>
+              <a:t>= 0.15 oraz </a:t>
+            </a:r>
+            <a:r>
+              <a:rPr lang="pl-PL" sz="2300" i="1" dirty="0" err="1">
+                <a:effectLst/>
+              </a:rPr>
+              <a:t>min_confidence</a:t>
+            </a:r>
+            <a:r>
+              <a:rPr lang="pl-PL" sz="2300" i="1" dirty="0">
+                <a:effectLst/>
+              </a:rPr>
+              <a:t> = 0.3.</a:t>
+            </a:r>
+            <a:endParaRPr lang="pl-PL" sz="2300" dirty="0">
+              <a:effectLst/>
+            </a:endParaRPr>
+          </a:p>
+          <a:p>
+            <a:endParaRPr lang="pl-PL" sz="2300" dirty="0">
+              <a:effectLst/>
+            </a:endParaRPr>
           </a:p>
         </p:txBody>
       </p:sp>
@@ -10239,23 +12020,15 @@
 </p:sld>
 </file>
 
-<file path=ppt/slides/slide16.xml><?xml version="1.0" encoding="utf-8"?>
+<file path=ppt/slides/slide19.xml><?xml version="1.0" encoding="utf-8"?>
 <p:sld xmlns:a="http://schemas.openxmlformats.org/drawingml/2006/main" xmlns:r="http://schemas.openxmlformats.org/officeDocument/2006/relationships" xmlns:p="http://schemas.openxmlformats.org/presentationml/2006/main">
   <p:cSld>
-    <p:bg>
-      <p:bgPr>
-        <a:solidFill>
-          <a:schemeClr val="bg1"/>
-        </a:solidFill>
-        <a:effectLst/>
-      </p:bgPr>
-    </p:bg>
     <p:spTree>
       <p:nvGrpSpPr>
         <p:cNvPr id="1" name="">
           <a:extLst>
             <a:ext uri="{FF2B5EF4-FFF2-40B4-BE49-F238E27FC236}">
-              <a16:creationId xmlns:a16="http://schemas.microsoft.com/office/drawing/2014/main" id="{098E28BB-FFA7-3EF9-5615-5E398172EB6D}"/>
+              <a16:creationId xmlns:a16="http://schemas.microsoft.com/office/drawing/2014/main" id="{1FF0B5E1-563E-BD4C-09D4-D4DAE1FEB311}"/>
             </a:ext>
           </a:extLst>
         </p:cNvPr>
@@ -10270,275 +12043,144 @@
           <a:chExt cx="0" cy="0"/>
         </a:xfrm>
       </p:grpSpPr>
-      <p:sp>
-        <p:nvSpPr>
-          <p:cNvPr id="8" name="Rectangle 7">
+      <p:pic>
+        <p:nvPicPr>
+          <p:cNvPr id="6" name="Obraz 5">
             <a:extLst>
               <a:ext uri="{FF2B5EF4-FFF2-40B4-BE49-F238E27FC236}">
-                <a16:creationId xmlns:a16="http://schemas.microsoft.com/office/drawing/2014/main" id="{70DFC902-7D23-471A-B557-B6B6917D7A0D}"/>
-              </a:ext>
-              <a:ext uri="{C183D7F6-B498-43B3-948B-1728B52AA6E4}">
-                <adec:decorative xmlns:adec="http://schemas.microsoft.com/office/drawing/2017/decorative" val="1"/>
+                <a16:creationId xmlns:a16="http://schemas.microsoft.com/office/drawing/2014/main" id="{DFF2968B-056B-6D8C-344B-5CBBA69FEB49}"/>
               </a:ext>
             </a:extLst>
           </p:cNvPr>
-          <p:cNvSpPr>
-            <a:spLocks noGrp="1" noRot="1" noChangeAspect="1" noMove="1" noResize="1" noEditPoints="1" noAdjustHandles="1" noChangeArrowheads="1" noChangeShapeType="1" noTextEdit="1"/>
-          </p:cNvSpPr>
-          <p:nvPr>
-            <p:extLst>
-              <p:ext uri="{386F3935-93C4-4BCD-93E2-E3B085C9AB24}">
-                <p16:designElem xmlns:p16="http://schemas.microsoft.com/office/powerpoint/2015/main" val="1"/>
-              </p:ext>
-            </p:extLst>
-          </p:nvPr>
-        </p:nvSpPr>
+          <p:cNvPicPr>
+            <a:picLocks noChangeAspect="1"/>
+          </p:cNvPicPr>
+          <p:nvPr/>
+        </p:nvPicPr>
+        <p:blipFill>
+          <a:blip r:embed="rId2"/>
+          <a:stretch>
+            <a:fillRect/>
+          </a:stretch>
+        </p:blipFill>
         <p:spPr>
           <a:xfrm>
-            <a:off x="10" y="-5705"/>
-            <a:ext cx="12191990" cy="1694346"/>
+            <a:off x="159500" y="0"/>
+            <a:ext cx="7871791" cy="5209515"/>
           </a:xfrm>
           <a:prstGeom prst="rect">
             <a:avLst/>
           </a:prstGeom>
-          <a:solidFill>
-            <a:schemeClr val="tx1">
-              <a:lumMod val="85000"/>
-              <a:lumOff val="15000"/>
-            </a:schemeClr>
-          </a:solidFill>
-          <a:ln>
-            <a:noFill/>
-          </a:ln>
         </p:spPr>
-        <p:style>
-          <a:lnRef idx="2">
-            <a:schemeClr val="accent1">
-              <a:shade val="50000"/>
-            </a:schemeClr>
-          </a:lnRef>
-          <a:fillRef idx="1">
-            <a:schemeClr val="accent1"/>
-          </a:fillRef>
-          <a:effectRef idx="0">
-            <a:schemeClr val="accent1"/>
-          </a:effectRef>
-          <a:fontRef idx="minor">
-            <a:schemeClr val="lt1"/>
-          </a:fontRef>
-        </p:style>
+      </p:pic>
+      <p:pic>
+        <p:nvPicPr>
+          <p:cNvPr id="7" name="Obraz 6">
+            <a:extLst>
+              <a:ext uri="{FF2B5EF4-FFF2-40B4-BE49-F238E27FC236}">
+                <a16:creationId xmlns:a16="http://schemas.microsoft.com/office/drawing/2014/main" id="{71C63B54-52F2-B96D-BBDE-505AE91BA88A}"/>
+              </a:ext>
+            </a:extLst>
+          </p:cNvPr>
+          <p:cNvPicPr>
+            <a:picLocks noChangeAspect="1"/>
+          </p:cNvPicPr>
+          <p:nvPr/>
+        </p:nvPicPr>
+        <p:blipFill>
+          <a:blip r:embed="rId3"/>
+          <a:stretch>
+            <a:fillRect/>
+          </a:stretch>
+        </p:blipFill>
+        <p:spPr>
+          <a:xfrm>
+            <a:off x="209195" y="5417747"/>
+            <a:ext cx="7772400" cy="1440253"/>
+          </a:xfrm>
+          <a:prstGeom prst="rect">
+            <a:avLst/>
+          </a:prstGeom>
+        </p:spPr>
+      </p:pic>
+      <p:sp>
+        <p:nvSpPr>
+          <p:cNvPr id="11" name="pole tekstowe 10">
+            <a:extLst>
+              <a:ext uri="{FF2B5EF4-FFF2-40B4-BE49-F238E27FC236}">
+                <a16:creationId xmlns:a16="http://schemas.microsoft.com/office/drawing/2014/main" id="{D8B7FB48-D2DB-7D8D-48C8-2EAA5E926E93}"/>
+              </a:ext>
+            </a:extLst>
+          </p:cNvPr>
+          <p:cNvSpPr txBox="1"/>
+          <p:nvPr/>
+        </p:nvSpPr>
+        <p:spPr>
+          <a:xfrm>
+            <a:off x="8174697" y="5560792"/>
+            <a:ext cx="3808108" cy="1154162"/>
+          </a:xfrm>
+          <a:prstGeom prst="rect">
+            <a:avLst/>
+          </a:prstGeom>
+          <a:noFill/>
+        </p:spPr>
         <p:txBody>
-          <a:bodyPr rtlCol="0" anchor="ctr"/>
+          <a:bodyPr wrap="square">
+            <a:spAutoFit/>
+          </a:bodyPr>
           <a:lstStyle/>
           <a:p>
-            <a:pPr algn="ctr"/>
-            <a:endParaRPr lang="en-US"/>
+            <a:r>
+              <a:rPr lang="pl-PL" sz="2300" dirty="0">
+                <a:effectLst/>
+              </a:rPr>
+              <a:t>Tabela wyników uśrednionych dla zbioru danych Car Evaluation</a:t>
+            </a:r>
           </a:p>
         </p:txBody>
       </p:sp>
       <p:sp>
         <p:nvSpPr>
-          <p:cNvPr id="2" name="Tytuł 1">
+          <p:cNvPr id="13" name="pole tekstowe 12">
             <a:extLst>
               <a:ext uri="{FF2B5EF4-FFF2-40B4-BE49-F238E27FC236}">
-                <a16:creationId xmlns:a16="http://schemas.microsoft.com/office/drawing/2014/main" id="{57D332FC-86D3-FC8F-B52E-7D15CD0518A9}"/>
+                <a16:creationId xmlns:a16="http://schemas.microsoft.com/office/drawing/2014/main" id="{131C308E-4BAC-487A-113E-B88C42450C85}"/>
               </a:ext>
             </a:extLst>
           </p:cNvPr>
-          <p:cNvSpPr>
-            <a:spLocks noGrp="1"/>
-          </p:cNvSpPr>
-          <p:nvPr>
-            <p:ph type="title"/>
-          </p:nvPr>
+          <p:cNvSpPr txBox="1"/>
+          <p:nvPr/>
         </p:nvSpPr>
         <p:spPr>
           <a:xfrm>
-            <a:off x="1156851" y="637762"/>
-            <a:ext cx="9888496" cy="900131"/>
-          </a:xfrm>
-        </p:spPr>
-        <p:txBody>
-          <a:bodyPr anchor="t">
-            <a:normAutofit/>
-          </a:bodyPr>
-          <a:lstStyle/>
-          <a:p>
-            <a:r>
-              <a:rPr lang="pl-PL" sz="4000" dirty="0">
-                <a:solidFill>
-                  <a:schemeClr val="bg1"/>
-                </a:solidFill>
-              </a:rPr>
-              <a:t>Wnioski</a:t>
-            </a:r>
-          </a:p>
-        </p:txBody>
-      </p:sp>
-      <p:sp>
-        <p:nvSpPr>
-          <p:cNvPr id="10" name="Rectangle 9">
-            <a:extLst>
-              <a:ext uri="{FF2B5EF4-FFF2-40B4-BE49-F238E27FC236}">
-                <a16:creationId xmlns:a16="http://schemas.microsoft.com/office/drawing/2014/main" id="{A55D5633-D557-4DCA-982C-FF36EB7A1C00}"/>
-              </a:ext>
-              <a:ext uri="{C183D7F6-B498-43B3-948B-1728B52AA6E4}">
-                <adec:decorative xmlns:adec="http://schemas.microsoft.com/office/drawing/2017/decorative" val="1"/>
-              </a:ext>
-            </a:extLst>
-          </p:cNvPr>
-          <p:cNvSpPr>
-            <a:spLocks noGrp="1" noRot="1" noChangeAspect="1" noMove="1" noResize="1" noEditPoints="1" noAdjustHandles="1" noChangeArrowheads="1" noChangeShapeType="1" noTextEdit="1"/>
-          </p:cNvSpPr>
-          <p:nvPr>
-            <p:extLst>
-              <p:ext uri="{386F3935-93C4-4BCD-93E2-E3B085C9AB24}">
-                <p16:designElem xmlns:p16="http://schemas.microsoft.com/office/powerpoint/2015/main" val="1"/>
-              </p:ext>
-            </p:extLst>
-          </p:nvPr>
-        </p:nvSpPr>
-        <p:spPr>
-          <a:xfrm>
-            <a:off x="0" y="1688641"/>
-            <a:ext cx="12191990" cy="5169359"/>
+            <a:off x="8122634" y="196611"/>
+            <a:ext cx="4069365" cy="800219"/>
           </a:xfrm>
           <a:prstGeom prst="rect">
             <a:avLst/>
           </a:prstGeom>
-          <a:solidFill>
-            <a:schemeClr val="bg1">
-              <a:lumMod val="95000"/>
-            </a:schemeClr>
-          </a:solidFill>
-          <a:ln>
-            <a:noFill/>
-          </a:ln>
-        </p:spPr>
-        <p:style>
-          <a:lnRef idx="2">
-            <a:schemeClr val="accent1">
-              <a:shade val="50000"/>
-            </a:schemeClr>
-          </a:lnRef>
-          <a:fillRef idx="1">
-            <a:schemeClr val="accent1"/>
-          </a:fillRef>
-          <a:effectRef idx="0">
-            <a:schemeClr val="accent1"/>
-          </a:effectRef>
-          <a:fontRef idx="minor">
-            <a:schemeClr val="lt1"/>
-          </a:fontRef>
-        </p:style>
-        <p:txBody>
-          <a:bodyPr rtlCol="0" anchor="ctr"/>
-          <a:lstStyle/>
-          <a:p>
-            <a:pPr algn="ctr"/>
-            <a:endParaRPr lang="en-US"/>
-          </a:p>
-        </p:txBody>
-      </p:sp>
-      <p:sp>
-        <p:nvSpPr>
-          <p:cNvPr id="12" name="Rectangle 11">
-            <a:extLst>
-              <a:ext uri="{FF2B5EF4-FFF2-40B4-BE49-F238E27FC236}">
-                <a16:creationId xmlns:a16="http://schemas.microsoft.com/office/drawing/2014/main" id="{450D3AD2-FA80-415F-A9CE-54D884561CD7}"/>
-              </a:ext>
-              <a:ext uri="{C183D7F6-B498-43B3-948B-1728B52AA6E4}">
-                <adec:decorative xmlns:adec="http://schemas.microsoft.com/office/drawing/2017/decorative" val="1"/>
-              </a:ext>
-            </a:extLst>
-          </p:cNvPr>
-          <p:cNvSpPr>
-            <a:spLocks noGrp="1" noRot="1" noChangeAspect="1" noMove="1" noResize="1" noEditPoints="1" noAdjustHandles="1" noChangeArrowheads="1" noChangeShapeType="1" noTextEdit="1"/>
-          </p:cNvSpPr>
-          <p:nvPr>
-            <p:extLst>
-              <p:ext uri="{386F3935-93C4-4BCD-93E2-E3B085C9AB24}">
-                <p16:designElem xmlns:p16="http://schemas.microsoft.com/office/powerpoint/2015/main" val="1"/>
-              </p:ext>
-            </p:extLst>
-          </p:nvPr>
-        </p:nvSpPr>
-        <p:spPr>
-          <a:xfrm>
-            <a:off x="1156851" y="2010758"/>
-            <a:ext cx="457190" cy="45719"/>
-          </a:xfrm>
-          <a:prstGeom prst="rect">
-            <a:avLst/>
-          </a:prstGeom>
-          <a:solidFill>
-            <a:schemeClr val="tx1"/>
-          </a:solidFill>
-          <a:ln>
-            <a:noFill/>
-          </a:ln>
-        </p:spPr>
-        <p:style>
-          <a:lnRef idx="2">
-            <a:schemeClr val="accent1">
-              <a:shade val="50000"/>
-            </a:schemeClr>
-          </a:lnRef>
-          <a:fillRef idx="1">
-            <a:schemeClr val="accent1"/>
-          </a:fillRef>
-          <a:effectRef idx="0">
-            <a:schemeClr val="accent1"/>
-          </a:effectRef>
-          <a:fontRef idx="minor">
-            <a:schemeClr val="lt1"/>
-          </a:fontRef>
-        </p:style>
-        <p:txBody>
-          <a:bodyPr rtlCol="0" anchor="ctr"/>
-          <a:lstStyle/>
-          <a:p>
-            <a:pPr algn="ctr"/>
-            <a:endParaRPr lang="en-US"/>
-          </a:p>
-        </p:txBody>
-      </p:sp>
-      <p:sp>
-        <p:nvSpPr>
-          <p:cNvPr id="3" name="Symbol zastępczy zawartości 2">
-            <a:extLst>
-              <a:ext uri="{FF2B5EF4-FFF2-40B4-BE49-F238E27FC236}">
-                <a16:creationId xmlns:a16="http://schemas.microsoft.com/office/drawing/2014/main" id="{7B70D9CB-B58D-5CE8-8D26-7A4BC0650659}"/>
-              </a:ext>
-            </a:extLst>
-          </p:cNvPr>
-          <p:cNvSpPr>
-            <a:spLocks noGrp="1"/>
-          </p:cNvSpPr>
-          <p:nvPr>
-            <p:ph idx="1"/>
-          </p:nvPr>
-        </p:nvSpPr>
-        <p:spPr>
-          <a:xfrm>
-            <a:off x="1155548" y="2217343"/>
-            <a:ext cx="9880893" cy="3959619"/>
-          </a:xfrm>
+          <a:noFill/>
         </p:spPr>
         <p:txBody>
-          <a:bodyPr>
-            <a:normAutofit/>
+          <a:bodyPr wrap="square">
+            <a:spAutoFit/>
           </a:bodyPr>
           <a:lstStyle/>
           <a:p>
-            <a:endParaRPr lang="pl-PL" sz="2400" dirty="0"/>
+            <a:r>
+              <a:rPr lang="pl-PL" sz="2300" dirty="0">
+                <a:effectLst/>
+              </a:rPr>
+              <a:t>Pełna tabela wyników dla zbioru danych Car Evaluation</a:t>
+            </a:r>
           </a:p>
         </p:txBody>
       </p:sp>
     </p:spTree>
     <p:extLst>
       <p:ext uri="{BB962C8B-B14F-4D97-AF65-F5344CB8AC3E}">
-        <p14:creationId xmlns:p14="http://schemas.microsoft.com/office/powerpoint/2010/main" val="2061232024"/>
+        <p14:creationId xmlns:p14="http://schemas.microsoft.com/office/powerpoint/2010/main" val="1284612560"/>
       </p:ext>
     </p:extLst>
   </p:cSld>
@@ -10776,6 +12418,13 @@
             </a:pPr>
             <a:r>
               <a:rPr lang="pl-PL" sz="2300" dirty="0"/>
+              <a:t>Podstawowo:</a:t>
+            </a:r>
+            <a:br>
+              <a:rPr lang="pl-PL" sz="2300" dirty="0"/>
+            </a:br>
+            <a:r>
+              <a:rPr lang="pl-PL" sz="2300" dirty="0"/>
               <a:t>Implementacja algorytmu </a:t>
             </a:r>
             <a:r>
@@ -10897,7 +12546,18 @@
               <a:rPr lang="pl-PL" sz="2300" dirty="0">
                 <a:effectLst/>
               </a:rPr>
-              <a:t>Dodatkowo zaimpl</a:t>
+              <a:t>Dodatkowo:</a:t>
+            </a:r>
+            <a:br>
+              <a:rPr lang="pl-PL" sz="2300" dirty="0">
+                <a:effectLst/>
+              </a:rPr>
+            </a:br>
+            <a:r>
+              <a:rPr lang="pl-PL" sz="2300" dirty="0">
+                <a:effectLst/>
+              </a:rPr>
+              <a:t>Zaimpl</a:t>
             </a:r>
             <a:r>
               <a:rPr lang="pl-PL" sz="2300" dirty="0"/>
@@ -10986,6 +12646,1310 @@
   <p:clrMapOvr>
     <a:masterClrMapping/>
   </p:clrMapOvr>
+</p:sld>
+</file>
+
+<file path=ppt/slides/slide20.xml><?xml version="1.0" encoding="utf-8"?>
+<p:sld xmlns:a="http://schemas.openxmlformats.org/drawingml/2006/main" xmlns:r="http://schemas.openxmlformats.org/officeDocument/2006/relationships" xmlns:p="http://schemas.openxmlformats.org/presentationml/2006/main">
+  <p:cSld>
+    <p:bg>
+      <p:bgPr>
+        <a:solidFill>
+          <a:schemeClr val="bg1"/>
+        </a:solidFill>
+        <a:effectLst/>
+      </p:bgPr>
+    </p:bg>
+    <p:spTree>
+      <p:nvGrpSpPr>
+        <p:cNvPr id="1" name="">
+          <a:extLst>
+            <a:ext uri="{FF2B5EF4-FFF2-40B4-BE49-F238E27FC236}">
+              <a16:creationId xmlns:a16="http://schemas.microsoft.com/office/drawing/2014/main" id="{098E28BB-FFA7-3EF9-5615-5E398172EB6D}"/>
+            </a:ext>
+          </a:extLst>
+        </p:cNvPr>
+        <p:cNvGrpSpPr/>
+        <p:nvPr/>
+      </p:nvGrpSpPr>
+      <p:grpSpPr>
+        <a:xfrm>
+          <a:off x="0" y="0"/>
+          <a:ext cx="0" cy="0"/>
+          <a:chOff x="0" y="0"/>
+          <a:chExt cx="0" cy="0"/>
+        </a:xfrm>
+      </p:grpSpPr>
+      <p:sp>
+        <p:nvSpPr>
+          <p:cNvPr id="8" name="Rectangle 7">
+            <a:extLst>
+              <a:ext uri="{FF2B5EF4-FFF2-40B4-BE49-F238E27FC236}">
+                <a16:creationId xmlns:a16="http://schemas.microsoft.com/office/drawing/2014/main" id="{70DFC902-7D23-471A-B557-B6B6917D7A0D}"/>
+              </a:ext>
+              <a:ext uri="{C183D7F6-B498-43B3-948B-1728B52AA6E4}">
+                <adec:decorative xmlns:adec="http://schemas.microsoft.com/office/drawing/2017/decorative" val="1"/>
+              </a:ext>
+            </a:extLst>
+          </p:cNvPr>
+          <p:cNvSpPr>
+            <a:spLocks noGrp="1" noRot="1" noChangeAspect="1" noMove="1" noResize="1" noEditPoints="1" noAdjustHandles="1" noChangeArrowheads="1" noChangeShapeType="1" noTextEdit="1"/>
+          </p:cNvSpPr>
+          <p:nvPr>
+            <p:extLst>
+              <p:ext uri="{386F3935-93C4-4BCD-93E2-E3B085C9AB24}">
+                <p16:designElem xmlns:p16="http://schemas.microsoft.com/office/powerpoint/2015/main" val="1"/>
+              </p:ext>
+            </p:extLst>
+          </p:nvPr>
+        </p:nvSpPr>
+        <p:spPr>
+          <a:xfrm>
+            <a:off x="10" y="-5705"/>
+            <a:ext cx="12191990" cy="1694346"/>
+          </a:xfrm>
+          <a:prstGeom prst="rect">
+            <a:avLst/>
+          </a:prstGeom>
+          <a:solidFill>
+            <a:schemeClr val="tx1">
+              <a:lumMod val="85000"/>
+              <a:lumOff val="15000"/>
+            </a:schemeClr>
+          </a:solidFill>
+          <a:ln>
+            <a:noFill/>
+          </a:ln>
+        </p:spPr>
+        <p:style>
+          <a:lnRef idx="2">
+            <a:schemeClr val="accent1">
+              <a:shade val="50000"/>
+            </a:schemeClr>
+          </a:lnRef>
+          <a:fillRef idx="1">
+            <a:schemeClr val="accent1"/>
+          </a:fillRef>
+          <a:effectRef idx="0">
+            <a:schemeClr val="accent1"/>
+          </a:effectRef>
+          <a:fontRef idx="minor">
+            <a:schemeClr val="lt1"/>
+          </a:fontRef>
+        </p:style>
+        <p:txBody>
+          <a:bodyPr rtlCol="0" anchor="ctr"/>
+          <a:lstStyle/>
+          <a:p>
+            <a:pPr algn="ctr"/>
+            <a:endParaRPr lang="en-US"/>
+          </a:p>
+        </p:txBody>
+      </p:sp>
+      <p:sp>
+        <p:nvSpPr>
+          <p:cNvPr id="2" name="Tytuł 1">
+            <a:extLst>
+              <a:ext uri="{FF2B5EF4-FFF2-40B4-BE49-F238E27FC236}">
+                <a16:creationId xmlns:a16="http://schemas.microsoft.com/office/drawing/2014/main" id="{57D332FC-86D3-FC8F-B52E-7D15CD0518A9}"/>
+              </a:ext>
+            </a:extLst>
+          </p:cNvPr>
+          <p:cNvSpPr>
+            <a:spLocks noGrp="1"/>
+          </p:cNvSpPr>
+          <p:nvPr>
+            <p:ph type="title"/>
+          </p:nvPr>
+        </p:nvSpPr>
+        <p:spPr>
+          <a:xfrm>
+            <a:off x="1156851" y="637762"/>
+            <a:ext cx="9888496" cy="900131"/>
+          </a:xfrm>
+        </p:spPr>
+        <p:txBody>
+          <a:bodyPr anchor="t">
+            <a:normAutofit/>
+          </a:bodyPr>
+          <a:lstStyle/>
+          <a:p>
+            <a:r>
+              <a:rPr lang="pl-PL" sz="4000" dirty="0">
+                <a:solidFill>
+                  <a:schemeClr val="bg1"/>
+                </a:solidFill>
+              </a:rPr>
+              <a:t>Wnioski</a:t>
+            </a:r>
+          </a:p>
+        </p:txBody>
+      </p:sp>
+      <p:sp>
+        <p:nvSpPr>
+          <p:cNvPr id="10" name="Rectangle 9">
+            <a:extLst>
+              <a:ext uri="{FF2B5EF4-FFF2-40B4-BE49-F238E27FC236}">
+                <a16:creationId xmlns:a16="http://schemas.microsoft.com/office/drawing/2014/main" id="{A55D5633-D557-4DCA-982C-FF36EB7A1C00}"/>
+              </a:ext>
+              <a:ext uri="{C183D7F6-B498-43B3-948B-1728B52AA6E4}">
+                <adec:decorative xmlns:adec="http://schemas.microsoft.com/office/drawing/2017/decorative" val="1"/>
+              </a:ext>
+            </a:extLst>
+          </p:cNvPr>
+          <p:cNvSpPr>
+            <a:spLocks noGrp="1" noRot="1" noChangeAspect="1" noMove="1" noResize="1" noEditPoints="1" noAdjustHandles="1" noChangeArrowheads="1" noChangeShapeType="1" noTextEdit="1"/>
+          </p:cNvSpPr>
+          <p:nvPr>
+            <p:extLst>
+              <p:ext uri="{386F3935-93C4-4BCD-93E2-E3B085C9AB24}">
+                <p16:designElem xmlns:p16="http://schemas.microsoft.com/office/powerpoint/2015/main" val="1"/>
+              </p:ext>
+            </p:extLst>
+          </p:nvPr>
+        </p:nvSpPr>
+        <p:spPr>
+          <a:xfrm>
+            <a:off x="0" y="1688641"/>
+            <a:ext cx="12191990" cy="5169359"/>
+          </a:xfrm>
+          <a:prstGeom prst="rect">
+            <a:avLst/>
+          </a:prstGeom>
+          <a:solidFill>
+            <a:schemeClr val="bg1">
+              <a:lumMod val="95000"/>
+            </a:schemeClr>
+          </a:solidFill>
+          <a:ln>
+            <a:noFill/>
+          </a:ln>
+        </p:spPr>
+        <p:style>
+          <a:lnRef idx="2">
+            <a:schemeClr val="accent1">
+              <a:shade val="50000"/>
+            </a:schemeClr>
+          </a:lnRef>
+          <a:fillRef idx="1">
+            <a:schemeClr val="accent1"/>
+          </a:fillRef>
+          <a:effectRef idx="0">
+            <a:schemeClr val="accent1"/>
+          </a:effectRef>
+          <a:fontRef idx="minor">
+            <a:schemeClr val="lt1"/>
+          </a:fontRef>
+        </p:style>
+        <p:txBody>
+          <a:bodyPr rtlCol="0" anchor="ctr"/>
+          <a:lstStyle/>
+          <a:p>
+            <a:pPr algn="ctr"/>
+            <a:endParaRPr lang="en-US"/>
+          </a:p>
+        </p:txBody>
+      </p:sp>
+      <p:sp>
+        <p:nvSpPr>
+          <p:cNvPr id="12" name="Rectangle 11">
+            <a:extLst>
+              <a:ext uri="{FF2B5EF4-FFF2-40B4-BE49-F238E27FC236}">
+                <a16:creationId xmlns:a16="http://schemas.microsoft.com/office/drawing/2014/main" id="{450D3AD2-FA80-415F-A9CE-54D884561CD7}"/>
+              </a:ext>
+              <a:ext uri="{C183D7F6-B498-43B3-948B-1728B52AA6E4}">
+                <adec:decorative xmlns:adec="http://schemas.microsoft.com/office/drawing/2017/decorative" val="1"/>
+              </a:ext>
+            </a:extLst>
+          </p:cNvPr>
+          <p:cNvSpPr>
+            <a:spLocks noGrp="1" noRot="1" noChangeAspect="1" noMove="1" noResize="1" noEditPoints="1" noAdjustHandles="1" noChangeArrowheads="1" noChangeShapeType="1" noTextEdit="1"/>
+          </p:cNvSpPr>
+          <p:nvPr>
+            <p:extLst>
+              <p:ext uri="{386F3935-93C4-4BCD-93E2-E3B085C9AB24}">
+                <p16:designElem xmlns:p16="http://schemas.microsoft.com/office/powerpoint/2015/main" val="1"/>
+              </p:ext>
+            </p:extLst>
+          </p:nvPr>
+        </p:nvSpPr>
+        <p:spPr>
+          <a:xfrm>
+            <a:off x="1156851" y="2010758"/>
+            <a:ext cx="457190" cy="45719"/>
+          </a:xfrm>
+          <a:prstGeom prst="rect">
+            <a:avLst/>
+          </a:prstGeom>
+          <a:solidFill>
+            <a:schemeClr val="tx1"/>
+          </a:solidFill>
+          <a:ln>
+            <a:noFill/>
+          </a:ln>
+        </p:spPr>
+        <p:style>
+          <a:lnRef idx="2">
+            <a:schemeClr val="accent1">
+              <a:shade val="50000"/>
+            </a:schemeClr>
+          </a:lnRef>
+          <a:fillRef idx="1">
+            <a:schemeClr val="accent1"/>
+          </a:fillRef>
+          <a:effectRef idx="0">
+            <a:schemeClr val="accent1"/>
+          </a:effectRef>
+          <a:fontRef idx="minor">
+            <a:schemeClr val="lt1"/>
+          </a:fontRef>
+        </p:style>
+        <p:txBody>
+          <a:bodyPr rtlCol="0" anchor="ctr"/>
+          <a:lstStyle/>
+          <a:p>
+            <a:pPr algn="ctr"/>
+            <a:endParaRPr lang="en-US"/>
+          </a:p>
+        </p:txBody>
+      </p:sp>
+      <p:sp>
+        <p:nvSpPr>
+          <p:cNvPr id="5" name="pole tekstowe 4">
+            <a:extLst>
+              <a:ext uri="{FF2B5EF4-FFF2-40B4-BE49-F238E27FC236}">
+                <a16:creationId xmlns:a16="http://schemas.microsoft.com/office/drawing/2014/main" id="{D717043C-FCCC-E525-1D06-AD338F69BBAD}"/>
+              </a:ext>
+            </a:extLst>
+          </p:cNvPr>
+          <p:cNvSpPr txBox="1"/>
+          <p:nvPr/>
+        </p:nvSpPr>
+        <p:spPr>
+          <a:xfrm>
+            <a:off x="838200" y="2056477"/>
+            <a:ext cx="11353799" cy="5632311"/>
+          </a:xfrm>
+          <a:prstGeom prst="rect">
+            <a:avLst/>
+          </a:prstGeom>
+          <a:noFill/>
+        </p:spPr>
+        <p:txBody>
+          <a:bodyPr wrap="square">
+            <a:spAutoFit/>
+          </a:bodyPr>
+          <a:lstStyle/>
+          <a:p>
+            <a:r>
+              <a:rPr lang="pl-PL" sz="1500" dirty="0">
+                <a:effectLst/>
+              </a:rPr>
+              <a:t>Na podstawie powyższej tabeli można stwierdzić, że współczynnik wsparcia relatywnego</a:t>
+            </a:r>
+            <a:r>
+              <a:rPr lang="pl-PL" sz="1500" dirty="0"/>
+              <a:t> </a:t>
+            </a:r>
+            <a:r>
+              <a:rPr lang="pl-PL" sz="1500" dirty="0">
+                <a:effectLst/>
+              </a:rPr>
+              <a:t>(</a:t>
+            </a:r>
+            <a:r>
+              <a:rPr lang="pl-PL" sz="1500" b="1" dirty="0" err="1">
+                <a:effectLst/>
+              </a:rPr>
+              <a:t>relative</a:t>
+            </a:r>
+            <a:r>
+              <a:rPr lang="pl-PL" sz="1500" b="1" dirty="0">
+                <a:effectLst/>
+              </a:rPr>
+              <a:t> </a:t>
+            </a:r>
+            <a:r>
+              <a:rPr lang="pl-PL" sz="1500" b="1" dirty="0" err="1">
+                <a:effectLst/>
+              </a:rPr>
+              <a:t>support</a:t>
+            </a:r>
+            <a:r>
+              <a:rPr lang="pl-PL" sz="1500" dirty="0">
+                <a:effectLst/>
+              </a:rPr>
+              <a:t>) jest tym większy, im wyższy współczynnik podniesienia lift. Widać</a:t>
+            </a:r>
+            <a:r>
+              <a:rPr lang="pl-PL" sz="1500" dirty="0"/>
+              <a:t> </a:t>
+            </a:r>
+            <a:r>
+              <a:rPr lang="pl-PL" sz="1500" dirty="0">
+                <a:effectLst/>
+              </a:rPr>
+              <a:t>też, że wartości w poszczególnych kubełkach nie odbiegają znacząco od siebie (minimalne wartości</a:t>
+            </a:r>
+            <a:r>
+              <a:rPr lang="pl-PL" sz="1500" dirty="0"/>
+              <a:t> </a:t>
+            </a:r>
+            <a:r>
+              <a:rPr lang="pl-PL" sz="1500" dirty="0">
+                <a:effectLst/>
+              </a:rPr>
+              <a:t>odchylenia standardowego).</a:t>
+            </a:r>
+          </a:p>
+          <a:p>
+            <a:endParaRPr lang="pl-PL" sz="1500" dirty="0"/>
+          </a:p>
+          <a:p>
+            <a:r>
+              <a:rPr lang="pl-PL" sz="1500" dirty="0">
+                <a:effectLst/>
+              </a:rPr>
+              <a:t>W przypadku współczynnika </a:t>
+            </a:r>
+            <a:r>
+              <a:rPr lang="pl-PL" sz="1500" b="1" dirty="0" err="1">
+                <a:effectLst/>
+              </a:rPr>
+              <a:t>Certanity</a:t>
+            </a:r>
+            <a:r>
+              <a:rPr lang="pl-PL" sz="1500" dirty="0">
+                <a:effectLst/>
+              </a:rPr>
+              <a:t>, nie widać dokładnej zależności pomiędzy wartościami</a:t>
+            </a:r>
+            <a:r>
+              <a:rPr lang="pl-PL" sz="1500" dirty="0"/>
+              <a:t> </a:t>
+            </a:r>
+            <a:r>
+              <a:rPr lang="pl-PL" sz="1500" dirty="0" err="1">
+                <a:effectLst/>
+              </a:rPr>
+              <a:t>wsp</a:t>
+            </a:r>
+            <a:r>
+              <a:rPr lang="pl-PL" sz="1500" dirty="0">
+                <a:effectLst/>
+              </a:rPr>
+              <a:t>. lift, jednak można dostrzec znacznie wyższą wartość odchylenia standardowego</a:t>
+            </a:r>
+          </a:p>
+          <a:p>
+            <a:endParaRPr lang="pl-PL" sz="1500" dirty="0"/>
+          </a:p>
+          <a:p>
+            <a:r>
+              <a:rPr lang="pl-PL" sz="1500" dirty="0">
+                <a:effectLst/>
+              </a:rPr>
+              <a:t>Współczynnik </a:t>
+            </a:r>
+            <a:r>
+              <a:rPr lang="pl-PL" sz="1500" b="1" dirty="0" err="1">
+                <a:effectLst/>
+              </a:rPr>
+              <a:t>Jaccarda</a:t>
+            </a:r>
+            <a:r>
+              <a:rPr lang="pl-PL" sz="1500" dirty="0">
+                <a:effectLst/>
+              </a:rPr>
+              <a:t> rośnie wykładniczo w stosunku do wartości współczynnika podniesienia. To samo dotyczy odchylenia standardowego jego wartości w zadanym przedziale.</a:t>
+            </a:r>
+          </a:p>
+          <a:p>
+            <a:endParaRPr lang="pl-PL" sz="1500" dirty="0">
+              <a:effectLst/>
+            </a:endParaRPr>
+          </a:p>
+          <a:p>
+            <a:r>
+              <a:rPr lang="pl-PL" sz="1500" dirty="0">
+                <a:effectLst/>
+              </a:rPr>
+              <a:t>W przypadku wsp</a:t>
+            </a:r>
+            <a:r>
+              <a:rPr lang="pl-PL" sz="1500" dirty="0"/>
+              <a:t>ół</a:t>
+            </a:r>
+            <a:r>
+              <a:rPr lang="pl-PL" sz="1500" dirty="0">
+                <a:effectLst/>
+              </a:rPr>
+              <a:t>czynnika </a:t>
+            </a:r>
+            <a:r>
+              <a:rPr lang="pl-PL" sz="1500" b="1" dirty="0" err="1">
+                <a:effectLst/>
+              </a:rPr>
+              <a:t>Odds</a:t>
+            </a:r>
+            <a:r>
+              <a:rPr lang="pl-PL" sz="1500" b="1" dirty="0">
+                <a:effectLst/>
+              </a:rPr>
+              <a:t> Ratio </a:t>
+            </a:r>
+            <a:r>
+              <a:rPr lang="pl-PL" sz="1500" dirty="0">
+                <a:effectLst/>
+              </a:rPr>
+              <a:t>również widać tendencje wzrostową w stosunku</a:t>
+            </a:r>
+            <a:r>
+              <a:rPr lang="pl-PL" sz="1500" dirty="0"/>
+              <a:t> </a:t>
+            </a:r>
+            <a:r>
+              <a:rPr lang="pl-PL" sz="1500" dirty="0">
+                <a:effectLst/>
+              </a:rPr>
+              <a:t>do wartości </a:t>
+            </a:r>
+            <a:r>
+              <a:rPr lang="pl-PL" sz="1500" dirty="0" err="1">
+                <a:effectLst/>
+              </a:rPr>
+              <a:t>wsp</a:t>
+            </a:r>
+            <a:r>
+              <a:rPr lang="pl-PL" sz="1500" dirty="0">
+                <a:effectLst/>
+              </a:rPr>
+              <a:t>. lift, jednak nie jest to silnie widoczne zarówno w stosunku do wartości średniej</a:t>
+            </a:r>
+            <a:r>
+              <a:rPr lang="pl-PL" sz="1500" dirty="0"/>
+              <a:t> </a:t>
+            </a:r>
+            <a:r>
+              <a:rPr lang="pl-PL" sz="1500" dirty="0">
+                <a:effectLst/>
+              </a:rPr>
+              <a:t>jak i odchylenia standardowego.</a:t>
+            </a:r>
+          </a:p>
+          <a:p>
+            <a:endParaRPr lang="pl-PL" sz="1500" dirty="0">
+              <a:effectLst/>
+            </a:endParaRPr>
+          </a:p>
+          <a:p>
+            <a:r>
+              <a:rPr lang="pl-PL" sz="1500" dirty="0">
+                <a:effectLst/>
+              </a:rPr>
+              <a:t>Analiza zachowania się wybranych miar w odniesieniu do wartości </a:t>
+            </a:r>
+            <a:r>
+              <a:rPr lang="pl-PL" sz="1500" dirty="0" err="1">
+                <a:effectLst/>
+              </a:rPr>
+              <a:t>wsp</a:t>
+            </a:r>
+            <a:r>
+              <a:rPr lang="pl-PL" sz="1500" dirty="0" err="1"/>
+              <a:t>ół</a:t>
+            </a:r>
+            <a:r>
+              <a:rPr lang="pl-PL" sz="1500" dirty="0" err="1">
+                <a:effectLst/>
+              </a:rPr>
+              <a:t>łczynnika</a:t>
+            </a:r>
+            <a:r>
+              <a:rPr lang="pl-PL" sz="1500" dirty="0">
+                <a:effectLst/>
+              </a:rPr>
+              <a:t> podniesienia</a:t>
+            </a:r>
+            <a:r>
+              <a:rPr lang="pl-PL" sz="1500" dirty="0"/>
+              <a:t> (</a:t>
+            </a:r>
+            <a:r>
+              <a:rPr lang="pl-PL" sz="1500" dirty="0">
+                <a:effectLst/>
+              </a:rPr>
+              <a:t>lift) wykazała, że </a:t>
+            </a:r>
+            <a:r>
+              <a:rPr lang="pl-PL" sz="1500" b="1" dirty="0">
+                <a:effectLst/>
+              </a:rPr>
+              <a:t>większość miar (</a:t>
+            </a:r>
+            <a:r>
+              <a:rPr lang="pl-PL" sz="1500" b="1" dirty="0" err="1">
+                <a:effectLst/>
+              </a:rPr>
+              <a:t>wsp.łczynnik</a:t>
+            </a:r>
+            <a:r>
+              <a:rPr lang="pl-PL" sz="1500" b="1" dirty="0">
+                <a:effectLst/>
+              </a:rPr>
+              <a:t> </a:t>
+            </a:r>
+            <a:r>
+              <a:rPr lang="pl-PL" sz="1500" b="1" dirty="0" err="1">
+                <a:effectLst/>
+              </a:rPr>
+              <a:t>Jaccarda</a:t>
+            </a:r>
+            <a:r>
+              <a:rPr lang="pl-PL" sz="1500" b="1" dirty="0">
+                <a:effectLst/>
+              </a:rPr>
+              <a:t>, </a:t>
+            </a:r>
+            <a:r>
+              <a:rPr lang="pl-PL" sz="1500" b="1" dirty="0" err="1">
+                <a:effectLst/>
+              </a:rPr>
+              <a:t>Certainty</a:t>
+            </a:r>
+            <a:r>
+              <a:rPr lang="pl-PL" sz="1500" b="1" dirty="0">
+                <a:effectLst/>
+              </a:rPr>
+              <a:t> </a:t>
+            </a:r>
+            <a:r>
+              <a:rPr lang="pl-PL" sz="1500" b="1" dirty="0" err="1">
+                <a:effectLst/>
+              </a:rPr>
+              <a:t>Factor</a:t>
+            </a:r>
+            <a:r>
+              <a:rPr lang="pl-PL" sz="1500" b="1" dirty="0">
+                <a:effectLst/>
+              </a:rPr>
+              <a:t>,</a:t>
+            </a:r>
+            <a:r>
+              <a:rPr lang="pl-PL" sz="1500" b="1" dirty="0"/>
+              <a:t> </a:t>
+            </a:r>
+            <a:r>
+              <a:rPr lang="pl-PL" sz="1500" b="1" dirty="0" err="1">
+                <a:effectLst/>
+              </a:rPr>
+              <a:t>Odds</a:t>
+            </a:r>
+            <a:r>
+              <a:rPr lang="pl-PL" sz="1500" b="1" dirty="0">
+                <a:effectLst/>
+              </a:rPr>
+              <a:t> Ratio) wykazuje tendencję do wzrostu wraz ze wzrostem wartości współczynnika</a:t>
+            </a:r>
+            <a:r>
+              <a:rPr lang="pl-PL" sz="1500" b="1" dirty="0"/>
+              <a:t> </a:t>
+            </a:r>
+            <a:r>
+              <a:rPr lang="pl-PL" sz="1500" dirty="0">
+                <a:effectLst/>
+              </a:rPr>
+              <a:t>podniesienia.</a:t>
+            </a:r>
+          </a:p>
+          <a:p>
+            <a:endParaRPr lang="pl-PL" sz="1500" dirty="0"/>
+          </a:p>
+          <a:p>
+            <a:r>
+              <a:rPr lang="pl-PL" sz="1500" b="1" dirty="0">
+                <a:effectLst/>
+              </a:rPr>
+              <a:t>Dokładność i wiarygodność wyników uzyskanych przez algorytm </a:t>
+            </a:r>
+            <a:r>
+              <a:rPr lang="pl-PL" sz="1500" b="1" dirty="0" err="1">
+                <a:effectLst/>
+              </a:rPr>
+              <a:t>Apriori</a:t>
+            </a:r>
+            <a:r>
+              <a:rPr lang="pl-PL" sz="1500" b="1" dirty="0">
+                <a:effectLst/>
+              </a:rPr>
+              <a:t> zależy od odpowiedniego</a:t>
+            </a:r>
+            <a:r>
+              <a:rPr lang="pl-PL" sz="1500" b="1" dirty="0"/>
+              <a:t> </a:t>
+            </a:r>
+            <a:r>
+              <a:rPr lang="pl-PL" sz="1500" b="1" dirty="0">
+                <a:effectLst/>
+              </a:rPr>
+              <a:t>dobrania parametrów, takich jak minimalne wsparcie (</a:t>
+            </a:r>
+            <a:r>
+              <a:rPr lang="pl-PL" sz="1500" b="1" dirty="0" err="1">
+                <a:effectLst/>
+              </a:rPr>
+              <a:t>min_support</a:t>
+            </a:r>
+            <a:r>
+              <a:rPr lang="pl-PL" sz="1500" b="1" dirty="0">
+                <a:effectLst/>
+              </a:rPr>
+              <a:t>) i minimalne</a:t>
+            </a:r>
+            <a:r>
+              <a:rPr lang="pl-PL" sz="1500" b="1" dirty="0"/>
+              <a:t> </a:t>
+            </a:r>
+            <a:r>
+              <a:rPr lang="pl-PL" sz="1500" b="1" dirty="0">
+                <a:effectLst/>
+              </a:rPr>
+              <a:t>zaufanie (</a:t>
+            </a:r>
+            <a:r>
+              <a:rPr lang="pl-PL" sz="1500" b="1" dirty="0" err="1">
+                <a:effectLst/>
+              </a:rPr>
+              <a:t>min_confidence</a:t>
+            </a:r>
+            <a:r>
+              <a:rPr lang="pl-PL" sz="1500" b="1" dirty="0">
+                <a:effectLst/>
+              </a:rPr>
+              <a:t>). </a:t>
+            </a:r>
+            <a:r>
+              <a:rPr lang="pl-PL" sz="1500" dirty="0">
+                <a:effectLst/>
+              </a:rPr>
+              <a:t>Warto przeprowadzić analizę wrażliwości, aby określić</a:t>
+            </a:r>
+            <a:r>
+              <a:rPr lang="pl-PL" sz="1500" dirty="0"/>
+              <a:t> </a:t>
+            </a:r>
+            <a:r>
+              <a:rPr lang="pl-PL" sz="1500" dirty="0">
+                <a:effectLst/>
+              </a:rPr>
+              <a:t>optymalne wartości tych parametrów dla konkretnego zestawu danych.</a:t>
+            </a:r>
+          </a:p>
+          <a:p>
+            <a:endParaRPr lang="pl-PL" sz="1500" dirty="0">
+              <a:effectLst/>
+            </a:endParaRPr>
+          </a:p>
+          <a:p>
+            <a:endParaRPr lang="pl-PL" sz="1500" dirty="0">
+              <a:effectLst/>
+            </a:endParaRPr>
+          </a:p>
+          <a:p>
+            <a:endParaRPr lang="pl-PL" sz="1500" dirty="0">
+              <a:effectLst/>
+            </a:endParaRPr>
+          </a:p>
+          <a:p>
+            <a:endParaRPr lang="pl-PL" sz="1500" dirty="0">
+              <a:effectLst/>
+            </a:endParaRPr>
+          </a:p>
+        </p:txBody>
+      </p:sp>
+    </p:spTree>
+    <p:extLst>
+      <p:ext uri="{BB962C8B-B14F-4D97-AF65-F5344CB8AC3E}">
+        <p14:creationId xmlns:p14="http://schemas.microsoft.com/office/powerpoint/2010/main" val="2061232024"/>
+      </p:ext>
+    </p:extLst>
+  </p:cSld>
+  <p:clrMapOvr>
+    <a:masterClrMapping/>
+  </p:clrMapOvr>
+</p:sld>
+</file>
+
+<file path=ppt/slides/slide21.xml><?xml version="1.0" encoding="utf-8"?>
+<p:sld xmlns:a="http://schemas.openxmlformats.org/drawingml/2006/main" xmlns:r="http://schemas.openxmlformats.org/officeDocument/2006/relationships" xmlns:p="http://schemas.openxmlformats.org/presentationml/2006/main">
+  <p:cSld>
+    <p:bg>
+      <p:bgPr>
+        <a:solidFill>
+          <a:schemeClr val="bg1">
+            <a:tint val="95000"/>
+            <a:satMod val="170000"/>
+          </a:schemeClr>
+        </a:solidFill>
+        <a:effectLst/>
+      </p:bgPr>
+    </p:bg>
+    <p:spTree>
+      <p:nvGrpSpPr>
+        <p:cNvPr id="1" name="">
+          <a:extLst>
+            <a:ext uri="{FF2B5EF4-FFF2-40B4-BE49-F238E27FC236}">
+              <a16:creationId xmlns:a16="http://schemas.microsoft.com/office/drawing/2014/main" id="{8C1DC7BA-F960-2BFD-1F46-25269AE7E3FA}"/>
+            </a:ext>
+          </a:extLst>
+        </p:cNvPr>
+        <p:cNvGrpSpPr/>
+        <p:nvPr/>
+      </p:nvGrpSpPr>
+      <p:grpSpPr>
+        <a:xfrm>
+          <a:off x="0" y="0"/>
+          <a:ext cx="0" cy="0"/>
+          <a:chOff x="0" y="0"/>
+          <a:chExt cx="0" cy="0"/>
+        </a:xfrm>
+      </p:grpSpPr>
+      <p:sp>
+        <p:nvSpPr>
+          <p:cNvPr id="14" name="Freeform: Shape 13">
+            <a:extLst>
+              <a:ext uri="{FF2B5EF4-FFF2-40B4-BE49-F238E27FC236}">
+                <a16:creationId xmlns:a16="http://schemas.microsoft.com/office/drawing/2014/main" id="{66B332A4-D438-4773-A77F-5ED49A448D9D}"/>
+              </a:ext>
+              <a:ext uri="{C183D7F6-B498-43B3-948B-1728B52AA6E4}">
+                <adec:decorative xmlns:adec="http://schemas.microsoft.com/office/drawing/2017/decorative" val="1"/>
+              </a:ext>
+            </a:extLst>
+          </p:cNvPr>
+          <p:cNvSpPr>
+            <a:spLocks noGrp="1" noRot="1" noChangeAspect="1" noMove="1" noResize="1" noEditPoints="1" noAdjustHandles="1" noChangeArrowheads="1" noChangeShapeType="1" noTextEdit="1"/>
+          </p:cNvSpPr>
+          <p:nvPr>
+            <p:extLst>
+              <p:ext uri="{386F3935-93C4-4BCD-93E2-E3B085C9AB24}">
+                <p16:designElem xmlns:p16="http://schemas.microsoft.com/office/powerpoint/2015/main" val="1"/>
+              </p:ext>
+            </p:extLst>
+          </p:nvPr>
+        </p:nvSpPr>
+        <p:spPr>
+          <a:xfrm>
+            <a:off x="1953768" y="0"/>
+            <a:ext cx="8284464" cy="6858000"/>
+          </a:xfrm>
+          <a:custGeom>
+            <a:avLst/>
+            <a:gdLst>
+              <a:gd name="connsiteX0" fmla="*/ 1818109 w 8284464"/>
+              <a:gd name="connsiteY0" fmla="*/ 0 h 6858000"/>
+              <a:gd name="connsiteX1" fmla="*/ 6466355 w 8284464"/>
+              <a:gd name="connsiteY1" fmla="*/ 0 h 6858000"/>
+              <a:gd name="connsiteX2" fmla="*/ 6620596 w 8284464"/>
+              <a:gd name="connsiteY2" fmla="*/ 109683 h 6858000"/>
+              <a:gd name="connsiteX3" fmla="*/ 8284464 w 8284464"/>
+              <a:gd name="connsiteY3" fmla="*/ 3429000 h 6858000"/>
+              <a:gd name="connsiteX4" fmla="*/ 6620596 w 8284464"/>
+              <a:gd name="connsiteY4" fmla="*/ 6748318 h 6858000"/>
+              <a:gd name="connsiteX5" fmla="*/ 6466355 w 8284464"/>
+              <a:gd name="connsiteY5" fmla="*/ 6858000 h 6858000"/>
+              <a:gd name="connsiteX6" fmla="*/ 1818109 w 8284464"/>
+              <a:gd name="connsiteY6" fmla="*/ 6858000 h 6858000"/>
+              <a:gd name="connsiteX7" fmla="*/ 1663869 w 8284464"/>
+              <a:gd name="connsiteY7" fmla="*/ 6748318 h 6858000"/>
+              <a:gd name="connsiteX8" fmla="*/ 0 w 8284464"/>
+              <a:gd name="connsiteY8" fmla="*/ 3429000 h 6858000"/>
+              <a:gd name="connsiteX9" fmla="*/ 1663869 w 8284464"/>
+              <a:gd name="connsiteY9" fmla="*/ 109683 h 6858000"/>
+            </a:gdLst>
+            <a:ahLst/>
+            <a:cxnLst>
+              <a:cxn ang="0">
+                <a:pos x="connsiteX0" y="connsiteY0"/>
+              </a:cxn>
+              <a:cxn ang="0">
+                <a:pos x="connsiteX1" y="connsiteY1"/>
+              </a:cxn>
+              <a:cxn ang="0">
+                <a:pos x="connsiteX2" y="connsiteY2"/>
+              </a:cxn>
+              <a:cxn ang="0">
+                <a:pos x="connsiteX3" y="connsiteY3"/>
+              </a:cxn>
+              <a:cxn ang="0">
+                <a:pos x="connsiteX4" y="connsiteY4"/>
+              </a:cxn>
+              <a:cxn ang="0">
+                <a:pos x="connsiteX5" y="connsiteY5"/>
+              </a:cxn>
+              <a:cxn ang="0">
+                <a:pos x="connsiteX6" y="connsiteY6"/>
+              </a:cxn>
+              <a:cxn ang="0">
+                <a:pos x="connsiteX7" y="connsiteY7"/>
+              </a:cxn>
+              <a:cxn ang="0">
+                <a:pos x="connsiteX8" y="connsiteY8"/>
+              </a:cxn>
+              <a:cxn ang="0">
+                <a:pos x="connsiteX9" y="connsiteY9"/>
+              </a:cxn>
+            </a:cxnLst>
+            <a:rect l="l" t="t" r="r" b="b"/>
+            <a:pathLst>
+              <a:path w="8284464" h="6858000">
+                <a:moveTo>
+                  <a:pt x="1818109" y="0"/>
+                </a:moveTo>
+                <a:lnTo>
+                  <a:pt x="6466355" y="0"/>
+                </a:lnTo>
+                <a:lnTo>
+                  <a:pt x="6620596" y="109683"/>
+                </a:lnTo>
+                <a:cubicBezTo>
+                  <a:pt x="7630666" y="865069"/>
+                  <a:pt x="8284464" y="2070683"/>
+                  <a:pt x="8284464" y="3429000"/>
+                </a:cubicBezTo>
+                <a:cubicBezTo>
+                  <a:pt x="8284464" y="4787317"/>
+                  <a:pt x="7630666" y="5992931"/>
+                  <a:pt x="6620596" y="6748318"/>
+                </a:cubicBezTo>
+                <a:lnTo>
+                  <a:pt x="6466355" y="6858000"/>
+                </a:lnTo>
+                <a:lnTo>
+                  <a:pt x="1818109" y="6858000"/>
+                </a:lnTo>
+                <a:lnTo>
+                  <a:pt x="1663869" y="6748318"/>
+                </a:lnTo>
+                <a:cubicBezTo>
+                  <a:pt x="653798" y="5992931"/>
+                  <a:pt x="0" y="4787317"/>
+                  <a:pt x="0" y="3429000"/>
+                </a:cubicBezTo>
+                <a:cubicBezTo>
+                  <a:pt x="0" y="2070683"/>
+                  <a:pt x="653798" y="865069"/>
+                  <a:pt x="1663869" y="109683"/>
+                </a:cubicBezTo>
+                <a:close/>
+              </a:path>
+            </a:pathLst>
+          </a:custGeom>
+          <a:solidFill>
+            <a:srgbClr val="FFFFFF">
+              <a:alpha val="80000"/>
+            </a:srgbClr>
+          </a:solidFill>
+          <a:ln>
+            <a:noFill/>
+          </a:ln>
+        </p:spPr>
+        <p:style>
+          <a:lnRef idx="2">
+            <a:schemeClr val="accent1">
+              <a:shade val="50000"/>
+            </a:schemeClr>
+          </a:lnRef>
+          <a:fillRef idx="1">
+            <a:schemeClr val="accent1"/>
+          </a:fillRef>
+          <a:effectRef idx="0">
+            <a:schemeClr val="accent1"/>
+          </a:effectRef>
+          <a:fontRef idx="minor">
+            <a:schemeClr val="lt1"/>
+          </a:fontRef>
+        </p:style>
+        <p:txBody>
+          <a:bodyPr wrap="square" rtlCol="0" anchor="ctr">
+            <a:noAutofit/>
+          </a:bodyPr>
+          <a:lstStyle/>
+          <a:p>
+            <a:pPr algn="ctr"/>
+            <a:endParaRPr lang="en-US"/>
+          </a:p>
+        </p:txBody>
+      </p:sp>
+      <p:sp>
+        <p:nvSpPr>
+          <p:cNvPr id="16" name="Freeform: Shape 15">
+            <a:extLst>
+              <a:ext uri="{FF2B5EF4-FFF2-40B4-BE49-F238E27FC236}">
+                <a16:creationId xmlns:a16="http://schemas.microsoft.com/office/drawing/2014/main" id="{DF9AD32D-FF05-44F4-BD4D-9CEE89B71EB9}"/>
+              </a:ext>
+              <a:ext uri="{C183D7F6-B498-43B3-948B-1728B52AA6E4}">
+                <adec:decorative xmlns:adec="http://schemas.microsoft.com/office/drawing/2017/decorative" val="1"/>
+              </a:ext>
+            </a:extLst>
+          </p:cNvPr>
+          <p:cNvSpPr>
+            <a:spLocks noGrp="1" noRot="1" noChangeAspect="1" noMove="1" noResize="1" noEditPoints="1" noAdjustHandles="1" noChangeArrowheads="1" noChangeShapeType="1" noTextEdit="1"/>
+          </p:cNvSpPr>
+          <p:nvPr>
+            <p:extLst>
+              <p:ext uri="{386F3935-93C4-4BCD-93E2-E3B085C9AB24}">
+                <p16:designElem xmlns:p16="http://schemas.microsoft.com/office/powerpoint/2015/main" val="1"/>
+              </p:ext>
+            </p:extLst>
+          </p:nvPr>
+        </p:nvSpPr>
+        <p:spPr>
+          <a:xfrm>
+            <a:off x="2118360" y="0"/>
+            <a:ext cx="7955280" cy="6858000"/>
+          </a:xfrm>
+          <a:custGeom>
+            <a:avLst/>
+            <a:gdLst>
+              <a:gd name="connsiteX0" fmla="*/ 1962423 w 7955280"/>
+              <a:gd name="connsiteY0" fmla="*/ 0 h 6858000"/>
+              <a:gd name="connsiteX1" fmla="*/ 5992858 w 7955280"/>
+              <a:gd name="connsiteY1" fmla="*/ 0 h 6858000"/>
+              <a:gd name="connsiteX2" fmla="*/ 6040191 w 7955280"/>
+              <a:gd name="connsiteY2" fmla="*/ 27216 h 6858000"/>
+              <a:gd name="connsiteX3" fmla="*/ 7955280 w 7955280"/>
+              <a:gd name="connsiteY3" fmla="*/ 3429000 h 6858000"/>
+              <a:gd name="connsiteX4" fmla="*/ 6040191 w 7955280"/>
+              <a:gd name="connsiteY4" fmla="*/ 6830784 h 6858000"/>
+              <a:gd name="connsiteX5" fmla="*/ 5992858 w 7955280"/>
+              <a:gd name="connsiteY5" fmla="*/ 6858000 h 6858000"/>
+              <a:gd name="connsiteX6" fmla="*/ 1962423 w 7955280"/>
+              <a:gd name="connsiteY6" fmla="*/ 6858000 h 6858000"/>
+              <a:gd name="connsiteX7" fmla="*/ 1915089 w 7955280"/>
+              <a:gd name="connsiteY7" fmla="*/ 6830784 h 6858000"/>
+              <a:gd name="connsiteX8" fmla="*/ 0 w 7955280"/>
+              <a:gd name="connsiteY8" fmla="*/ 3429000 h 6858000"/>
+              <a:gd name="connsiteX9" fmla="*/ 1915089 w 7955280"/>
+              <a:gd name="connsiteY9" fmla="*/ 27216 h 6858000"/>
+            </a:gdLst>
+            <a:ahLst/>
+            <a:cxnLst>
+              <a:cxn ang="0">
+                <a:pos x="connsiteX0" y="connsiteY0"/>
+              </a:cxn>
+              <a:cxn ang="0">
+                <a:pos x="connsiteX1" y="connsiteY1"/>
+              </a:cxn>
+              <a:cxn ang="0">
+                <a:pos x="connsiteX2" y="connsiteY2"/>
+              </a:cxn>
+              <a:cxn ang="0">
+                <a:pos x="connsiteX3" y="connsiteY3"/>
+              </a:cxn>
+              <a:cxn ang="0">
+                <a:pos x="connsiteX4" y="connsiteY4"/>
+              </a:cxn>
+              <a:cxn ang="0">
+                <a:pos x="connsiteX5" y="connsiteY5"/>
+              </a:cxn>
+              <a:cxn ang="0">
+                <a:pos x="connsiteX6" y="connsiteY6"/>
+              </a:cxn>
+              <a:cxn ang="0">
+                <a:pos x="connsiteX7" y="connsiteY7"/>
+              </a:cxn>
+              <a:cxn ang="0">
+                <a:pos x="connsiteX8" y="connsiteY8"/>
+              </a:cxn>
+              <a:cxn ang="0">
+                <a:pos x="connsiteX9" y="connsiteY9"/>
+              </a:cxn>
+            </a:cxnLst>
+            <a:rect l="l" t="t" r="r" b="b"/>
+            <a:pathLst>
+              <a:path w="7955280" h="6858000">
+                <a:moveTo>
+                  <a:pt x="1962423" y="0"/>
+                </a:moveTo>
+                <a:lnTo>
+                  <a:pt x="5992858" y="0"/>
+                </a:lnTo>
+                <a:lnTo>
+                  <a:pt x="6040191" y="27216"/>
+                </a:lnTo>
+                <a:cubicBezTo>
+                  <a:pt x="7188332" y="724844"/>
+                  <a:pt x="7955280" y="1987357"/>
+                  <a:pt x="7955280" y="3429000"/>
+                </a:cubicBezTo>
+                <a:cubicBezTo>
+                  <a:pt x="7955280" y="4870644"/>
+                  <a:pt x="7188332" y="6133157"/>
+                  <a:pt x="6040191" y="6830784"/>
+                </a:cubicBezTo>
+                <a:lnTo>
+                  <a:pt x="5992858" y="6858000"/>
+                </a:lnTo>
+                <a:lnTo>
+                  <a:pt x="1962423" y="6858000"/>
+                </a:lnTo>
+                <a:lnTo>
+                  <a:pt x="1915089" y="6830784"/>
+                </a:lnTo>
+                <a:cubicBezTo>
+                  <a:pt x="766948" y="6133157"/>
+                  <a:pt x="0" y="4870644"/>
+                  <a:pt x="0" y="3429000"/>
+                </a:cubicBezTo>
+                <a:cubicBezTo>
+                  <a:pt x="0" y="1987357"/>
+                  <a:pt x="766948" y="724844"/>
+                  <a:pt x="1915089" y="27216"/>
+                </a:cubicBezTo>
+                <a:close/>
+              </a:path>
+            </a:pathLst>
+          </a:custGeom>
+          <a:solidFill>
+            <a:schemeClr val="tx1"/>
+          </a:solidFill>
+          <a:ln>
+            <a:noFill/>
+          </a:ln>
+        </p:spPr>
+        <p:style>
+          <a:lnRef idx="2">
+            <a:schemeClr val="accent1">
+              <a:shade val="50000"/>
+            </a:schemeClr>
+          </a:lnRef>
+          <a:fillRef idx="1">
+            <a:schemeClr val="accent1"/>
+          </a:fillRef>
+          <a:effectRef idx="0">
+            <a:schemeClr val="accent1"/>
+          </a:effectRef>
+          <a:fontRef idx="minor">
+            <a:schemeClr val="lt1"/>
+          </a:fontRef>
+        </p:style>
+        <p:txBody>
+          <a:bodyPr wrap="square" rtlCol="0" anchor="ctr">
+            <a:noAutofit/>
+          </a:bodyPr>
+          <a:lstStyle/>
+          <a:p>
+            <a:pPr algn="ctr"/>
+            <a:endParaRPr lang="en-US"/>
+          </a:p>
+        </p:txBody>
+      </p:sp>
+      <p:sp>
+        <p:nvSpPr>
+          <p:cNvPr id="2" name="Tytuł 1">
+            <a:extLst>
+              <a:ext uri="{FF2B5EF4-FFF2-40B4-BE49-F238E27FC236}">
+                <a16:creationId xmlns:a16="http://schemas.microsoft.com/office/drawing/2014/main" id="{6B4A5491-28CE-2D63-FA99-9D20775D1FB5}"/>
+              </a:ext>
+            </a:extLst>
+          </p:cNvPr>
+          <p:cNvSpPr>
+            <a:spLocks noGrp="1"/>
+          </p:cNvSpPr>
+          <p:nvPr>
+            <p:ph type="title"/>
+          </p:nvPr>
+        </p:nvSpPr>
+        <p:spPr>
+          <a:xfrm>
+            <a:off x="2555631" y="1441938"/>
+            <a:ext cx="7080738" cy="3974124"/>
+          </a:xfrm>
+        </p:spPr>
+        <p:txBody>
+          <a:bodyPr vert="horz" lIns="91440" tIns="45720" rIns="91440" bIns="45720" rtlCol="0" anchor="ctr">
+            <a:normAutofit/>
+          </a:bodyPr>
+          <a:lstStyle/>
+          <a:p>
+            <a:pPr algn="ctr"/>
+            <a:r>
+              <a:rPr lang="en-US" sz="5400">
+                <a:solidFill>
+                  <a:schemeClr val="bg1">
+                    <a:lumMod val="95000"/>
+                    <a:lumOff val="5000"/>
+                  </a:schemeClr>
+                </a:solidFill>
+              </a:rPr>
+              <a:t>Dziękujemy</a:t>
+            </a:r>
+            <a:r>
+              <a:rPr lang="en-US" sz="5400" dirty="0">
+                <a:solidFill>
+                  <a:schemeClr val="bg1">
+                    <a:lumMod val="95000"/>
+                    <a:lumOff val="5000"/>
+                  </a:schemeClr>
+                </a:solidFill>
+              </a:rPr>
+              <a:t> </a:t>
+            </a:r>
+            <a:br>
+              <a:rPr lang="en-US" sz="5400" dirty="0">
+                <a:solidFill>
+                  <a:schemeClr val="bg1">
+                    <a:lumMod val="95000"/>
+                    <a:lumOff val="5000"/>
+                  </a:schemeClr>
+                </a:solidFill>
+              </a:rPr>
+            </a:br>
+            <a:r>
+              <a:rPr lang="en-US" sz="5400" dirty="0">
+                <a:solidFill>
+                  <a:schemeClr val="bg1">
+                    <a:lumMod val="95000"/>
+                    <a:lumOff val="5000"/>
+                  </a:schemeClr>
+                </a:solidFill>
+              </a:rPr>
+              <a:t>za </a:t>
+            </a:r>
+            <a:br>
+              <a:rPr lang="en-US" sz="5400" dirty="0">
+                <a:solidFill>
+                  <a:schemeClr val="bg1">
+                    <a:lumMod val="95000"/>
+                    <a:lumOff val="5000"/>
+                  </a:schemeClr>
+                </a:solidFill>
+              </a:rPr>
+            </a:br>
+            <a:r>
+              <a:rPr lang="en-US" sz="5400">
+                <a:solidFill>
+                  <a:schemeClr val="bg1">
+                    <a:lumMod val="95000"/>
+                    <a:lumOff val="5000"/>
+                  </a:schemeClr>
+                </a:solidFill>
+              </a:rPr>
+              <a:t>uwagę</a:t>
+            </a:r>
+            <a:endParaRPr lang="en-US" sz="5400" dirty="0">
+              <a:solidFill>
+                <a:schemeClr val="bg1">
+                  <a:lumMod val="95000"/>
+                  <a:lumOff val="5000"/>
+                </a:schemeClr>
+              </a:solidFill>
+            </a:endParaRPr>
+          </a:p>
+        </p:txBody>
+      </p:sp>
+    </p:spTree>
+    <p:extLst>
+      <p:ext uri="{BB962C8B-B14F-4D97-AF65-F5344CB8AC3E}">
+        <p14:creationId xmlns:p14="http://schemas.microsoft.com/office/powerpoint/2010/main" val="3057406004"/>
+      </p:ext>
+    </p:extLst>
+  </p:cSld>
+  <p:clrMapOvr>
+    <a:overrideClrMapping bg1="dk1" tx1="lt1" bg2="dk2" tx2="lt2" accent1="accent1" accent2="accent2" accent3="accent3" accent4="accent4" accent5="accent5" accent6="accent6" hlink="hlink" folHlink="folHlink"/>
+  </p:clrMapOvr>
+  <p:timing>
+    <p:tnLst>
+      <p:par>
+        <p:cTn id="1" dur="indefinite" restart="never" nodeType="tmRoot">
+          <p:childTnLst>
+            <p:seq concurrent="1" nextAc="seek">
+              <p:cTn id="2" dur="indefinite" nodeType="mainSeq">
+                <p:childTnLst>
+                  <p:par>
+                    <p:cTn id="3" fill="hold">
+                      <p:stCondLst>
+                        <p:cond delay="indefinite"/>
+                        <p:cond evt="onBegin" delay="0">
+                          <p:tn val="2"/>
+                        </p:cond>
+                      </p:stCondLst>
+                      <p:childTnLst>
+                        <p:par>
+                          <p:cTn id="4" fill="hold">
+                            <p:stCondLst>
+                              <p:cond delay="0"/>
+                            </p:stCondLst>
+                            <p:childTnLst>
+                              <p:par>
+                                <p:cTn id="5" presetID="10" presetClass="entr" presetSubtype="0" fill="hold" grpId="0" nodeType="withEffect">
+                                  <p:stCondLst>
+                                    <p:cond delay="500"/>
+                                  </p:stCondLst>
+                                  <p:iterate>
+                                    <p:tmPct val="10000"/>
+                                  </p:iterate>
+                                  <p:childTnLst>
+                                    <p:set>
+                                      <p:cBhvr>
+                                        <p:cTn id="6" dur="1" fill="hold">
+                                          <p:stCondLst>
+                                            <p:cond delay="0"/>
+                                          </p:stCondLst>
+                                        </p:cTn>
+                                        <p:tgtEl>
+                                          <p:spTgt spid="2"/>
+                                        </p:tgtEl>
+                                        <p:attrNameLst>
+                                          <p:attrName>style.visibility</p:attrName>
+                                        </p:attrNameLst>
+                                      </p:cBhvr>
+                                      <p:to>
+                                        <p:strVal val="visible"/>
+                                      </p:to>
+                                    </p:set>
+                                    <p:animEffect transition="in" filter="fade">
+                                      <p:cBhvr>
+                                        <p:cTn id="7" dur="700"/>
+                                        <p:tgtEl>
+                                          <p:spTgt spid="2"/>
+                                        </p:tgtEl>
+                                      </p:cBhvr>
+                                    </p:animEffect>
+                                  </p:childTnLst>
+                                </p:cTn>
+                              </p:par>
+                            </p:childTnLst>
+                          </p:cTn>
+                        </p:par>
+                      </p:childTnLst>
+                    </p:cTn>
+                  </p:par>
+                </p:childTnLst>
+              </p:cTn>
+              <p:prevCondLst>
+                <p:cond evt="onPrev" delay="0">
+                  <p:tgtEl>
+                    <p:sldTgt/>
+                  </p:tgtEl>
+                </p:cond>
+              </p:prevCondLst>
+              <p:nextCondLst>
+                <p:cond evt="onNext" delay="0">
+                  <p:tgtEl>
+                    <p:sldTgt/>
+                  </p:tgtEl>
+                </p:cond>
+              </p:nextCondLst>
+            </p:seq>
+          </p:childTnLst>
+        </p:cTn>
+      </p:par>
+    </p:tnLst>
+    <p:bldLst>
+      <p:bldP spid="2" grpId="0"/>
+    </p:bldLst>
+  </p:timing>
 </p:sld>
 </file>
 
@@ -11585,7 +14549,7 @@
               <a:t>Przeprowadziliśmy porównanie własnej implementacji algorytmu </a:t>
             </a:r>
             <a:r>
-              <a:rPr lang="pl-PL" sz="2400" b="1" dirty="0" err="1"/>
+              <a:rPr lang="pl-PL" sz="2400" dirty="0" err="1"/>
               <a:t>Apriori</a:t>
             </a:r>
             <a:r>
@@ -11609,7 +14573,7 @@
               <a:t> – </a:t>
             </a:r>
             <a:r>
-              <a:rPr lang="pl-PL" sz="2400" b="1" dirty="0" err="1"/>
+              <a:rPr lang="pl-PL" sz="2400" dirty="0" err="1"/>
               <a:t>apyori</a:t>
             </a:r>
             <a:r>
@@ -11626,25 +14590,21 @@
             </a:r>
             <a:r>
               <a:rPr lang="pl-PL" sz="2400" dirty="0"/>
-              <a:t>dokonaliśmy </a:t>
-            </a:r>
-            <a:r>
-              <a:rPr lang="pl-PL" sz="2400" b="1" dirty="0"/>
-              <a:t>analizy porównawczej algorytmów </a:t>
-            </a:r>
-            <a:r>
-              <a:rPr lang="pl-PL" sz="2400" b="1" dirty="0" err="1"/>
+              <a:t>dokonaliśmy analizy porównawczej algorytmów </a:t>
+            </a:r>
+            <a:r>
+              <a:rPr lang="pl-PL" sz="2400" dirty="0" err="1"/>
               <a:t>Apriori</a:t>
             </a:r>
             <a:r>
-              <a:rPr lang="pl-PL" sz="2400" b="1" dirty="0"/>
+              <a:rPr lang="pl-PL" sz="2400" dirty="0"/>
               <a:t> i </a:t>
             </a:r>
             <a:r>
-              <a:rPr lang="pl-PL" sz="2400" b="1" dirty="0" err="1"/>
+              <a:rPr lang="pl-PL" sz="2400" dirty="0" err="1"/>
               <a:t>Eclat</a:t>
             </a:r>
-            <a:endParaRPr lang="pl-PL" sz="2400" b="1" dirty="0"/>
+            <a:endParaRPr lang="pl-PL" sz="2400" dirty="0"/>
           </a:p>
           <a:p>
             <a:pPr marL="0" indent="0">
@@ -12508,18 +15468,7 @@
             <a:pPr marL="0" indent="0">
               <a:buNone/>
             </a:pPr>
-            <a:r>
-              <a:rPr lang="pl-PL" sz="2300" b="1" dirty="0" err="1"/>
-              <a:t>Apriori</a:t>
-            </a:r>
-            <a:r>
-              <a:rPr lang="pl-PL" sz="2300" b="1" dirty="0"/>
-              <a:t>:</a:t>
-            </a:r>
-            <a:r>
-              <a:rPr lang="pl-PL" sz="2300" dirty="0"/>
-              <a:t> Dane są przekształcane na poziome transakcje (lista krotek)</a:t>
-            </a:r>
+            <a:endParaRPr lang="pl-PL" sz="2300" dirty="0"/>
           </a:p>
           <a:p>
             <a:pPr marL="0" indent="0">
@@ -12527,7 +15476,7 @@
             </a:pPr>
             <a:r>
               <a:rPr lang="pl-PL" sz="2300" b="1" dirty="0" err="1"/>
-              <a:t>Eclat</a:t>
+              <a:t>Apriori</a:t>
             </a:r>
             <a:r>
               <a:rPr lang="pl-PL" sz="2300" b="1" dirty="0"/>
@@ -12535,15 +15484,28 @@
             </a:r>
             <a:r>
               <a:rPr lang="pl-PL" sz="2300" dirty="0"/>
+              <a:t> Dane są przekształcane na poziome transakcje </a:t>
+            </a:r>
+          </a:p>
+          <a:p>
+            <a:pPr marL="0" indent="0">
+              <a:buNone/>
+            </a:pPr>
+            <a:r>
+              <a:rPr lang="pl-PL" sz="2300" b="1" dirty="0" err="1"/>
+              <a:t>Eclat</a:t>
+            </a:r>
+            <a:r>
+              <a:rPr lang="pl-PL" sz="2300" b="1" dirty="0"/>
+              <a:t>:</a:t>
+            </a:r>
+            <a:r>
+              <a:rPr lang="pl-PL" sz="2300" dirty="0"/>
               <a:t> Dane są przekształcane w pionową strukturę TID-</a:t>
             </a:r>
             <a:r>
               <a:rPr lang="pl-PL" sz="2300" dirty="0" err="1"/>
               <a:t>sets</a:t>
-            </a:r>
-            <a:r>
-              <a:rPr lang="pl-PL" sz="2300" dirty="0"/>
-              <a:t> (Słownik)</a:t>
             </a:r>
             <a:endParaRPr lang="pl-PL" sz="2300" dirty="0">
               <a:effectLst/>
@@ -12565,6 +15527,421 @@
 </file>
 
 <file path=ppt/slides/slide7.xml><?xml version="1.0" encoding="utf-8"?>
+<p:sld xmlns:a="http://schemas.openxmlformats.org/drawingml/2006/main" xmlns:r="http://schemas.openxmlformats.org/officeDocument/2006/relationships" xmlns:p="http://schemas.openxmlformats.org/presentationml/2006/main">
+  <p:cSld>
+    <p:spTree>
+      <p:nvGrpSpPr>
+        <p:cNvPr id="1" name="">
+          <a:extLst>
+            <a:ext uri="{FF2B5EF4-FFF2-40B4-BE49-F238E27FC236}">
+              <a16:creationId xmlns:a16="http://schemas.microsoft.com/office/drawing/2014/main" id="{FA098EBE-72B7-E33A-FE91-8A0B054EE1B2}"/>
+            </a:ext>
+          </a:extLst>
+        </p:cNvPr>
+        <p:cNvGrpSpPr/>
+        <p:nvPr/>
+      </p:nvGrpSpPr>
+      <p:grpSpPr>
+        <a:xfrm>
+          <a:off x="0" y="0"/>
+          <a:ext cx="0" cy="0"/>
+          <a:chOff x="0" y="0"/>
+          <a:chExt cx="0" cy="0"/>
+        </a:xfrm>
+      </p:grpSpPr>
+      <p:sp>
+        <p:nvSpPr>
+          <p:cNvPr id="18" name="pole tekstowe 17">
+            <a:extLst>
+              <a:ext uri="{FF2B5EF4-FFF2-40B4-BE49-F238E27FC236}">
+                <a16:creationId xmlns:a16="http://schemas.microsoft.com/office/drawing/2014/main" id="{6A41E6C3-509A-3302-BA14-6FF2B34D5970}"/>
+              </a:ext>
+            </a:extLst>
+          </p:cNvPr>
+          <p:cNvSpPr txBox="1"/>
+          <p:nvPr/>
+        </p:nvSpPr>
+        <p:spPr>
+          <a:xfrm>
+            <a:off x="6822618" y="5441661"/>
+            <a:ext cx="3963307" cy="369332"/>
+          </a:xfrm>
+          <a:prstGeom prst="rect">
+            <a:avLst/>
+          </a:prstGeom>
+          <a:noFill/>
+        </p:spPr>
+        <p:txBody>
+          <a:bodyPr wrap="square">
+            <a:spAutoFit/>
+          </a:bodyPr>
+          <a:lstStyle/>
+          <a:p>
+            <a:r>
+              <a:rPr lang="pl-PL" dirty="0"/>
+              <a:t> </a:t>
+            </a:r>
+            <a:r>
+              <a:rPr lang="pl-PL" dirty="0" err="1"/>
+              <a:t>python</a:t>
+            </a:r>
+            <a:r>
+              <a:rPr lang="pl-PL" dirty="0"/>
+              <a:t> </a:t>
+            </a:r>
+            <a:r>
+              <a:rPr lang="pl-PL" dirty="0" err="1"/>
+              <a:t>run.py</a:t>
+            </a:r>
+            <a:r>
+              <a:rPr lang="pl-PL" dirty="0"/>
+              <a:t> -f </a:t>
+            </a:r>
+            <a:r>
+              <a:rPr lang="pl-PL" dirty="0" err="1"/>
+              <a:t>DATASET.csv</a:t>
+            </a:r>
+            <a:r>
+              <a:rPr lang="pl-PL" dirty="0"/>
+              <a:t> -a </a:t>
+            </a:r>
+            <a:r>
+              <a:rPr lang="pl-PL" dirty="0" err="1"/>
+              <a:t>eclat</a:t>
+            </a:r>
+            <a:endParaRPr lang="pl-PL" dirty="0"/>
+          </a:p>
+        </p:txBody>
+      </p:sp>
+      <p:sp>
+        <p:nvSpPr>
+          <p:cNvPr id="22" name="pole tekstowe 21">
+            <a:extLst>
+              <a:ext uri="{FF2B5EF4-FFF2-40B4-BE49-F238E27FC236}">
+                <a16:creationId xmlns:a16="http://schemas.microsoft.com/office/drawing/2014/main" id="{7B174CD1-9327-6B26-2EA7-927E00D86278}"/>
+              </a:ext>
+            </a:extLst>
+          </p:cNvPr>
+          <p:cNvSpPr txBox="1"/>
+          <p:nvPr/>
+        </p:nvSpPr>
+        <p:spPr>
+          <a:xfrm>
+            <a:off x="1078138" y="5441661"/>
+            <a:ext cx="3233057" cy="369332"/>
+          </a:xfrm>
+          <a:prstGeom prst="rect">
+            <a:avLst/>
+          </a:prstGeom>
+          <a:noFill/>
+        </p:spPr>
+        <p:txBody>
+          <a:bodyPr wrap="square">
+            <a:spAutoFit/>
+          </a:bodyPr>
+          <a:lstStyle/>
+          <a:p>
+            <a:r>
+              <a:rPr lang="pl-PL" dirty="0" err="1"/>
+              <a:t>python</a:t>
+            </a:r>
+            <a:r>
+              <a:rPr lang="pl-PL" dirty="0"/>
+              <a:t> </a:t>
+            </a:r>
+            <a:r>
+              <a:rPr lang="pl-PL" dirty="0" err="1"/>
+              <a:t>run.py</a:t>
+            </a:r>
+            <a:r>
+              <a:rPr lang="pl-PL" dirty="0"/>
+              <a:t> -f </a:t>
+            </a:r>
+            <a:r>
+              <a:rPr lang="pl-PL" dirty="0" err="1"/>
+              <a:t>DATASET.csv</a:t>
+            </a:r>
+            <a:endParaRPr lang="pl-PL" dirty="0"/>
+          </a:p>
+        </p:txBody>
+      </p:sp>
+      <p:sp>
+        <p:nvSpPr>
+          <p:cNvPr id="28" name="pole tekstowe 27">
+            <a:extLst>
+              <a:ext uri="{FF2B5EF4-FFF2-40B4-BE49-F238E27FC236}">
+                <a16:creationId xmlns:a16="http://schemas.microsoft.com/office/drawing/2014/main" id="{D3BE8227-ED7E-0181-3E95-B34B7C79DD99}"/>
+              </a:ext>
+            </a:extLst>
+          </p:cNvPr>
+          <p:cNvSpPr txBox="1"/>
+          <p:nvPr/>
+        </p:nvSpPr>
+        <p:spPr>
+          <a:xfrm>
+            <a:off x="398237" y="398581"/>
+            <a:ext cx="5436506" cy="1862048"/>
+          </a:xfrm>
+          <a:prstGeom prst="rect">
+            <a:avLst/>
+          </a:prstGeom>
+          <a:noFill/>
+        </p:spPr>
+        <p:txBody>
+          <a:bodyPr wrap="square">
+            <a:spAutoFit/>
+          </a:bodyPr>
+          <a:lstStyle/>
+          <a:p>
+            <a:r>
+              <a:rPr lang="pl-PL" sz="2300" dirty="0"/>
+              <a:t>Dane przekazywane do algorytmu </a:t>
+            </a:r>
+            <a:r>
+              <a:rPr lang="pl-PL" sz="2300" b="1" dirty="0" err="1"/>
+              <a:t>Apriori</a:t>
+            </a:r>
+            <a:r>
+              <a:rPr lang="pl-PL" sz="2300" dirty="0"/>
+              <a:t> są reprezentowane jako </a:t>
+            </a:r>
+            <a:r>
+              <a:rPr lang="pl-PL" sz="2300" b="1" dirty="0"/>
+              <a:t>lista transakcji</a:t>
+            </a:r>
+            <a:r>
+              <a:rPr lang="pl-PL" sz="2300" dirty="0"/>
+              <a:t>, gdzie każda transakcja to </a:t>
+            </a:r>
+            <a:r>
+              <a:rPr lang="pl-PL" sz="2300" b="1" dirty="0" err="1"/>
+              <a:t>frozenset</a:t>
+            </a:r>
+            <a:r>
+              <a:rPr lang="pl-PL" sz="2300" b="1" baseline="30000" dirty="0"/>
+              <a:t>[1]</a:t>
+            </a:r>
+            <a:r>
+              <a:rPr lang="pl-PL" sz="2300" dirty="0"/>
+              <a:t> zawierający unikalne elementy opisujące produkty lub cechy</a:t>
+            </a:r>
+          </a:p>
+        </p:txBody>
+      </p:sp>
+      <p:sp>
+        <p:nvSpPr>
+          <p:cNvPr id="29" name="pole tekstowe 28">
+            <a:extLst>
+              <a:ext uri="{FF2B5EF4-FFF2-40B4-BE49-F238E27FC236}">
+                <a16:creationId xmlns:a16="http://schemas.microsoft.com/office/drawing/2014/main" id="{4962B552-2246-FAAF-5A0E-B652555FC44A}"/>
+              </a:ext>
+            </a:extLst>
+          </p:cNvPr>
+          <p:cNvSpPr txBox="1"/>
+          <p:nvPr/>
+        </p:nvSpPr>
+        <p:spPr>
+          <a:xfrm>
+            <a:off x="6519634" y="361733"/>
+            <a:ext cx="5436505" cy="2662267"/>
+          </a:xfrm>
+          <a:prstGeom prst="rect">
+            <a:avLst/>
+          </a:prstGeom>
+          <a:noFill/>
+        </p:spPr>
+        <p:txBody>
+          <a:bodyPr wrap="square">
+            <a:spAutoFit/>
+          </a:bodyPr>
+          <a:lstStyle/>
+          <a:p>
+            <a:r>
+              <a:rPr lang="pl-PL" sz="2300" dirty="0"/>
+              <a:t>Dane przekazywane do algorytmu </a:t>
+            </a:r>
+            <a:r>
+              <a:rPr lang="pl-PL" sz="2300" b="1" dirty="0" err="1"/>
+              <a:t>Elcat</a:t>
+            </a:r>
+            <a:r>
+              <a:rPr lang="pl-PL" sz="2300" dirty="0"/>
+              <a:t> są reprezentowane jako TID-</a:t>
+            </a:r>
+            <a:r>
+              <a:rPr lang="pl-PL" sz="2300" dirty="0" err="1"/>
+              <a:t>Sets</a:t>
+            </a:r>
+            <a:r>
+              <a:rPr lang="pl-PL" sz="2300" dirty="0"/>
+              <a:t>, gdzie kluczami są </a:t>
+            </a:r>
+            <a:r>
+              <a:rPr lang="pl-PL" sz="2300" b="1" dirty="0" err="1"/>
+              <a:t>frozensety</a:t>
+            </a:r>
+            <a:r>
+              <a:rPr lang="pl-PL" sz="2300" b="1" baseline="30000" dirty="0"/>
+              <a:t>[1]</a:t>
+            </a:r>
+            <a:r>
+              <a:rPr lang="pl-PL" sz="2300" dirty="0"/>
+              <a:t> zawierające pojedyncze unikalne elementy a wartościami są </a:t>
+            </a:r>
+            <a:r>
+              <a:rPr lang="pl-PL" sz="2300" b="1" dirty="0"/>
+              <a:t>zbiory identyfikatorów transakcji </a:t>
+            </a:r>
+            <a:r>
+              <a:rPr lang="pl-PL" sz="2300" dirty="0"/>
+              <a:t>które wskazują, w których transakcjach dany element występuje.</a:t>
+            </a:r>
+          </a:p>
+        </p:txBody>
+      </p:sp>
+      <p:sp>
+        <p:nvSpPr>
+          <p:cNvPr id="33" name="pole tekstowe 32">
+            <a:extLst>
+              <a:ext uri="{FF2B5EF4-FFF2-40B4-BE49-F238E27FC236}">
+                <a16:creationId xmlns:a16="http://schemas.microsoft.com/office/drawing/2014/main" id="{6895ABFF-3419-0F61-63E6-A1E30580A6CA}"/>
+              </a:ext>
+            </a:extLst>
+          </p:cNvPr>
+          <p:cNvSpPr txBox="1"/>
+          <p:nvPr/>
+        </p:nvSpPr>
+        <p:spPr>
+          <a:xfrm>
+            <a:off x="336887" y="6265434"/>
+            <a:ext cx="11680371" cy="461665"/>
+          </a:xfrm>
+          <a:prstGeom prst="rect">
+            <a:avLst/>
+          </a:prstGeom>
+          <a:noFill/>
+        </p:spPr>
+        <p:txBody>
+          <a:bodyPr wrap="square">
+            <a:spAutoFit/>
+          </a:bodyPr>
+          <a:lstStyle/>
+          <a:p>
+            <a:r>
+              <a:rPr lang="pl-PL" sz="1200" b="1" dirty="0" err="1"/>
+              <a:t>frozenset</a:t>
+            </a:r>
+            <a:r>
+              <a:rPr lang="pl-PL" sz="1400" b="1" baseline="30000" dirty="0"/>
+              <a:t>[1</a:t>
+            </a:r>
+            <a:r>
+              <a:rPr lang="pl-PL" sz="1400" baseline="30000" dirty="0"/>
+              <a:t>]</a:t>
+            </a:r>
+            <a:r>
+              <a:rPr lang="pl-PL" sz="1200" dirty="0"/>
+              <a:t>  wybraliśmy ze względu na swoje właściwości niezmienności oraz możliwość wykorzystania jako klucz w strukturach danych takich jak słowniki czy zbiory</a:t>
+            </a:r>
+          </a:p>
+          <a:p>
+            <a:r>
+              <a:rPr lang="pl-PL" sz="1200" dirty="0" err="1"/>
+              <a:t>frozenset</a:t>
+            </a:r>
+            <a:r>
+              <a:rPr lang="pl-PL" sz="1200" dirty="0"/>
+              <a:t> obsługuje typowe operacje zbiorowe, takie jak przecięcie, suma , różnica  oraz różnica symetryczna</a:t>
+            </a:r>
+          </a:p>
+        </p:txBody>
+      </p:sp>
+      <p:pic>
+        <p:nvPicPr>
+          <p:cNvPr id="35" name="Obraz 34" descr="Obraz zawierający tekst, zrzut ekranu, Czcionka, design&#10;&#10;Opis wygenerowany automatycznie">
+            <a:extLst>
+              <a:ext uri="{FF2B5EF4-FFF2-40B4-BE49-F238E27FC236}">
+                <a16:creationId xmlns:a16="http://schemas.microsoft.com/office/drawing/2014/main" id="{B23E48EE-965E-1B4E-B119-4C984DE5CA56}"/>
+              </a:ext>
+            </a:extLst>
+          </p:cNvPr>
+          <p:cNvPicPr>
+            <a:picLocks noChangeAspect="1"/>
+          </p:cNvPicPr>
+          <p:nvPr/>
+        </p:nvPicPr>
+        <p:blipFill>
+          <a:blip r:embed="rId2">
+            <a:extLst>
+              <a:ext uri="{28A0092B-C50C-407E-A947-70E740481C1C}">
+                <a14:useLocalDpi xmlns:a14="http://schemas.microsoft.com/office/drawing/2010/main" val="0"/>
+              </a:ext>
+            </a:extLst>
+          </a:blip>
+          <a:stretch>
+            <a:fillRect/>
+          </a:stretch>
+        </p:blipFill>
+        <p:spPr>
+          <a:xfrm>
+            <a:off x="582044" y="2360479"/>
+            <a:ext cx="4225246" cy="2733982"/>
+          </a:xfrm>
+          <a:prstGeom prst="rect">
+            <a:avLst/>
+          </a:prstGeom>
+        </p:spPr>
+      </p:pic>
+      <p:pic>
+        <p:nvPicPr>
+          <p:cNvPr id="39" name="Obraz 38" descr="Obraz zawierający tekst, Czcionka, zrzut ekranu&#10;&#10;Opis wygenerowany automatycznie">
+            <a:extLst>
+              <a:ext uri="{FF2B5EF4-FFF2-40B4-BE49-F238E27FC236}">
+                <a16:creationId xmlns:a16="http://schemas.microsoft.com/office/drawing/2014/main" id="{21FAEADE-D08D-9BD2-1D44-B6F0E5424DCA}"/>
+              </a:ext>
+            </a:extLst>
+          </p:cNvPr>
+          <p:cNvPicPr>
+            <a:picLocks noChangeAspect="1"/>
+          </p:cNvPicPr>
+          <p:nvPr/>
+        </p:nvPicPr>
+        <p:blipFill>
+          <a:blip r:embed="rId3">
+            <a:extLst>
+              <a:ext uri="{28A0092B-C50C-407E-A947-70E740481C1C}">
+                <a14:useLocalDpi xmlns:a14="http://schemas.microsoft.com/office/drawing/2010/main" val="0"/>
+              </a:ext>
+            </a:extLst>
+          </a:blip>
+          <a:stretch>
+            <a:fillRect/>
+          </a:stretch>
+        </p:blipFill>
+        <p:spPr>
+          <a:xfrm>
+            <a:off x="6582225" y="3050530"/>
+            <a:ext cx="4203700" cy="2222500"/>
+          </a:xfrm>
+          <a:prstGeom prst="rect">
+            <a:avLst/>
+          </a:prstGeom>
+        </p:spPr>
+      </p:pic>
+    </p:spTree>
+    <p:extLst>
+      <p:ext uri="{BB962C8B-B14F-4D97-AF65-F5344CB8AC3E}">
+        <p14:creationId xmlns:p14="http://schemas.microsoft.com/office/powerpoint/2010/main" val="2551720335"/>
+      </p:ext>
+    </p:extLst>
+  </p:cSld>
+  <p:clrMapOvr>
+    <a:masterClrMapping/>
+  </p:clrMapOvr>
+</p:sld>
+</file>
+
+<file path=ppt/slides/slide8.xml><?xml version="1.0" encoding="utf-8"?>
 <p:sld xmlns:a="http://schemas.openxmlformats.org/drawingml/2006/main" xmlns:r="http://schemas.openxmlformats.org/officeDocument/2006/relationships" xmlns:p="http://schemas.openxmlformats.org/presentationml/2006/main">
   <p:cSld>
     <p:bg>
@@ -12684,13 +16061,18 @@
           <a:lstStyle/>
           <a:p>
             <a:r>
-              <a:rPr lang="pl-PL" sz="4000" dirty="0">
+              <a:rPr lang="pl-PL" sz="4000">
                 <a:solidFill>
                   <a:schemeClr val="bg1"/>
                 </a:solidFill>
               </a:rPr>
               <a:t>Wybrane miary</a:t>
             </a:r>
+            <a:endParaRPr lang="pl-PL" sz="4000" dirty="0">
+              <a:solidFill>
+                <a:schemeClr val="bg1"/>
+              </a:solidFill>
+            </a:endParaRPr>
           </a:p>
         </p:txBody>
       </p:sp>
@@ -12840,7 +16222,7 @@
         </p:nvSpPr>
         <p:spPr>
           <a:xfrm>
-            <a:off x="1155548" y="2217343"/>
+            <a:off x="360418" y="2214589"/>
             <a:ext cx="9880893" cy="3959619"/>
           </a:xfrm>
         </p:spPr>
@@ -12856,12 +16238,18 @@
             </a:r>
           </a:p>
           <a:p>
+            <a:pPr marL="0" indent="0">
+              <a:buNone/>
+            </a:pPr>
+            <a:endParaRPr lang="pl-PL" sz="2400" dirty="0"/>
+          </a:p>
+          <a:p>
             <a:r>
               <a:rPr lang="pl-PL" sz="2400" dirty="0"/>
               <a:t>Współczynnik pewności (</a:t>
             </a:r>
             <a:r>
-              <a:rPr lang="pl-PL" sz="2400"/>
+              <a:rPr lang="pl-PL" sz="2400" dirty="0" err="1"/>
               <a:t>certanity</a:t>
             </a:r>
             <a:r>
@@ -12869,7 +16257,7 @@
               <a:t> </a:t>
             </a:r>
             <a:r>
-              <a:rPr lang="pl-PL" sz="2400"/>
+              <a:rPr lang="pl-PL" sz="2400" dirty="0" err="1"/>
               <a:t>factor</a:t>
             </a:r>
             <a:r>
@@ -12878,8 +16266,14 @@
             </a:r>
           </a:p>
           <a:p>
-            <a:r>
-              <a:rPr lang="pl-PL" sz="2400"/>
+            <a:pPr marL="0" indent="0">
+              <a:buNone/>
+            </a:pPr>
+            <a:endParaRPr lang="pl-PL" sz="2400" dirty="0"/>
+          </a:p>
+          <a:p>
+            <a:r>
+              <a:rPr lang="pl-PL" sz="2400" dirty="0" err="1"/>
               <a:t>Jaacard</a:t>
             </a:r>
             <a:r>
@@ -12887,7 +16281,7 @@
               <a:t> / </a:t>
             </a:r>
             <a:r>
-              <a:rPr lang="pl-PL" sz="2400"/>
+              <a:rPr lang="pl-PL" sz="2400" dirty="0" err="1"/>
               <a:t>coherence</a:t>
             </a:r>
             <a:r>
@@ -12896,17 +16290,216 @@
             </a:r>
           </a:p>
           <a:p>
+            <a:pPr marL="0" indent="0">
+              <a:buNone/>
+            </a:pPr>
+            <a:endParaRPr lang="pl-PL" sz="2400" dirty="0"/>
+          </a:p>
+          <a:p>
+            <a:pPr marL="0" indent="0">
+              <a:buNone/>
+            </a:pPr>
+            <a:endParaRPr lang="pl-PL" sz="2400" dirty="0"/>
+          </a:p>
+          <a:p>
             <a:r>
               <a:rPr lang="pl-PL" sz="2400" dirty="0"/>
               <a:t>iloraz szans (</a:t>
             </a:r>
             <a:r>
-              <a:rPr lang="pl-PL" sz="2400"/>
+              <a:rPr lang="pl-PL" sz="2400" dirty="0" err="1"/>
               <a:t>odds</a:t>
             </a:r>
             <a:r>
               <a:rPr lang="pl-PL" sz="2400" dirty="0"/>
               <a:t>-ratio)</a:t>
+            </a:r>
+          </a:p>
+        </p:txBody>
+      </p:sp>
+      <p:pic>
+        <p:nvPicPr>
+          <p:cNvPr id="5" name="Obraz 4">
+            <a:extLst>
+              <a:ext uri="{FF2B5EF4-FFF2-40B4-BE49-F238E27FC236}">
+                <a16:creationId xmlns:a16="http://schemas.microsoft.com/office/drawing/2014/main" id="{41487A73-AF53-18A1-CD66-68144EBFD227}"/>
+              </a:ext>
+            </a:extLst>
+          </p:cNvPr>
+          <p:cNvPicPr>
+            <a:picLocks noChangeAspect="1"/>
+          </p:cNvPicPr>
+          <p:nvPr/>
+        </p:nvPicPr>
+        <p:blipFill>
+          <a:blip r:embed="rId2">
+            <a:extLst>
+              <a:ext uri="{28A0092B-C50C-407E-A947-70E740481C1C}">
+                <a14:useLocalDpi xmlns:a14="http://schemas.microsoft.com/office/drawing/2010/main" val="0"/>
+              </a:ext>
+            </a:extLst>
+          </a:blip>
+          <a:stretch>
+            <a:fillRect/>
+          </a:stretch>
+        </p:blipFill>
+        <p:spPr>
+          <a:xfrm>
+            <a:off x="6370582" y="1949636"/>
+            <a:ext cx="5194300" cy="952500"/>
+          </a:xfrm>
+          <a:prstGeom prst="rect">
+            <a:avLst/>
+          </a:prstGeom>
+        </p:spPr>
+      </p:pic>
+      <p:pic>
+        <p:nvPicPr>
+          <p:cNvPr id="7" name="Obraz 6">
+            <a:extLst>
+              <a:ext uri="{FF2B5EF4-FFF2-40B4-BE49-F238E27FC236}">
+                <a16:creationId xmlns:a16="http://schemas.microsoft.com/office/drawing/2014/main" id="{54E1D30A-023E-4233-0347-EF298F3FFA56}"/>
+              </a:ext>
+            </a:extLst>
+          </p:cNvPr>
+          <p:cNvPicPr>
+            <a:picLocks noChangeAspect="1"/>
+          </p:cNvPicPr>
+          <p:nvPr/>
+        </p:nvPicPr>
+        <p:blipFill>
+          <a:blip r:embed="rId3">
+            <a:extLst>
+              <a:ext uri="{28A0092B-C50C-407E-A947-70E740481C1C}">
+                <a14:useLocalDpi xmlns:a14="http://schemas.microsoft.com/office/drawing/2010/main" val="0"/>
+              </a:ext>
+            </a:extLst>
+          </a:blip>
+          <a:stretch>
+            <a:fillRect/>
+          </a:stretch>
+        </p:blipFill>
+        <p:spPr>
+          <a:xfrm>
+            <a:off x="6370582" y="3060248"/>
+            <a:ext cx="5727700" cy="520700"/>
+          </a:xfrm>
+          <a:prstGeom prst="rect">
+            <a:avLst/>
+          </a:prstGeom>
+        </p:spPr>
+      </p:pic>
+      <p:pic>
+        <p:nvPicPr>
+          <p:cNvPr id="11" name="Obraz 10">
+            <a:extLst>
+              <a:ext uri="{FF2B5EF4-FFF2-40B4-BE49-F238E27FC236}">
+                <a16:creationId xmlns:a16="http://schemas.microsoft.com/office/drawing/2014/main" id="{CDAE4F66-3E9C-D548-90A4-CCDE1E726D71}"/>
+              </a:ext>
+            </a:extLst>
+          </p:cNvPr>
+          <p:cNvPicPr>
+            <a:picLocks noChangeAspect="1"/>
+          </p:cNvPicPr>
+          <p:nvPr/>
+        </p:nvPicPr>
+        <p:blipFill>
+          <a:blip r:embed="rId4">
+            <a:extLst>
+              <a:ext uri="{28A0092B-C50C-407E-A947-70E740481C1C}">
+                <a14:useLocalDpi xmlns:a14="http://schemas.microsoft.com/office/drawing/2010/main" val="0"/>
+              </a:ext>
+            </a:extLst>
+          </a:blip>
+          <a:stretch>
+            <a:fillRect/>
+          </a:stretch>
+        </p:blipFill>
+        <p:spPr>
+          <a:xfrm>
+            <a:off x="4681482" y="3907981"/>
+            <a:ext cx="7150100" cy="736600"/>
+          </a:xfrm>
+          <a:prstGeom prst="rect">
+            <a:avLst/>
+          </a:prstGeom>
+        </p:spPr>
+      </p:pic>
+      <p:pic>
+        <p:nvPicPr>
+          <p:cNvPr id="14" name="Obraz 13">
+            <a:extLst>
+              <a:ext uri="{FF2B5EF4-FFF2-40B4-BE49-F238E27FC236}">
+                <a16:creationId xmlns:a16="http://schemas.microsoft.com/office/drawing/2014/main" id="{033A494D-A420-BACB-B7A8-A9796F8CC888}"/>
+              </a:ext>
+            </a:extLst>
+          </p:cNvPr>
+          <p:cNvPicPr>
+            <a:picLocks noChangeAspect="1"/>
+          </p:cNvPicPr>
+          <p:nvPr/>
+        </p:nvPicPr>
+        <p:blipFill>
+          <a:blip r:embed="rId5">
+            <a:extLst>
+              <a:ext uri="{28A0092B-C50C-407E-A947-70E740481C1C}">
+                <a14:useLocalDpi xmlns:a14="http://schemas.microsoft.com/office/drawing/2010/main" val="0"/>
+              </a:ext>
+            </a:extLst>
+          </a:blip>
+          <a:stretch>
+            <a:fillRect/>
+          </a:stretch>
+        </p:blipFill>
+        <p:spPr>
+          <a:xfrm>
+            <a:off x="4681482" y="5169359"/>
+            <a:ext cx="7366000" cy="825500"/>
+          </a:xfrm>
+          <a:prstGeom prst="rect">
+            <a:avLst/>
+          </a:prstGeom>
+        </p:spPr>
+      </p:pic>
+      <p:sp>
+        <p:nvSpPr>
+          <p:cNvPr id="16" name="pole tekstowe 15">
+            <a:extLst>
+              <a:ext uri="{FF2B5EF4-FFF2-40B4-BE49-F238E27FC236}">
+                <a16:creationId xmlns:a16="http://schemas.microsoft.com/office/drawing/2014/main" id="{D0468C56-468C-97F7-8313-072625A96DA5}"/>
+              </a:ext>
+            </a:extLst>
+          </p:cNvPr>
+          <p:cNvSpPr txBox="1"/>
+          <p:nvPr/>
+        </p:nvSpPr>
+        <p:spPr>
+          <a:xfrm>
+            <a:off x="360418" y="6192938"/>
+            <a:ext cx="11471164" cy="646331"/>
+          </a:xfrm>
+          <a:prstGeom prst="rect">
+            <a:avLst/>
+          </a:prstGeom>
+          <a:noFill/>
+        </p:spPr>
+        <p:txBody>
+          <a:bodyPr wrap="square">
+            <a:spAutoFit/>
+          </a:bodyPr>
+          <a:lstStyle/>
+          <a:p>
+            <a:r>
+              <a:rPr lang="pl-PL" dirty="0"/>
+              <a:t>A→B  reprezentuje </a:t>
+            </a:r>
+            <a:r>
+              <a:rPr lang="pl-PL" b="1" dirty="0"/>
+              <a:t>regułę asocjacyjną, </a:t>
+            </a:r>
+            <a:r>
+              <a:rPr lang="pl-PL" dirty="0"/>
+              <a:t>jeśli występuje zbiór A (np. pewne produkty w koszyku zakupowym), to z pewnym prawdopodobieństwem występuje także zbiór B</a:t>
             </a:r>
           </a:p>
         </p:txBody>
@@ -12924,7 +16517,7 @@
 </p:sld>
 </file>
 
-<file path=ppt/slides/slide8.xml><?xml version="1.0" encoding="utf-8"?>
+<file path=ppt/slides/slide9.xml><?xml version="1.0" encoding="utf-8"?>
 <p:sld xmlns:a="http://schemas.openxmlformats.org/drawingml/2006/main" xmlns:r="http://schemas.openxmlformats.org/officeDocument/2006/relationships" xmlns:p="http://schemas.openxmlformats.org/presentationml/2006/main">
   <p:cSld>
     <p:bg>
@@ -13241,8 +16834,21 @@
             </a:pPr>
             <a:r>
               <a:rPr lang="pl-PL" sz="2300" dirty="0"/>
-              <a:t>Obliczenie wsparcia i ufności</a:t>
-            </a:r>
+              <a:t>Obliczenie wsparcia</a:t>
+            </a:r>
+            <a:r>
+              <a:rPr lang="pl-PL" sz="2300" baseline="30000" dirty="0"/>
+              <a:t>[1]</a:t>
+            </a:r>
+            <a:r>
+              <a:rPr lang="pl-PL" sz="2300" dirty="0"/>
+              <a:t> i ufności</a:t>
+            </a:r>
+            <a:r>
+              <a:rPr lang="pl-PL" sz="2300" baseline="30000" dirty="0"/>
+              <a:t>[2]</a:t>
+            </a:r>
+            <a:endParaRPr lang="pl-PL" sz="2300" dirty="0"/>
           </a:p>
           <a:p>
             <a:pPr marL="342900" indent="-342900">
@@ -13314,6 +16920,66 @@
               <a:rPr lang="pl-PL" sz="2300" dirty="0"/>
               <a:t>.</a:t>
             </a:r>
+          </a:p>
+        </p:txBody>
+      </p:sp>
+      <p:sp>
+        <p:nvSpPr>
+          <p:cNvPr id="5" name="pole tekstowe 4">
+            <a:extLst>
+              <a:ext uri="{FF2B5EF4-FFF2-40B4-BE49-F238E27FC236}">
+                <a16:creationId xmlns:a16="http://schemas.microsoft.com/office/drawing/2014/main" id="{30271881-C1D5-D91E-AAD9-2DBA20E190DE}"/>
+              </a:ext>
+            </a:extLst>
+          </p:cNvPr>
+          <p:cNvSpPr txBox="1"/>
+          <p:nvPr/>
+        </p:nvSpPr>
+        <p:spPr>
+          <a:xfrm>
+            <a:off x="1155548" y="6280650"/>
+            <a:ext cx="10894938" cy="692497"/>
+          </a:xfrm>
+          <a:prstGeom prst="rect">
+            <a:avLst/>
+          </a:prstGeom>
+          <a:noFill/>
+        </p:spPr>
+        <p:txBody>
+          <a:bodyPr wrap="square">
+            <a:spAutoFit/>
+          </a:bodyPr>
+          <a:lstStyle/>
+          <a:p>
+            <a:r>
+              <a:rPr lang="pl-PL" sz="1300" b="1" dirty="0"/>
+              <a:t>Wsparcie</a:t>
+            </a:r>
+            <a:r>
+              <a:rPr lang="pl-PL" sz="1300" baseline="30000" dirty="0"/>
+              <a:t>[1]</a:t>
+            </a:r>
+            <a:r>
+              <a:rPr lang="pl-PL" sz="1300" dirty="0"/>
+              <a:t> określa, jak często zbiór elementów (np. produkty lub zdarzenia) pojawia się w całym zbiorze danych</a:t>
+            </a:r>
+          </a:p>
+          <a:p>
+            <a:r>
+              <a:rPr lang="pl-PL" sz="1300" b="1" dirty="0"/>
+              <a:t>Ufność</a:t>
+            </a:r>
+            <a:r>
+              <a:rPr lang="pl-PL" sz="1300" baseline="30000" dirty="0"/>
+              <a:t>[2]</a:t>
+            </a:r>
+            <a:r>
+              <a:rPr lang="pl-PL" sz="1300" dirty="0"/>
+              <a:t> określa, jak często występuje zbiór B w transakcjach, które już zawierają zbiór A. Innymi słowy, jest to prawdopodobieństwo warunkowe P(B∣A)</a:t>
+            </a:r>
+          </a:p>
+          <a:p>
+            <a:endParaRPr lang="pl-PL" sz="1300" dirty="0"/>
           </a:p>
         </p:txBody>
       </p:sp>
@@ -13321,468 +16987,6 @@
     <p:extLst>
       <p:ext uri="{BB962C8B-B14F-4D97-AF65-F5344CB8AC3E}">
         <p14:creationId xmlns:p14="http://schemas.microsoft.com/office/powerpoint/2010/main" val="2865445516"/>
-      </p:ext>
-    </p:extLst>
-  </p:cSld>
-  <p:clrMapOvr>
-    <a:masterClrMapping/>
-  </p:clrMapOvr>
-</p:sld>
-</file>
-
-<file path=ppt/slides/slide9.xml><?xml version="1.0" encoding="utf-8"?>
-<p:sld xmlns:a="http://schemas.openxmlformats.org/drawingml/2006/main" xmlns:r="http://schemas.openxmlformats.org/officeDocument/2006/relationships" xmlns:p="http://schemas.openxmlformats.org/presentationml/2006/main">
-  <p:cSld>
-    <p:bg>
-      <p:bgPr>
-        <a:solidFill>
-          <a:schemeClr val="bg1"/>
-        </a:solidFill>
-        <a:effectLst/>
-      </p:bgPr>
-    </p:bg>
-    <p:spTree>
-      <p:nvGrpSpPr>
-        <p:cNvPr id="1" name=""/>
-        <p:cNvGrpSpPr/>
-        <p:nvPr/>
-      </p:nvGrpSpPr>
-      <p:grpSpPr>
-        <a:xfrm>
-          <a:off x="0" y="0"/>
-          <a:ext cx="0" cy="0"/>
-          <a:chOff x="0" y="0"/>
-          <a:chExt cx="0" cy="0"/>
-        </a:xfrm>
-      </p:grpSpPr>
-      <p:sp>
-        <p:nvSpPr>
-          <p:cNvPr id="8" name="Rectangle 7">
-            <a:extLst>
-              <a:ext uri="{FF2B5EF4-FFF2-40B4-BE49-F238E27FC236}">
-                <a16:creationId xmlns:a16="http://schemas.microsoft.com/office/drawing/2014/main" id="{70DFC902-7D23-471A-B557-B6B6917D7A0D}"/>
-              </a:ext>
-              <a:ext uri="{C183D7F6-B498-43B3-948B-1728B52AA6E4}">
-                <adec:decorative xmlns:adec="http://schemas.microsoft.com/office/drawing/2017/decorative" val="1"/>
-              </a:ext>
-            </a:extLst>
-          </p:cNvPr>
-          <p:cNvSpPr>
-            <a:spLocks noGrp="1" noRot="1" noChangeAspect="1" noMove="1" noResize="1" noEditPoints="1" noAdjustHandles="1" noChangeArrowheads="1" noChangeShapeType="1" noTextEdit="1"/>
-          </p:cNvSpPr>
-          <p:nvPr>
-            <p:extLst>
-              <p:ext uri="{386F3935-93C4-4BCD-93E2-E3B085C9AB24}">
-                <p16:designElem xmlns:p16="http://schemas.microsoft.com/office/powerpoint/2015/main" val="1"/>
-              </p:ext>
-            </p:extLst>
-          </p:nvPr>
-        </p:nvSpPr>
-        <p:spPr>
-          <a:xfrm>
-            <a:off x="10" y="-5705"/>
-            <a:ext cx="12191990" cy="1694346"/>
-          </a:xfrm>
-          <a:prstGeom prst="rect">
-            <a:avLst/>
-          </a:prstGeom>
-          <a:solidFill>
-            <a:schemeClr val="tx1">
-              <a:lumMod val="85000"/>
-              <a:lumOff val="15000"/>
-            </a:schemeClr>
-          </a:solidFill>
-          <a:ln>
-            <a:noFill/>
-          </a:ln>
-        </p:spPr>
-        <p:style>
-          <a:lnRef idx="2">
-            <a:schemeClr val="accent1">
-              <a:shade val="50000"/>
-            </a:schemeClr>
-          </a:lnRef>
-          <a:fillRef idx="1">
-            <a:schemeClr val="accent1"/>
-          </a:fillRef>
-          <a:effectRef idx="0">
-            <a:schemeClr val="accent1"/>
-          </a:effectRef>
-          <a:fontRef idx="minor">
-            <a:schemeClr val="lt1"/>
-          </a:fontRef>
-        </p:style>
-        <p:txBody>
-          <a:bodyPr rtlCol="0" anchor="ctr"/>
-          <a:lstStyle/>
-          <a:p>
-            <a:pPr algn="ctr"/>
-            <a:endParaRPr lang="en-US"/>
-          </a:p>
-        </p:txBody>
-      </p:sp>
-      <p:sp>
-        <p:nvSpPr>
-          <p:cNvPr id="2" name="Tytuł 1">
-            <a:extLst>
-              <a:ext uri="{FF2B5EF4-FFF2-40B4-BE49-F238E27FC236}">
-                <a16:creationId xmlns:a16="http://schemas.microsoft.com/office/drawing/2014/main" id="{809E538C-9C82-6F4F-49CF-890E138BB003}"/>
-              </a:ext>
-            </a:extLst>
-          </p:cNvPr>
-          <p:cNvSpPr>
-            <a:spLocks noGrp="1"/>
-          </p:cNvSpPr>
-          <p:nvPr>
-            <p:ph type="title"/>
-          </p:nvPr>
-        </p:nvSpPr>
-        <p:spPr>
-          <a:xfrm>
-            <a:off x="1156851" y="637762"/>
-            <a:ext cx="9888496" cy="900131"/>
-          </a:xfrm>
-        </p:spPr>
-        <p:txBody>
-          <a:bodyPr anchor="t">
-            <a:normAutofit/>
-          </a:bodyPr>
-          <a:lstStyle/>
-          <a:p>
-            <a:r>
-              <a:rPr lang="pl-PL" sz="4000" dirty="0">
-                <a:solidFill>
-                  <a:schemeClr val="bg1"/>
-                </a:solidFill>
-              </a:rPr>
-              <a:t>Sposób działania</a:t>
-            </a:r>
-          </a:p>
-        </p:txBody>
-      </p:sp>
-      <p:sp>
-        <p:nvSpPr>
-          <p:cNvPr id="10" name="Rectangle 9">
-            <a:extLst>
-              <a:ext uri="{FF2B5EF4-FFF2-40B4-BE49-F238E27FC236}">
-                <a16:creationId xmlns:a16="http://schemas.microsoft.com/office/drawing/2014/main" id="{A55D5633-D557-4DCA-982C-FF36EB7A1C00}"/>
-              </a:ext>
-              <a:ext uri="{C183D7F6-B498-43B3-948B-1728B52AA6E4}">
-                <adec:decorative xmlns:adec="http://schemas.microsoft.com/office/drawing/2017/decorative" val="1"/>
-              </a:ext>
-            </a:extLst>
-          </p:cNvPr>
-          <p:cNvSpPr>
-            <a:spLocks noGrp="1" noRot="1" noChangeAspect="1" noMove="1" noResize="1" noEditPoints="1" noAdjustHandles="1" noChangeArrowheads="1" noChangeShapeType="1" noTextEdit="1"/>
-          </p:cNvSpPr>
-          <p:nvPr>
-            <p:extLst>
-              <p:ext uri="{386F3935-93C4-4BCD-93E2-E3B085C9AB24}">
-                <p16:designElem xmlns:p16="http://schemas.microsoft.com/office/powerpoint/2015/main" val="1"/>
-              </p:ext>
-            </p:extLst>
-          </p:nvPr>
-        </p:nvSpPr>
-        <p:spPr>
-          <a:xfrm>
-            <a:off x="0" y="1688641"/>
-            <a:ext cx="12191990" cy="5169359"/>
-          </a:xfrm>
-          <a:prstGeom prst="rect">
-            <a:avLst/>
-          </a:prstGeom>
-          <a:solidFill>
-            <a:schemeClr val="bg1">
-              <a:lumMod val="95000"/>
-            </a:schemeClr>
-          </a:solidFill>
-          <a:ln>
-            <a:noFill/>
-          </a:ln>
-        </p:spPr>
-        <p:style>
-          <a:lnRef idx="2">
-            <a:schemeClr val="accent1">
-              <a:shade val="50000"/>
-            </a:schemeClr>
-          </a:lnRef>
-          <a:fillRef idx="1">
-            <a:schemeClr val="accent1"/>
-          </a:fillRef>
-          <a:effectRef idx="0">
-            <a:schemeClr val="accent1"/>
-          </a:effectRef>
-          <a:fontRef idx="minor">
-            <a:schemeClr val="lt1"/>
-          </a:fontRef>
-        </p:style>
-        <p:txBody>
-          <a:bodyPr rtlCol="0" anchor="ctr"/>
-          <a:lstStyle/>
-          <a:p>
-            <a:pPr algn="ctr"/>
-            <a:endParaRPr lang="en-US"/>
-          </a:p>
-        </p:txBody>
-      </p:sp>
-      <p:sp>
-        <p:nvSpPr>
-          <p:cNvPr id="12" name="Rectangle 11">
-            <a:extLst>
-              <a:ext uri="{FF2B5EF4-FFF2-40B4-BE49-F238E27FC236}">
-                <a16:creationId xmlns:a16="http://schemas.microsoft.com/office/drawing/2014/main" id="{450D3AD2-FA80-415F-A9CE-54D884561CD7}"/>
-              </a:ext>
-              <a:ext uri="{C183D7F6-B498-43B3-948B-1728B52AA6E4}">
-                <adec:decorative xmlns:adec="http://schemas.microsoft.com/office/drawing/2017/decorative" val="1"/>
-              </a:ext>
-            </a:extLst>
-          </p:cNvPr>
-          <p:cNvSpPr>
-            <a:spLocks noGrp="1" noRot="1" noChangeAspect="1" noMove="1" noResize="1" noEditPoints="1" noAdjustHandles="1" noChangeArrowheads="1" noChangeShapeType="1" noTextEdit="1"/>
-          </p:cNvSpPr>
-          <p:nvPr>
-            <p:extLst>
-              <p:ext uri="{386F3935-93C4-4BCD-93E2-E3B085C9AB24}">
-                <p16:designElem xmlns:p16="http://schemas.microsoft.com/office/powerpoint/2015/main" val="1"/>
-              </p:ext>
-            </p:extLst>
-          </p:nvPr>
-        </p:nvSpPr>
-        <p:spPr>
-          <a:xfrm>
-            <a:off x="1156851" y="2010758"/>
-            <a:ext cx="457190" cy="45719"/>
-          </a:xfrm>
-          <a:prstGeom prst="rect">
-            <a:avLst/>
-          </a:prstGeom>
-          <a:solidFill>
-            <a:schemeClr val="tx1"/>
-          </a:solidFill>
-          <a:ln>
-            <a:noFill/>
-          </a:ln>
-        </p:spPr>
-        <p:style>
-          <a:lnRef idx="2">
-            <a:schemeClr val="accent1">
-              <a:shade val="50000"/>
-            </a:schemeClr>
-          </a:lnRef>
-          <a:fillRef idx="1">
-            <a:schemeClr val="accent1"/>
-          </a:fillRef>
-          <a:effectRef idx="0">
-            <a:schemeClr val="accent1"/>
-          </a:effectRef>
-          <a:fontRef idx="minor">
-            <a:schemeClr val="lt1"/>
-          </a:fontRef>
-        </p:style>
-        <p:txBody>
-          <a:bodyPr rtlCol="0" anchor="ctr"/>
-          <a:lstStyle/>
-          <a:p>
-            <a:pPr algn="ctr"/>
-            <a:endParaRPr lang="en-US"/>
-          </a:p>
-        </p:txBody>
-      </p:sp>
-      <p:sp>
-        <p:nvSpPr>
-          <p:cNvPr id="3" name="Symbol zastępczy zawartości 2">
-            <a:extLst>
-              <a:ext uri="{FF2B5EF4-FFF2-40B4-BE49-F238E27FC236}">
-                <a16:creationId xmlns:a16="http://schemas.microsoft.com/office/drawing/2014/main" id="{961A0F61-5F6E-A49B-4B1B-5FF3FFFF68B4}"/>
-              </a:ext>
-            </a:extLst>
-          </p:cNvPr>
-          <p:cNvSpPr>
-            <a:spLocks noGrp="1"/>
-          </p:cNvSpPr>
-          <p:nvPr>
-            <p:ph idx="1"/>
-          </p:nvPr>
-        </p:nvSpPr>
-        <p:spPr>
-          <a:xfrm>
-            <a:off x="1155548" y="2217343"/>
-            <a:ext cx="10742538" cy="4368514"/>
-          </a:xfrm>
-        </p:spPr>
-        <p:txBody>
-          <a:bodyPr>
-            <a:noAutofit/>
-          </a:bodyPr>
-          <a:lstStyle/>
-          <a:p>
-            <a:pPr marL="0" indent="0">
-              <a:buNone/>
-            </a:pPr>
-            <a:r>
-              <a:rPr lang="pl-PL" sz="2300" dirty="0"/>
-              <a:t>Skrypt umożliwiający uruchomienie algorytmu do wykrywania często współwystępujących wzorców w zbiorze danych. Aby korzystać ze skryptu, należy uruchomić go z odpowiednimi flagami w linii poleceń:</a:t>
-            </a:r>
-          </a:p>
-          <a:p>
-            <a:pPr marL="0" indent="0">
-              <a:buNone/>
-            </a:pPr>
-            <a:r>
-              <a:rPr lang="pl-PL" sz="2300" dirty="0"/>
-              <a:t>-f, --</a:t>
-            </a:r>
-            <a:r>
-              <a:rPr lang="pl-PL" sz="2300" dirty="0" err="1"/>
-              <a:t>input</a:t>
-            </a:r>
-            <a:r>
-              <a:rPr lang="pl-PL" sz="2300" dirty="0"/>
-              <a:t>-file</a:t>
-            </a:r>
-          </a:p>
-          <a:p>
-            <a:pPr marL="0" indent="0">
-              <a:buNone/>
-            </a:pPr>
-            <a:r>
-              <a:rPr lang="pl-PL" sz="2300" dirty="0"/>
-              <a:t>-a, --</a:t>
-            </a:r>
-            <a:r>
-              <a:rPr lang="pl-PL" sz="2300" dirty="0" err="1"/>
-              <a:t>algorithm</a:t>
-            </a:r>
-            <a:endParaRPr lang="pl-PL" sz="2300" dirty="0"/>
-          </a:p>
-          <a:p>
-            <a:pPr marL="0" indent="0">
-              <a:buNone/>
-            </a:pPr>
-            <a:r>
-              <a:rPr lang="pl-PL" sz="2300" dirty="0"/>
-              <a:t>-u, --UCI-</a:t>
-            </a:r>
-            <a:r>
-              <a:rPr lang="pl-PL" sz="2300" dirty="0" err="1"/>
-              <a:t>dataset</a:t>
-            </a:r>
-            <a:endParaRPr lang="pl-PL" sz="2300" dirty="0"/>
-          </a:p>
-          <a:p>
-            <a:pPr marL="0" indent="0">
-              <a:buNone/>
-            </a:pPr>
-            <a:r>
-              <a:rPr lang="pl-PL" sz="2300" dirty="0"/>
-              <a:t>-s, --min-</a:t>
-            </a:r>
-            <a:r>
-              <a:rPr lang="pl-PL" sz="2300" dirty="0" err="1"/>
-              <a:t>support</a:t>
-            </a:r>
-            <a:endParaRPr lang="pl-PL" sz="2300" dirty="0"/>
-          </a:p>
-          <a:p>
-            <a:pPr marL="0" indent="0">
-              <a:buNone/>
-            </a:pPr>
-            <a:r>
-              <a:rPr lang="pl-PL" sz="2300" dirty="0"/>
-              <a:t>-c, --min-</a:t>
-            </a:r>
-            <a:r>
-              <a:rPr lang="pl-PL" sz="2300" dirty="0" err="1"/>
-              <a:t>confidence</a:t>
-            </a:r>
-            <a:endParaRPr lang="pl-PL" sz="2300" dirty="0">
-              <a:effectLst/>
-            </a:endParaRPr>
-          </a:p>
-          <a:p>
-            <a:pPr marL="0" indent="0">
-              <a:buNone/>
-            </a:pPr>
-            <a:r>
-              <a:rPr lang="pl-PL" sz="2300" dirty="0">
-                <a:effectLst/>
-              </a:rPr>
-              <a:t>Przykład uruchomienia skryptu z kilkoma flagami jednocześnie:</a:t>
-            </a:r>
-          </a:p>
-          <a:p>
-            <a:pPr marL="0" indent="0">
-              <a:buNone/>
-            </a:pPr>
-            <a:r>
-              <a:rPr lang="pl-PL" sz="2300" i="1" dirty="0" err="1">
-                <a:effectLst/>
-              </a:rPr>
-              <a:t>python</a:t>
-            </a:r>
-            <a:r>
-              <a:rPr lang="pl-PL" sz="2300" i="1" dirty="0">
-                <a:effectLst/>
-              </a:rPr>
-              <a:t> </a:t>
-            </a:r>
-            <a:r>
-              <a:rPr lang="pl-PL" sz="2300" i="1" dirty="0" err="1">
-                <a:effectLst/>
-              </a:rPr>
-              <a:t>script.py</a:t>
-            </a:r>
-            <a:r>
-              <a:rPr lang="pl-PL" sz="2300" i="1" dirty="0">
-                <a:effectLst/>
-              </a:rPr>
-              <a:t> -a </a:t>
-            </a:r>
-            <a:r>
-              <a:rPr lang="pl-PL" sz="2300" i="1" dirty="0" err="1">
-                <a:effectLst/>
-              </a:rPr>
-              <a:t>eclat</a:t>
-            </a:r>
-            <a:r>
-              <a:rPr lang="pl-PL" sz="2300" i="1" dirty="0">
-                <a:effectLst/>
-              </a:rPr>
-              <a:t> -u </a:t>
-            </a:r>
-            <a:r>
-              <a:rPr lang="pl-PL" sz="2300" i="1" dirty="0" err="1">
-                <a:effectLst/>
-              </a:rPr>
-              <a:t>nursery</a:t>
-            </a:r>
-            <a:r>
-              <a:rPr lang="pl-PL" sz="2300" i="1" dirty="0">
-                <a:effectLst/>
-              </a:rPr>
-              <a:t> -s 0.2 -c 0.7</a:t>
-            </a:r>
-            <a:endParaRPr lang="pl-PL" sz="2300" dirty="0">
-              <a:effectLst/>
-            </a:endParaRPr>
-          </a:p>
-          <a:p>
-            <a:pPr marL="0" indent="0">
-              <a:buNone/>
-            </a:pPr>
-            <a:endParaRPr lang="pl-PL" sz="2300" dirty="0">
-              <a:effectLst/>
-            </a:endParaRPr>
-          </a:p>
-          <a:p>
-            <a:endParaRPr lang="pl-PL" sz="2300" dirty="0"/>
-          </a:p>
-        </p:txBody>
-      </p:sp>
-    </p:spTree>
-    <p:extLst>
-      <p:ext uri="{BB962C8B-B14F-4D97-AF65-F5344CB8AC3E}">
-        <p14:creationId xmlns:p14="http://schemas.microsoft.com/office/powerpoint/2010/main" val="1014590249"/>
       </p:ext>
     </p:extLst>
   </p:cSld>
@@ -14105,4 +17309,319 @@
     </a:ext>
   </a:extLst>
 </a:theme>
+</file>
+
+<file path=ppt/theme/theme2.xml><?xml version="1.0" encoding="utf-8"?>
+<a:theme xmlns:a="http://schemas.openxmlformats.org/drawingml/2006/main" name="Motyw pakietu Office">
+  <a:themeElements>
+    <a:clrScheme name="Pakiet Office">
+      <a:dk1>
+        <a:sysClr val="windowText" lastClr="000000"/>
+      </a:dk1>
+      <a:lt1>
+        <a:sysClr val="window" lastClr="FFFFFF"/>
+      </a:lt1>
+      <a:dk2>
+        <a:srgbClr val="0E2841"/>
+      </a:dk2>
+      <a:lt2>
+        <a:srgbClr val="E8E8E8"/>
+      </a:lt2>
+      <a:accent1>
+        <a:srgbClr val="156082"/>
+      </a:accent1>
+      <a:accent2>
+        <a:srgbClr val="E97132"/>
+      </a:accent2>
+      <a:accent3>
+        <a:srgbClr val="196B24"/>
+      </a:accent3>
+      <a:accent4>
+        <a:srgbClr val="0F9ED5"/>
+      </a:accent4>
+      <a:accent5>
+        <a:srgbClr val="A02B93"/>
+      </a:accent5>
+      <a:accent6>
+        <a:srgbClr val="4EA72E"/>
+      </a:accent6>
+      <a:hlink>
+        <a:srgbClr val="467886"/>
+      </a:hlink>
+      <a:folHlink>
+        <a:srgbClr val="96607D"/>
+      </a:folHlink>
+    </a:clrScheme>
+    <a:fontScheme name="Pakiet Office">
+      <a:majorFont>
+        <a:latin typeface="Aptos Display" panose="02110004020202020204"/>
+        <a:ea typeface=""/>
+        <a:cs typeface=""/>
+        <a:font script="Jpan" typeface="游ゴシック Light"/>
+        <a:font script="Hang" typeface="맑은 고딕"/>
+        <a:font script="Hans" typeface="等线 Light"/>
+        <a:font script="Hant" typeface="新細明體"/>
+        <a:font script="Arab" typeface="Times New Roman"/>
+        <a:font script="Hebr" typeface="Times New Roman"/>
+        <a:font script="Thai" typeface="Angsana New"/>
+        <a:font script="Ethi" typeface="Nyala"/>
+        <a:font script="Beng" typeface="Vrinda"/>
+        <a:font script="Gujr" typeface="Shruti"/>
+        <a:font script="Khmr" typeface="MoolBoran"/>
+        <a:font script="Knda" typeface="Tunga"/>
+        <a:font script="Guru" typeface="Raavi"/>
+        <a:font script="Cans" typeface="Euphemia"/>
+        <a:font script="Cher" typeface="Plantagenet Cherokee"/>
+        <a:font script="Yiii" typeface="Microsoft Yi Baiti"/>
+        <a:font script="Tibt" typeface="Microsoft Himalaya"/>
+        <a:font script="Thaa" typeface="MV Boli"/>
+        <a:font script="Deva" typeface="Mangal"/>
+        <a:font script="Telu" typeface="Gautami"/>
+        <a:font script="Taml" typeface="Latha"/>
+        <a:font script="Syrc" typeface="Estrangelo Edessa"/>
+        <a:font script="Orya" typeface="Kalinga"/>
+        <a:font script="Mlym" typeface="Kartika"/>
+        <a:font script="Laoo" typeface="DokChampa"/>
+        <a:font script="Sinh" typeface="Iskoola Pota"/>
+        <a:font script="Mong" typeface="Mongolian Baiti"/>
+        <a:font script="Viet" typeface="Times New Roman"/>
+        <a:font script="Uigh" typeface="Microsoft Uighur"/>
+        <a:font script="Geor" typeface="Sylfaen"/>
+        <a:font script="Armn" typeface="Arial"/>
+        <a:font script="Bugi" typeface="Leelawadee UI"/>
+        <a:font script="Bopo" typeface="Microsoft JhengHei"/>
+        <a:font script="Java" typeface="Javanese Text"/>
+        <a:font script="Lisu" typeface="Segoe UI"/>
+        <a:font script="Mymr" typeface="Myanmar Text"/>
+        <a:font script="Nkoo" typeface="Ebrima"/>
+        <a:font script="Olck" typeface="Nirmala UI"/>
+        <a:font script="Osma" typeface="Ebrima"/>
+        <a:font script="Phag" typeface="Phagspa"/>
+        <a:font script="Syrn" typeface="Estrangelo Edessa"/>
+        <a:font script="Syrj" typeface="Estrangelo Edessa"/>
+        <a:font script="Syre" typeface="Estrangelo Edessa"/>
+        <a:font script="Sora" typeface="Nirmala UI"/>
+        <a:font script="Tale" typeface="Microsoft Tai Le"/>
+        <a:font script="Talu" typeface="Microsoft New Tai Lue"/>
+        <a:font script="Tfng" typeface="Ebrima"/>
+      </a:majorFont>
+      <a:minorFont>
+        <a:latin typeface="Aptos" panose="02110004020202020204"/>
+        <a:ea typeface=""/>
+        <a:cs typeface=""/>
+        <a:font script="Jpan" typeface="游ゴシック"/>
+        <a:font script="Hang" typeface="맑은 고딕"/>
+        <a:font script="Hans" typeface="等线"/>
+        <a:font script="Hant" typeface="新細明體"/>
+        <a:font script="Arab" typeface="Arial"/>
+        <a:font script="Hebr" typeface="Arial"/>
+        <a:font script="Thai" typeface="Cordia New"/>
+        <a:font script="Ethi" typeface="Nyala"/>
+        <a:font script="Beng" typeface="Vrinda"/>
+        <a:font script="Gujr" typeface="Shruti"/>
+        <a:font script="Khmr" typeface="DaunPenh"/>
+        <a:font script="Knda" typeface="Tunga"/>
+        <a:font script="Guru" typeface="Raavi"/>
+        <a:font script="Cans" typeface="Euphemia"/>
+        <a:font script="Cher" typeface="Plantagenet Cherokee"/>
+        <a:font script="Yiii" typeface="Microsoft Yi Baiti"/>
+        <a:font script="Tibt" typeface="Microsoft Himalaya"/>
+        <a:font script="Thaa" typeface="MV Boli"/>
+        <a:font script="Deva" typeface="Mangal"/>
+        <a:font script="Telu" typeface="Gautami"/>
+        <a:font script="Taml" typeface="Latha"/>
+        <a:font script="Syrc" typeface="Estrangelo Edessa"/>
+        <a:font script="Orya" typeface="Kalinga"/>
+        <a:font script="Mlym" typeface="Kartika"/>
+        <a:font script="Laoo" typeface="DokChampa"/>
+        <a:font script="Sinh" typeface="Iskoola Pota"/>
+        <a:font script="Mong" typeface="Mongolian Baiti"/>
+        <a:font script="Viet" typeface="Arial"/>
+        <a:font script="Uigh" typeface="Microsoft Uighur"/>
+        <a:font script="Geor" typeface="Sylfaen"/>
+        <a:font script="Armn" typeface="Arial"/>
+        <a:font script="Bugi" typeface="Leelawadee UI"/>
+        <a:font script="Bopo" typeface="Microsoft JhengHei"/>
+        <a:font script="Java" typeface="Javanese Text"/>
+        <a:font script="Lisu" typeface="Segoe UI"/>
+        <a:font script="Mymr" typeface="Myanmar Text"/>
+        <a:font script="Nkoo" typeface="Ebrima"/>
+        <a:font script="Olck" typeface="Nirmala UI"/>
+        <a:font script="Osma" typeface="Ebrima"/>
+        <a:font script="Phag" typeface="Phagspa"/>
+        <a:font script="Syrn" typeface="Estrangelo Edessa"/>
+        <a:font script="Syrj" typeface="Estrangelo Edessa"/>
+        <a:font script="Syre" typeface="Estrangelo Edessa"/>
+        <a:font script="Sora" typeface="Nirmala UI"/>
+        <a:font script="Tale" typeface="Microsoft Tai Le"/>
+        <a:font script="Talu" typeface="Microsoft New Tai Lue"/>
+        <a:font script="Tfng" typeface="Ebrima"/>
+      </a:minorFont>
+    </a:fontScheme>
+    <a:fmtScheme name="Pakiet Office">
+      <a:fillStyleLst>
+        <a:solidFill>
+          <a:schemeClr val="phClr"/>
+        </a:solidFill>
+        <a:gradFill rotWithShape="1">
+          <a:gsLst>
+            <a:gs pos="0">
+              <a:schemeClr val="phClr">
+                <a:lumMod val="110000"/>
+                <a:satMod val="105000"/>
+                <a:tint val="67000"/>
+              </a:schemeClr>
+            </a:gs>
+            <a:gs pos="50000">
+              <a:schemeClr val="phClr">
+                <a:lumMod val="105000"/>
+                <a:satMod val="103000"/>
+                <a:tint val="73000"/>
+              </a:schemeClr>
+            </a:gs>
+            <a:gs pos="100000">
+              <a:schemeClr val="phClr">
+                <a:lumMod val="105000"/>
+                <a:satMod val="109000"/>
+                <a:tint val="81000"/>
+              </a:schemeClr>
+            </a:gs>
+          </a:gsLst>
+          <a:lin ang="5400000" scaled="0"/>
+        </a:gradFill>
+        <a:gradFill rotWithShape="1">
+          <a:gsLst>
+            <a:gs pos="0">
+              <a:schemeClr val="phClr">
+                <a:satMod val="103000"/>
+                <a:lumMod val="102000"/>
+                <a:tint val="94000"/>
+              </a:schemeClr>
+            </a:gs>
+            <a:gs pos="50000">
+              <a:schemeClr val="phClr">
+                <a:satMod val="110000"/>
+                <a:lumMod val="100000"/>
+                <a:shade val="100000"/>
+              </a:schemeClr>
+            </a:gs>
+            <a:gs pos="100000">
+              <a:schemeClr val="phClr">
+                <a:lumMod val="99000"/>
+                <a:satMod val="120000"/>
+                <a:shade val="78000"/>
+              </a:schemeClr>
+            </a:gs>
+          </a:gsLst>
+          <a:lin ang="5400000" scaled="0"/>
+        </a:gradFill>
+      </a:fillStyleLst>
+      <a:lnStyleLst>
+        <a:ln w="12700" cap="flat" cmpd="sng" algn="ctr">
+          <a:solidFill>
+            <a:schemeClr val="phClr"/>
+          </a:solidFill>
+          <a:prstDash val="solid"/>
+          <a:miter lim="800000"/>
+        </a:ln>
+        <a:ln w="19050" cap="flat" cmpd="sng" algn="ctr">
+          <a:solidFill>
+            <a:schemeClr val="phClr"/>
+          </a:solidFill>
+          <a:prstDash val="solid"/>
+          <a:miter lim="800000"/>
+        </a:ln>
+        <a:ln w="25400" cap="flat" cmpd="sng" algn="ctr">
+          <a:solidFill>
+            <a:schemeClr val="phClr"/>
+          </a:solidFill>
+          <a:prstDash val="solid"/>
+          <a:miter lim="800000"/>
+        </a:ln>
+      </a:lnStyleLst>
+      <a:effectStyleLst>
+        <a:effectStyle>
+          <a:effectLst/>
+        </a:effectStyle>
+        <a:effectStyle>
+          <a:effectLst/>
+        </a:effectStyle>
+        <a:effectStyle>
+          <a:effectLst>
+            <a:outerShdw blurRad="57150" dist="19050" dir="5400000" algn="ctr" rotWithShape="0">
+              <a:srgbClr val="000000">
+                <a:alpha val="63000"/>
+              </a:srgbClr>
+            </a:outerShdw>
+          </a:effectLst>
+        </a:effectStyle>
+      </a:effectStyleLst>
+      <a:bgFillStyleLst>
+        <a:solidFill>
+          <a:schemeClr val="phClr"/>
+        </a:solidFill>
+        <a:solidFill>
+          <a:schemeClr val="phClr">
+            <a:tint val="95000"/>
+            <a:satMod val="170000"/>
+          </a:schemeClr>
+        </a:solidFill>
+        <a:gradFill rotWithShape="1">
+          <a:gsLst>
+            <a:gs pos="0">
+              <a:schemeClr val="phClr">
+                <a:tint val="93000"/>
+                <a:satMod val="150000"/>
+                <a:shade val="98000"/>
+                <a:lumMod val="102000"/>
+              </a:schemeClr>
+            </a:gs>
+            <a:gs pos="50000">
+              <a:schemeClr val="phClr">
+                <a:tint val="98000"/>
+                <a:satMod val="130000"/>
+                <a:shade val="90000"/>
+                <a:lumMod val="103000"/>
+              </a:schemeClr>
+            </a:gs>
+            <a:gs pos="100000">
+              <a:schemeClr val="phClr">
+                <a:shade val="63000"/>
+                <a:satMod val="120000"/>
+              </a:schemeClr>
+            </a:gs>
+          </a:gsLst>
+          <a:lin ang="5400000" scaled="0"/>
+        </a:gradFill>
+      </a:bgFillStyleLst>
+    </a:fmtScheme>
+  </a:themeElements>
+  <a:objectDefaults>
+    <a:lnDef>
+      <a:spPr/>
+      <a:bodyPr/>
+      <a:lstStyle/>
+      <a:style>
+        <a:lnRef idx="2">
+          <a:schemeClr val="accent1"/>
+        </a:lnRef>
+        <a:fillRef idx="0">
+          <a:schemeClr val="accent1"/>
+        </a:fillRef>
+        <a:effectRef idx="1">
+          <a:schemeClr val="accent1"/>
+        </a:effectRef>
+        <a:fontRef idx="minor">
+          <a:schemeClr val="tx1"/>
+        </a:fontRef>
+      </a:style>
+    </a:lnDef>
+  </a:objectDefaults>
+  <a:extraClrSchemeLst/>
+  <a:extLst>
+    <a:ext uri="{05A4C25C-085E-4340-85A3-A5531E510DB2}">
+      <thm15:themeFamily xmlns:thm15="http://schemas.microsoft.com/office/thememl/2012/main" name="Office Theme" id="{2E142A2C-CD16-42D6-873A-C26D2A0506FA}" vid="{1BDDFF52-6CD6-40A5-AB3C-68EB2F1E4D0A}"/>
+    </a:ext>
+  </a:extLst>
+</a:theme>
 </file>